--- a/07_presentation/project_documentation.pptx
+++ b/07_presentation/project_documentation.pptx
@@ -5,10 +5,10 @@
     <p:sldMasterId id="2147483672" r:id="rId1"/>
   </p:sldMasterIdLst>
   <p:notesMasterIdLst>
-    <p:notesMasterId r:id="rId16"/>
+    <p:notesMasterId r:id="rId15"/>
   </p:notesMasterIdLst>
   <p:handoutMasterIdLst>
-    <p:handoutMasterId r:id="rId17"/>
+    <p:handoutMasterId r:id="rId16"/>
   </p:handoutMasterIdLst>
   <p:sldIdLst>
     <p:sldId id="256" r:id="rId2"/>
@@ -18,13 +18,12 @@
     <p:sldId id="258" r:id="rId6"/>
     <p:sldId id="265" r:id="rId7"/>
     <p:sldId id="263" r:id="rId8"/>
-    <p:sldId id="267" r:id="rId9"/>
-    <p:sldId id="264" r:id="rId10"/>
-    <p:sldId id="259" r:id="rId11"/>
-    <p:sldId id="270" r:id="rId12"/>
-    <p:sldId id="271" r:id="rId13"/>
-    <p:sldId id="260" r:id="rId14"/>
-    <p:sldId id="268" r:id="rId15"/>
+    <p:sldId id="264" r:id="rId9"/>
+    <p:sldId id="267" r:id="rId10"/>
+    <p:sldId id="270" r:id="rId11"/>
+    <p:sldId id="271" r:id="rId12"/>
+    <p:sldId id="260" r:id="rId13"/>
+    <p:sldId id="268" r:id="rId14"/>
   </p:sldIdLst>
   <p:sldSz cx="12192000" cy="6858000"/>
   <p:notesSz cx="6858000" cy="9144000"/>
@@ -137,7 +136,7 @@
 <file path=ppt/revisionInfo.xml><?xml version="1.0" encoding="utf-8"?>
 <p1510:revInfo xmlns:a="http://schemas.openxmlformats.org/drawingml/2006/main" xmlns:r="http://schemas.openxmlformats.org/officeDocument/2006/relationships" xmlns:p1510="http://schemas.microsoft.com/office/powerpoint/2015/10/main">
   <p1510:revLst>
-    <p1510:client id="{55ECBE0D-EF17-4E9E-9ED9-875BED13016C}" v="282" dt="2023-02-27T10:30:57.509"/>
+    <p1510:client id="{55ECBE0D-EF17-4E9E-9ED9-875BED13016C}" v="287" dt="2023-03-01T06:58:36.757"/>
   </p1510:revLst>
 </p1510:revInfo>
 </file>
@@ -147,7 +146,7 @@
   <pc:docChgLst>
     <pc:chgData name="Florin Curiger" userId="1b93973508f151b4" providerId="LiveId" clId="{55ECBE0D-EF17-4E9E-9ED9-875BED13016C}"/>
     <pc:docChg chg="undo custSel addSld delSld modSld sldOrd">
-      <pc:chgData name="Florin Curiger" userId="1b93973508f151b4" providerId="LiveId" clId="{55ECBE0D-EF17-4E9E-9ED9-875BED13016C}" dt="2023-02-27T12:03:01.701" v="4579" actId="20577"/>
+      <pc:chgData name="Florin Curiger" userId="1b93973508f151b4" providerId="LiveId" clId="{55ECBE0D-EF17-4E9E-9ED9-875BED13016C}" dt="2023-03-01T07:08:36.770" v="5111" actId="20577"/>
       <pc:docMkLst>
         <pc:docMk/>
       </pc:docMkLst>
@@ -167,7 +166,7 @@
         </pc:spChg>
       </pc:sldChg>
       <pc:sldChg chg="addSp delSp modSp add del mod modClrScheme modShow chgLayout">
-        <pc:chgData name="Florin Curiger" userId="1b93973508f151b4" providerId="LiveId" clId="{55ECBE0D-EF17-4E9E-9ED9-875BED13016C}" dt="2023-02-27T10:02:12.616" v="2869" actId="729"/>
+        <pc:chgData name="Florin Curiger" userId="1b93973508f151b4" providerId="LiveId" clId="{55ECBE0D-EF17-4E9E-9ED9-875BED13016C}" dt="2023-03-01T07:01:46.398" v="4649" actId="729"/>
         <pc:sldMkLst>
           <pc:docMk/>
           <pc:sldMk cId="497607547" sldId="258"/>
@@ -278,20 +277,20 @@
         </pc:picChg>
       </pc:sldChg>
       <pc:sldChg chg="add del mod ord modShow">
-        <pc:chgData name="Florin Curiger" userId="1b93973508f151b4" providerId="LiveId" clId="{55ECBE0D-EF17-4E9E-9ED9-875BED13016C}" dt="2023-02-27T10:02:28.808" v="2872" actId="729"/>
+        <pc:chgData name="Florin Curiger" userId="1b93973508f151b4" providerId="LiveId" clId="{55ECBE0D-EF17-4E9E-9ED9-875BED13016C}" dt="2023-03-01T07:01:22.563" v="4648" actId="2696"/>
         <pc:sldMkLst>
           <pc:docMk/>
           <pc:sldMk cId="4209322005" sldId="259"/>
         </pc:sldMkLst>
       </pc:sldChg>
       <pc:sldChg chg="addSp delSp modSp add del mod">
-        <pc:chgData name="Florin Curiger" userId="1b93973508f151b4" providerId="LiveId" clId="{55ECBE0D-EF17-4E9E-9ED9-875BED13016C}" dt="2023-02-27T12:03:01.701" v="4579" actId="20577"/>
+        <pc:chgData name="Florin Curiger" userId="1b93973508f151b4" providerId="LiveId" clId="{55ECBE0D-EF17-4E9E-9ED9-875BED13016C}" dt="2023-03-01T07:08:14.969" v="5069" actId="20577"/>
         <pc:sldMkLst>
           <pc:docMk/>
           <pc:sldMk cId="3501347425" sldId="260"/>
         </pc:sldMkLst>
         <pc:spChg chg="mod">
-          <ac:chgData name="Florin Curiger" userId="1b93973508f151b4" providerId="LiveId" clId="{55ECBE0D-EF17-4E9E-9ED9-875BED13016C}" dt="2023-02-27T12:02:56.394" v="4567" actId="20577"/>
+          <ac:chgData name="Florin Curiger" userId="1b93973508f151b4" providerId="LiveId" clId="{55ECBE0D-EF17-4E9E-9ED9-875BED13016C}" dt="2023-03-01T07:08:14.969" v="5069" actId="20577"/>
           <ac:spMkLst>
             <pc:docMk/>
             <pc:sldMk cId="3501347425" sldId="260"/>
@@ -299,7 +298,7 @@
           </ac:spMkLst>
         </pc:spChg>
         <pc:spChg chg="add del mod">
-          <ac:chgData name="Florin Curiger" userId="1b93973508f151b4" providerId="LiveId" clId="{55ECBE0D-EF17-4E9E-9ED9-875BED13016C}" dt="2023-02-27T12:03:01.701" v="4579" actId="20577"/>
+          <ac:chgData name="Florin Curiger" userId="1b93973508f151b4" providerId="LiveId" clId="{55ECBE0D-EF17-4E9E-9ED9-875BED13016C}" dt="2023-03-01T07:07:46.640" v="5063" actId="478"/>
           <ac:spMkLst>
             <pc:docMk/>
             <pc:sldMk cId="3501347425" sldId="260"/>
@@ -331,7 +330,7 @@
         </pc:graphicFrameChg>
       </pc:sldChg>
       <pc:sldChg chg="modSp new add del mod ord">
-        <pc:chgData name="Florin Curiger" userId="1b93973508f151b4" providerId="LiveId" clId="{55ECBE0D-EF17-4E9E-9ED9-875BED13016C}" dt="2023-02-27T10:01:35.380" v="2857" actId="2696"/>
+        <pc:chgData name="Florin Curiger" userId="1b93973508f151b4" providerId="LiveId" clId="{55ECBE0D-EF17-4E9E-9ED9-875BED13016C}" dt="2023-03-01T07:00:09.140" v="4643" actId="20577"/>
         <pc:sldMkLst>
           <pc:docMk/>
           <pc:sldMk cId="1455836631" sldId="262"/>
@@ -345,7 +344,7 @@
           </ac:spMkLst>
         </pc:spChg>
         <pc:spChg chg="mod">
-          <ac:chgData name="Florin Curiger" userId="1b93973508f151b4" providerId="LiveId" clId="{55ECBE0D-EF17-4E9E-9ED9-875BED13016C}" dt="2023-02-27T09:56:32.743" v="2814" actId="403"/>
+          <ac:chgData name="Florin Curiger" userId="1b93973508f151b4" providerId="LiveId" clId="{55ECBE0D-EF17-4E9E-9ED9-875BED13016C}" dt="2023-03-01T07:00:09.140" v="4643" actId="20577"/>
           <ac:spMkLst>
             <pc:docMk/>
             <pc:sldMk cId="1455836631" sldId="262"/>
@@ -400,7 +399,7 @@
         </pc:spChg>
       </pc:sldChg>
       <pc:sldChg chg="modSp new add del mod ord modShow">
-        <pc:chgData name="Florin Curiger" userId="1b93973508f151b4" providerId="LiveId" clId="{55ECBE0D-EF17-4E9E-9ED9-875BED13016C}" dt="2023-02-27T10:01:59.513" v="2867" actId="729"/>
+        <pc:chgData name="Florin Curiger" userId="1b93973508f151b4" providerId="LiveId" clId="{55ECBE0D-EF17-4E9E-9ED9-875BED13016C}" dt="2023-03-01T07:00:59.812" v="4647"/>
         <pc:sldMkLst>
           <pc:docMk/>
           <pc:sldMk cId="3835322438" sldId="264"/>
@@ -423,7 +422,7 @@
         </pc:spChg>
       </pc:sldChg>
       <pc:sldChg chg="addSp modSp new add del mod modClrScheme modShow chgLayout">
-        <pc:chgData name="Florin Curiger" userId="1b93973508f151b4" providerId="LiveId" clId="{55ECBE0D-EF17-4E9E-9ED9-875BED13016C}" dt="2023-02-27T10:02:07.138" v="2868" actId="729"/>
+        <pc:chgData name="Florin Curiger" userId="1b93973508f151b4" providerId="LiveId" clId="{55ECBE0D-EF17-4E9E-9ED9-875BED13016C}" dt="2023-03-01T07:03:30.060" v="4786" actId="729"/>
         <pc:sldMkLst>
           <pc:docMk/>
           <pc:sldMk cId="1612618970" sldId="265"/>
@@ -437,7 +436,7 @@
           </ac:spMkLst>
         </pc:spChg>
         <pc:spChg chg="mod">
-          <ac:chgData name="Florin Curiger" userId="1b93973508f151b4" providerId="LiveId" clId="{55ECBE0D-EF17-4E9E-9ED9-875BED13016C}" dt="2023-02-27T09:10:55.266" v="1781" actId="20577"/>
+          <ac:chgData name="Florin Curiger" userId="1b93973508f151b4" providerId="LiveId" clId="{55ECBE0D-EF17-4E9E-9ED9-875BED13016C}" dt="2023-03-01T07:03:23.437" v="4785" actId="20577"/>
           <ac:spMkLst>
             <pc:docMk/>
             <pc:sldMk cId="1612618970" sldId="265"/>
@@ -516,7 +515,7 @@
         </pc:spChg>
       </pc:sldChg>
       <pc:sldChg chg="modSp new add del mod modShow">
-        <pc:chgData name="Florin Curiger" userId="1b93973508f151b4" providerId="LiveId" clId="{55ECBE0D-EF17-4E9E-9ED9-875BED13016C}" dt="2023-02-27T10:01:51.877" v="2866" actId="729"/>
+        <pc:chgData name="Florin Curiger" userId="1b93973508f151b4" providerId="LiveId" clId="{55ECBE0D-EF17-4E9E-9ED9-875BED13016C}" dt="2023-03-01T07:00:49.401" v="4644" actId="729"/>
         <pc:sldMkLst>
           <pc:docMk/>
           <pc:sldMk cId="21540806" sldId="267"/>
@@ -539,7 +538,7 @@
         </pc:spChg>
       </pc:sldChg>
       <pc:sldChg chg="modSp add del mod ord">
-        <pc:chgData name="Florin Curiger" userId="1b93973508f151b4" providerId="LiveId" clId="{55ECBE0D-EF17-4E9E-9ED9-875BED13016C}" dt="2023-02-27T10:30:50.169" v="4548" actId="313"/>
+        <pc:chgData name="Florin Curiger" userId="1b93973508f151b4" providerId="LiveId" clId="{55ECBE0D-EF17-4E9E-9ED9-875BED13016C}" dt="2023-03-01T07:08:36.770" v="5111" actId="20577"/>
         <pc:sldMkLst>
           <pc:docMk/>
           <pc:sldMk cId="4280168623" sldId="268"/>
@@ -553,7 +552,7 @@
           </ac:spMkLst>
         </pc:spChg>
         <pc:spChg chg="mod">
-          <ac:chgData name="Florin Curiger" userId="1b93973508f151b4" providerId="LiveId" clId="{55ECBE0D-EF17-4E9E-9ED9-875BED13016C}" dt="2023-02-27T09:46:15.012" v="2693" actId="20577"/>
+          <ac:chgData name="Florin Curiger" userId="1b93973508f151b4" providerId="LiveId" clId="{55ECBE0D-EF17-4E9E-9ED9-875BED13016C}" dt="2023-03-01T07:08:36.770" v="5111" actId="20577"/>
           <ac:spMkLst>
             <pc:docMk/>
             <pc:sldMk cId="4280168623" sldId="268"/>
@@ -561,14 +560,14 @@
           </ac:spMkLst>
         </pc:spChg>
       </pc:sldChg>
-      <pc:sldChg chg="modSp new add del mod">
-        <pc:chgData name="Florin Curiger" userId="1b93973508f151b4" providerId="LiveId" clId="{55ECBE0D-EF17-4E9E-9ED9-875BED13016C}" dt="2023-02-27T10:01:35.214" v="2856" actId="2696"/>
+      <pc:sldChg chg="addSp modSp new add del mod modClrScheme chgLayout">
+        <pc:chgData name="Florin Curiger" userId="1b93973508f151b4" providerId="LiveId" clId="{55ECBE0D-EF17-4E9E-9ED9-875BED13016C}" dt="2023-03-01T06:58:36.757" v="4629" actId="1076"/>
         <pc:sldMkLst>
           <pc:docMk/>
           <pc:sldMk cId="3394921682" sldId="269"/>
         </pc:sldMkLst>
         <pc:spChg chg="mod">
-          <ac:chgData name="Florin Curiger" userId="1b93973508f151b4" providerId="LiveId" clId="{55ECBE0D-EF17-4E9E-9ED9-875BED13016C}" dt="2023-02-27T09:55:20.717" v="2701" actId="20577"/>
+          <ac:chgData name="Florin Curiger" userId="1b93973508f151b4" providerId="LiveId" clId="{55ECBE0D-EF17-4E9E-9ED9-875BED13016C}" dt="2023-03-01T06:58:23.508" v="4627" actId="26606"/>
           <ac:spMkLst>
             <pc:docMk/>
             <pc:sldMk cId="3394921682" sldId="269"/>
@@ -576,16 +575,24 @@
           </ac:spMkLst>
         </pc:spChg>
         <pc:spChg chg="mod">
-          <ac:chgData name="Florin Curiger" userId="1b93973508f151b4" providerId="LiveId" clId="{55ECBE0D-EF17-4E9E-9ED9-875BED13016C}" dt="2023-02-27T09:56:27.742" v="2813" actId="404"/>
+          <ac:chgData name="Florin Curiger" userId="1b93973508f151b4" providerId="LiveId" clId="{55ECBE0D-EF17-4E9E-9ED9-875BED13016C}" dt="2023-03-01T06:58:23.508" v="4627" actId="26606"/>
           <ac:spMkLst>
             <pc:docMk/>
             <pc:sldMk cId="3394921682" sldId="269"/>
             <ac:spMk id="3" creationId="{8AF1A09A-A091-658A-F663-0F19EF0C443F}"/>
           </ac:spMkLst>
         </pc:spChg>
+        <pc:picChg chg="add mod">
+          <ac:chgData name="Florin Curiger" userId="1b93973508f151b4" providerId="LiveId" clId="{55ECBE0D-EF17-4E9E-9ED9-875BED13016C}" dt="2023-03-01T06:58:36.757" v="4629" actId="1076"/>
+          <ac:picMkLst>
+            <pc:docMk/>
+            <pc:sldMk cId="3394921682" sldId="269"/>
+            <ac:picMk id="1026" creationId="{1B8A97A5-B2E4-B15B-C699-8291D42E5D9D}"/>
+          </ac:picMkLst>
+        </pc:picChg>
       </pc:sldChg>
       <pc:sldChg chg="modSp add mod ord modShow">
-        <pc:chgData name="Florin Curiger" userId="1b93973508f151b4" providerId="LiveId" clId="{55ECBE0D-EF17-4E9E-9ED9-875BED13016C}" dt="2023-02-27T10:18:29.596" v="4349" actId="20577"/>
+        <pc:chgData name="Florin Curiger" userId="1b93973508f151b4" providerId="LiveId" clId="{55ECBE0D-EF17-4E9E-9ED9-875BED13016C}" dt="2023-03-01T07:06:51.847" v="5025" actId="20577"/>
         <pc:sldMkLst>
           <pc:docMk/>
           <pc:sldMk cId="1361176064" sldId="270"/>
@@ -599,7 +606,7 @@
           </ac:spMkLst>
         </pc:spChg>
         <pc:spChg chg="mod">
-          <ac:chgData name="Florin Curiger" userId="1b93973508f151b4" providerId="LiveId" clId="{55ECBE0D-EF17-4E9E-9ED9-875BED13016C}" dt="2023-02-27T10:18:29.596" v="4349" actId="20577"/>
+          <ac:chgData name="Florin Curiger" userId="1b93973508f151b4" providerId="LiveId" clId="{55ECBE0D-EF17-4E9E-9ED9-875BED13016C}" dt="2023-03-01T07:06:51.847" v="5025" actId="20577"/>
           <ac:spMkLst>
             <pc:docMk/>
             <pc:sldMk cId="1361176064" sldId="270"/>
@@ -608,7 +615,7 @@
         </pc:spChg>
       </pc:sldChg>
       <pc:sldChg chg="modSp add mod">
-        <pc:chgData name="Florin Curiger" userId="1b93973508f151b4" providerId="LiveId" clId="{55ECBE0D-EF17-4E9E-9ED9-875BED13016C}" dt="2023-02-27T10:21:14.309" v="4504" actId="20577"/>
+        <pc:chgData name="Florin Curiger" userId="1b93973508f151b4" providerId="LiveId" clId="{55ECBE0D-EF17-4E9E-9ED9-875BED13016C}" dt="2023-03-01T07:04:56.459" v="4912" actId="20577"/>
         <pc:sldMkLst>
           <pc:docMk/>
           <pc:sldMk cId="3597306854" sldId="271"/>
@@ -622,7 +629,7 @@
           </ac:spMkLst>
         </pc:spChg>
         <pc:spChg chg="mod">
-          <ac:chgData name="Florin Curiger" userId="1b93973508f151b4" providerId="LiveId" clId="{55ECBE0D-EF17-4E9E-9ED9-875BED13016C}" dt="2023-02-27T10:21:14.309" v="4504" actId="20577"/>
+          <ac:chgData name="Florin Curiger" userId="1b93973508f151b4" providerId="LiveId" clId="{55ECBE0D-EF17-4E9E-9ED9-875BED13016C}" dt="2023-03-01T07:04:56.459" v="4912" actId="20577"/>
           <ac:spMkLst>
             <pc:docMk/>
             <pc:sldMk cId="3597306854" sldId="271"/>
@@ -1447,753 +1454,6 @@
 </file>
 
 <file path=ppt/diagrams/colors2.xml><?xml version="1.0" encoding="utf-8"?>
-<dgm:colorsDef xmlns:dgm="http://schemas.openxmlformats.org/drawingml/2006/diagram" xmlns:a="http://schemas.openxmlformats.org/drawingml/2006/main" uniqueId="urn:microsoft.com/office/officeart/2005/8/colors/accent2_2">
-  <dgm:title val=""/>
-  <dgm:desc val=""/>
-  <dgm:catLst>
-    <dgm:cat type="accent2" pri="11200"/>
-  </dgm:catLst>
-  <dgm:styleLbl name="node0">
-    <dgm:fillClrLst meth="repeat">
-      <a:schemeClr val="accent2"/>
-    </dgm:fillClrLst>
-    <dgm:linClrLst meth="repeat">
-      <a:schemeClr val="lt1"/>
-    </dgm:linClrLst>
-    <dgm:effectClrLst/>
-    <dgm:txLinClrLst/>
-    <dgm:txFillClrLst/>
-    <dgm:txEffectClrLst/>
-  </dgm:styleLbl>
-  <dgm:styleLbl name="node1">
-    <dgm:fillClrLst meth="repeat">
-      <a:schemeClr val="accent2"/>
-    </dgm:fillClrLst>
-    <dgm:linClrLst meth="repeat">
-      <a:schemeClr val="lt1"/>
-    </dgm:linClrLst>
-    <dgm:effectClrLst/>
-    <dgm:txLinClrLst/>
-    <dgm:txFillClrLst/>
-    <dgm:txEffectClrLst/>
-  </dgm:styleLbl>
-  <dgm:styleLbl name="alignNode1">
-    <dgm:fillClrLst meth="repeat">
-      <a:schemeClr val="accent2"/>
-    </dgm:fillClrLst>
-    <dgm:linClrLst meth="repeat">
-      <a:schemeClr val="accent2"/>
-    </dgm:linClrLst>
-    <dgm:effectClrLst/>
-    <dgm:txLinClrLst/>
-    <dgm:txFillClrLst/>
-    <dgm:txEffectClrLst/>
-  </dgm:styleLbl>
-  <dgm:styleLbl name="lnNode1">
-    <dgm:fillClrLst meth="repeat">
-      <a:schemeClr val="accent2"/>
-    </dgm:fillClrLst>
-    <dgm:linClrLst meth="repeat">
-      <a:schemeClr val="lt1"/>
-    </dgm:linClrLst>
-    <dgm:effectClrLst/>
-    <dgm:txLinClrLst/>
-    <dgm:txFillClrLst/>
-    <dgm:txEffectClrLst/>
-  </dgm:styleLbl>
-  <dgm:styleLbl name="vennNode1">
-    <dgm:fillClrLst meth="repeat">
-      <a:schemeClr val="accent2">
-        <a:alpha val="50000"/>
-      </a:schemeClr>
-    </dgm:fillClrLst>
-    <dgm:linClrLst meth="repeat">
-      <a:schemeClr val="lt1"/>
-    </dgm:linClrLst>
-    <dgm:effectClrLst/>
-    <dgm:txLinClrLst/>
-    <dgm:txFillClrLst/>
-    <dgm:txEffectClrLst/>
-  </dgm:styleLbl>
-  <dgm:styleLbl name="node2">
-    <dgm:fillClrLst meth="repeat">
-      <a:schemeClr val="accent2"/>
-    </dgm:fillClrLst>
-    <dgm:linClrLst meth="repeat">
-      <a:schemeClr val="lt1"/>
-    </dgm:linClrLst>
-    <dgm:effectClrLst/>
-    <dgm:txLinClrLst/>
-    <dgm:txFillClrLst/>
-    <dgm:txEffectClrLst/>
-  </dgm:styleLbl>
-  <dgm:styleLbl name="node3">
-    <dgm:fillClrLst meth="repeat">
-      <a:schemeClr val="accent2"/>
-    </dgm:fillClrLst>
-    <dgm:linClrLst meth="repeat">
-      <a:schemeClr val="lt1"/>
-    </dgm:linClrLst>
-    <dgm:effectClrLst/>
-    <dgm:txLinClrLst/>
-    <dgm:txFillClrLst/>
-    <dgm:txEffectClrLst/>
-  </dgm:styleLbl>
-  <dgm:styleLbl name="node4">
-    <dgm:fillClrLst meth="repeat">
-      <a:schemeClr val="accent2"/>
-    </dgm:fillClrLst>
-    <dgm:linClrLst meth="repeat">
-      <a:schemeClr val="lt1"/>
-    </dgm:linClrLst>
-    <dgm:effectClrLst/>
-    <dgm:txLinClrLst/>
-    <dgm:txFillClrLst/>
-    <dgm:txEffectClrLst/>
-  </dgm:styleLbl>
-  <dgm:styleLbl name="fgImgPlace1">
-    <dgm:fillClrLst meth="repeat">
-      <a:schemeClr val="accent2">
-        <a:tint val="50000"/>
-      </a:schemeClr>
-    </dgm:fillClrLst>
-    <dgm:linClrLst meth="repeat">
-      <a:schemeClr val="lt1"/>
-    </dgm:linClrLst>
-    <dgm:effectClrLst/>
-    <dgm:txLinClrLst/>
-    <dgm:txFillClrLst meth="repeat">
-      <a:schemeClr val="lt1"/>
-    </dgm:txFillClrLst>
-    <dgm:txEffectClrLst/>
-  </dgm:styleLbl>
-  <dgm:styleLbl name="alignImgPlace1">
-    <dgm:fillClrLst meth="repeat">
-      <a:schemeClr val="accent2">
-        <a:tint val="50000"/>
-      </a:schemeClr>
-    </dgm:fillClrLst>
-    <dgm:linClrLst meth="repeat">
-      <a:schemeClr val="lt1"/>
-    </dgm:linClrLst>
-    <dgm:effectClrLst/>
-    <dgm:txLinClrLst/>
-    <dgm:txFillClrLst meth="repeat">
-      <a:schemeClr val="lt1"/>
-    </dgm:txFillClrLst>
-    <dgm:txEffectClrLst/>
-  </dgm:styleLbl>
-  <dgm:styleLbl name="bgImgPlace1">
-    <dgm:fillClrLst meth="repeat">
-      <a:schemeClr val="accent2">
-        <a:tint val="50000"/>
-      </a:schemeClr>
-    </dgm:fillClrLst>
-    <dgm:linClrLst meth="repeat">
-      <a:schemeClr val="lt1"/>
-    </dgm:linClrLst>
-    <dgm:effectClrLst/>
-    <dgm:txLinClrLst/>
-    <dgm:txFillClrLst meth="repeat">
-      <a:schemeClr val="lt1"/>
-    </dgm:txFillClrLst>
-    <dgm:txEffectClrLst/>
-  </dgm:styleLbl>
-  <dgm:styleLbl name="sibTrans2D1">
-    <dgm:fillClrLst meth="repeat">
-      <a:schemeClr val="accent2">
-        <a:tint val="60000"/>
-      </a:schemeClr>
-    </dgm:fillClrLst>
-    <dgm:linClrLst meth="repeat">
-      <a:schemeClr val="accent2">
-        <a:tint val="60000"/>
-      </a:schemeClr>
-    </dgm:linClrLst>
-    <dgm:effectClrLst/>
-    <dgm:txLinClrLst/>
-    <dgm:txFillClrLst/>
-    <dgm:txEffectClrLst/>
-  </dgm:styleLbl>
-  <dgm:styleLbl name="fgSibTrans2D1">
-    <dgm:fillClrLst meth="repeat">
-      <a:schemeClr val="accent2">
-        <a:tint val="60000"/>
-      </a:schemeClr>
-    </dgm:fillClrLst>
-    <dgm:linClrLst meth="repeat">
-      <a:schemeClr val="accent2">
-        <a:tint val="60000"/>
-      </a:schemeClr>
-    </dgm:linClrLst>
-    <dgm:effectClrLst/>
-    <dgm:txLinClrLst/>
-    <dgm:txFillClrLst/>
-    <dgm:txEffectClrLst/>
-  </dgm:styleLbl>
-  <dgm:styleLbl name="bgSibTrans2D1">
-    <dgm:fillClrLst meth="repeat">
-      <a:schemeClr val="accent2">
-        <a:tint val="60000"/>
-      </a:schemeClr>
-    </dgm:fillClrLst>
-    <dgm:linClrLst meth="repeat">
-      <a:schemeClr val="accent2">
-        <a:tint val="60000"/>
-      </a:schemeClr>
-    </dgm:linClrLst>
-    <dgm:effectClrLst/>
-    <dgm:txLinClrLst/>
-    <dgm:txFillClrLst/>
-    <dgm:txEffectClrLst/>
-  </dgm:styleLbl>
-  <dgm:styleLbl name="sibTrans1D1">
-    <dgm:fillClrLst meth="repeat">
-      <a:schemeClr val="accent2"/>
-    </dgm:fillClrLst>
-    <dgm:linClrLst meth="repeat">
-      <a:schemeClr val="accent2"/>
-    </dgm:linClrLst>
-    <dgm:effectClrLst/>
-    <dgm:txLinClrLst/>
-    <dgm:txFillClrLst meth="repeat">
-      <a:schemeClr val="tx1"/>
-    </dgm:txFillClrLst>
-    <dgm:txEffectClrLst/>
-  </dgm:styleLbl>
-  <dgm:styleLbl name="callout">
-    <dgm:fillClrLst meth="repeat">
-      <a:schemeClr val="accent2"/>
-    </dgm:fillClrLst>
-    <dgm:linClrLst meth="repeat">
-      <a:schemeClr val="accent2">
-        <a:tint val="50000"/>
-      </a:schemeClr>
-    </dgm:linClrLst>
-    <dgm:effectClrLst/>
-    <dgm:txLinClrLst/>
-    <dgm:txFillClrLst meth="repeat">
-      <a:schemeClr val="tx1"/>
-    </dgm:txFillClrLst>
-    <dgm:txEffectClrLst/>
-  </dgm:styleLbl>
-  <dgm:styleLbl name="asst0">
-    <dgm:fillClrLst meth="repeat">
-      <a:schemeClr val="accent2"/>
-    </dgm:fillClrLst>
-    <dgm:linClrLst meth="repeat">
-      <a:schemeClr val="lt1"/>
-    </dgm:linClrLst>
-    <dgm:effectClrLst/>
-    <dgm:txLinClrLst/>
-    <dgm:txFillClrLst/>
-    <dgm:txEffectClrLst/>
-  </dgm:styleLbl>
-  <dgm:styleLbl name="asst1">
-    <dgm:fillClrLst meth="repeat">
-      <a:schemeClr val="accent2"/>
-    </dgm:fillClrLst>
-    <dgm:linClrLst meth="repeat">
-      <a:schemeClr val="lt1"/>
-    </dgm:linClrLst>
-    <dgm:effectClrLst/>
-    <dgm:txLinClrLst/>
-    <dgm:txFillClrLst/>
-    <dgm:txEffectClrLst/>
-  </dgm:styleLbl>
-  <dgm:styleLbl name="asst2">
-    <dgm:fillClrLst meth="repeat">
-      <a:schemeClr val="accent2"/>
-    </dgm:fillClrLst>
-    <dgm:linClrLst meth="repeat">
-      <a:schemeClr val="lt1"/>
-    </dgm:linClrLst>
-    <dgm:effectClrLst/>
-    <dgm:txLinClrLst/>
-    <dgm:txFillClrLst/>
-    <dgm:txEffectClrLst/>
-  </dgm:styleLbl>
-  <dgm:styleLbl name="asst3">
-    <dgm:fillClrLst meth="repeat">
-      <a:schemeClr val="accent2"/>
-    </dgm:fillClrLst>
-    <dgm:linClrLst meth="repeat">
-      <a:schemeClr val="lt1"/>
-    </dgm:linClrLst>
-    <dgm:effectClrLst/>
-    <dgm:txLinClrLst/>
-    <dgm:txFillClrLst/>
-    <dgm:txEffectClrLst/>
-  </dgm:styleLbl>
-  <dgm:styleLbl name="asst4">
-    <dgm:fillClrLst meth="repeat">
-      <a:schemeClr val="accent2"/>
-    </dgm:fillClrLst>
-    <dgm:linClrLst meth="repeat">
-      <a:schemeClr val="lt1"/>
-    </dgm:linClrLst>
-    <dgm:effectClrLst/>
-    <dgm:txLinClrLst/>
-    <dgm:txFillClrLst/>
-    <dgm:txEffectClrLst/>
-  </dgm:styleLbl>
-  <dgm:styleLbl name="parChTrans2D1">
-    <dgm:fillClrLst meth="repeat">
-      <a:schemeClr val="accent2">
-        <a:tint val="60000"/>
-      </a:schemeClr>
-    </dgm:fillClrLst>
-    <dgm:linClrLst meth="repeat">
-      <a:schemeClr val="accent2">
-        <a:tint val="60000"/>
-      </a:schemeClr>
-    </dgm:linClrLst>
-    <dgm:effectClrLst/>
-    <dgm:txLinClrLst/>
-    <dgm:txFillClrLst meth="repeat">
-      <a:schemeClr val="lt1"/>
-    </dgm:txFillClrLst>
-    <dgm:txEffectClrLst/>
-  </dgm:styleLbl>
-  <dgm:styleLbl name="parChTrans2D2">
-    <dgm:fillClrLst meth="repeat">
-      <a:schemeClr val="accent2"/>
-    </dgm:fillClrLst>
-    <dgm:linClrLst meth="repeat">
-      <a:schemeClr val="accent2"/>
-    </dgm:linClrLst>
-    <dgm:effectClrLst/>
-    <dgm:txLinClrLst/>
-    <dgm:txFillClrLst meth="repeat">
-      <a:schemeClr val="lt1"/>
-    </dgm:txFillClrLst>
-    <dgm:txEffectClrLst/>
-  </dgm:styleLbl>
-  <dgm:styleLbl name="parChTrans2D3">
-    <dgm:fillClrLst meth="repeat">
-      <a:schemeClr val="accent2"/>
-    </dgm:fillClrLst>
-    <dgm:linClrLst meth="repeat">
-      <a:schemeClr val="accent2"/>
-    </dgm:linClrLst>
-    <dgm:effectClrLst/>
-    <dgm:txLinClrLst/>
-    <dgm:txFillClrLst meth="repeat">
-      <a:schemeClr val="lt1"/>
-    </dgm:txFillClrLst>
-    <dgm:txEffectClrLst/>
-  </dgm:styleLbl>
-  <dgm:styleLbl name="parChTrans2D4">
-    <dgm:fillClrLst meth="repeat">
-      <a:schemeClr val="accent2"/>
-    </dgm:fillClrLst>
-    <dgm:linClrLst meth="repeat">
-      <a:schemeClr val="accent2"/>
-    </dgm:linClrLst>
-    <dgm:effectClrLst/>
-    <dgm:txLinClrLst/>
-    <dgm:txFillClrLst meth="repeat">
-      <a:schemeClr val="lt1"/>
-    </dgm:txFillClrLst>
-    <dgm:txEffectClrLst/>
-  </dgm:styleLbl>
-  <dgm:styleLbl name="parChTrans1D1">
-    <dgm:fillClrLst meth="repeat">
-      <a:schemeClr val="accent2"/>
-    </dgm:fillClrLst>
-    <dgm:linClrLst meth="repeat">
-      <a:schemeClr val="accent2">
-        <a:shade val="60000"/>
-      </a:schemeClr>
-    </dgm:linClrLst>
-    <dgm:effectClrLst/>
-    <dgm:txLinClrLst/>
-    <dgm:txFillClrLst meth="repeat">
-      <a:schemeClr val="tx1"/>
-    </dgm:txFillClrLst>
-    <dgm:txEffectClrLst/>
-  </dgm:styleLbl>
-  <dgm:styleLbl name="parChTrans1D2">
-    <dgm:fillClrLst meth="repeat">
-      <a:schemeClr val="accent2"/>
-    </dgm:fillClrLst>
-    <dgm:linClrLst meth="repeat">
-      <a:schemeClr val="accent2">
-        <a:shade val="60000"/>
-      </a:schemeClr>
-    </dgm:linClrLst>
-    <dgm:effectClrLst/>
-    <dgm:txLinClrLst/>
-    <dgm:txFillClrLst meth="repeat">
-      <a:schemeClr val="tx1"/>
-    </dgm:txFillClrLst>
-    <dgm:txEffectClrLst/>
-  </dgm:styleLbl>
-  <dgm:styleLbl name="parChTrans1D3">
-    <dgm:fillClrLst meth="repeat">
-      <a:schemeClr val="accent2"/>
-    </dgm:fillClrLst>
-    <dgm:linClrLst meth="repeat">
-      <a:schemeClr val="accent2">
-        <a:shade val="80000"/>
-      </a:schemeClr>
-    </dgm:linClrLst>
-    <dgm:effectClrLst/>
-    <dgm:txLinClrLst/>
-    <dgm:txFillClrLst meth="repeat">
-      <a:schemeClr val="tx1"/>
-    </dgm:txFillClrLst>
-    <dgm:txEffectClrLst/>
-  </dgm:styleLbl>
-  <dgm:styleLbl name="parChTrans1D4">
-    <dgm:fillClrLst meth="repeat">
-      <a:schemeClr val="accent2"/>
-    </dgm:fillClrLst>
-    <dgm:linClrLst meth="repeat">
-      <a:schemeClr val="accent2">
-        <a:shade val="80000"/>
-      </a:schemeClr>
-    </dgm:linClrLst>
-    <dgm:effectClrLst/>
-    <dgm:txLinClrLst/>
-    <dgm:txFillClrLst meth="repeat">
-      <a:schemeClr val="tx1"/>
-    </dgm:txFillClrLst>
-    <dgm:txEffectClrLst/>
-  </dgm:styleLbl>
-  <dgm:styleLbl name="fgAcc1">
-    <dgm:fillClrLst meth="repeat">
-      <a:schemeClr val="lt1">
-        <a:alpha val="90000"/>
-      </a:schemeClr>
-    </dgm:fillClrLst>
-    <dgm:linClrLst meth="repeat">
-      <a:schemeClr val="accent2"/>
-    </dgm:linClrLst>
-    <dgm:effectClrLst/>
-    <dgm:txLinClrLst/>
-    <dgm:txFillClrLst meth="repeat">
-      <a:schemeClr val="dk1"/>
-    </dgm:txFillClrLst>
-    <dgm:txEffectClrLst/>
-  </dgm:styleLbl>
-  <dgm:styleLbl name="conFgAcc1">
-    <dgm:fillClrLst meth="repeat">
-      <a:schemeClr val="lt1">
-        <a:alpha val="90000"/>
-      </a:schemeClr>
-    </dgm:fillClrLst>
-    <dgm:linClrLst meth="repeat">
-      <a:schemeClr val="accent2"/>
-    </dgm:linClrLst>
-    <dgm:effectClrLst/>
-    <dgm:txLinClrLst/>
-    <dgm:txFillClrLst meth="repeat">
-      <a:schemeClr val="dk1"/>
-    </dgm:txFillClrLst>
-    <dgm:txEffectClrLst/>
-  </dgm:styleLbl>
-  <dgm:styleLbl name="alignAcc1">
-    <dgm:fillClrLst meth="repeat">
-      <a:schemeClr val="lt1">
-        <a:alpha val="90000"/>
-      </a:schemeClr>
-    </dgm:fillClrLst>
-    <dgm:linClrLst meth="repeat">
-      <a:schemeClr val="accent2"/>
-    </dgm:linClrLst>
-    <dgm:effectClrLst/>
-    <dgm:txLinClrLst/>
-    <dgm:txFillClrLst meth="repeat">
-      <a:schemeClr val="dk1"/>
-    </dgm:txFillClrLst>
-    <dgm:txEffectClrLst/>
-  </dgm:styleLbl>
-  <dgm:styleLbl name="trAlignAcc1">
-    <dgm:fillClrLst meth="repeat">
-      <a:schemeClr val="lt1">
-        <a:alpha val="40000"/>
-      </a:schemeClr>
-    </dgm:fillClrLst>
-    <dgm:linClrLst meth="repeat">
-      <a:schemeClr val="accent2"/>
-    </dgm:linClrLst>
-    <dgm:effectClrLst/>
-    <dgm:txLinClrLst/>
-    <dgm:txFillClrLst meth="repeat">
-      <a:schemeClr val="dk1"/>
-    </dgm:txFillClrLst>
-    <dgm:txEffectClrLst/>
-  </dgm:styleLbl>
-  <dgm:styleLbl name="bgAcc1">
-    <dgm:fillClrLst meth="repeat">
-      <a:schemeClr val="lt1">
-        <a:alpha val="90000"/>
-      </a:schemeClr>
-    </dgm:fillClrLst>
-    <dgm:linClrLst meth="repeat">
-      <a:schemeClr val="accent2"/>
-    </dgm:linClrLst>
-    <dgm:effectClrLst/>
-    <dgm:txLinClrLst/>
-    <dgm:txFillClrLst meth="repeat">
-      <a:schemeClr val="dk1"/>
-    </dgm:txFillClrLst>
-    <dgm:txEffectClrLst/>
-  </dgm:styleLbl>
-  <dgm:styleLbl name="solidFgAcc1">
-    <dgm:fillClrLst meth="repeat">
-      <a:schemeClr val="lt1"/>
-    </dgm:fillClrLst>
-    <dgm:linClrLst meth="repeat">
-      <a:schemeClr val="accent2"/>
-    </dgm:linClrLst>
-    <dgm:effectClrLst/>
-    <dgm:txLinClrLst/>
-    <dgm:txFillClrLst meth="repeat">
-      <a:schemeClr val="dk1"/>
-    </dgm:txFillClrLst>
-    <dgm:txEffectClrLst/>
-  </dgm:styleLbl>
-  <dgm:styleLbl name="solidAlignAcc1">
-    <dgm:fillClrLst meth="repeat">
-      <a:schemeClr val="lt1"/>
-    </dgm:fillClrLst>
-    <dgm:linClrLst meth="repeat">
-      <a:schemeClr val="accent2"/>
-    </dgm:linClrLst>
-    <dgm:effectClrLst/>
-    <dgm:txLinClrLst/>
-    <dgm:txFillClrLst meth="repeat">
-      <a:schemeClr val="dk1"/>
-    </dgm:txFillClrLst>
-    <dgm:txEffectClrLst/>
-  </dgm:styleLbl>
-  <dgm:styleLbl name="solidBgAcc1">
-    <dgm:fillClrLst meth="repeat">
-      <a:schemeClr val="lt1"/>
-    </dgm:fillClrLst>
-    <dgm:linClrLst meth="repeat">
-      <a:schemeClr val="accent2"/>
-    </dgm:linClrLst>
-    <dgm:effectClrLst/>
-    <dgm:txLinClrLst/>
-    <dgm:txFillClrLst meth="repeat">
-      <a:schemeClr val="dk1"/>
-    </dgm:txFillClrLst>
-    <dgm:txEffectClrLst/>
-  </dgm:styleLbl>
-  <dgm:styleLbl name="fgAccFollowNode1">
-    <dgm:fillClrLst meth="repeat">
-      <a:schemeClr val="accent2">
-        <a:alpha val="90000"/>
-        <a:tint val="40000"/>
-      </a:schemeClr>
-    </dgm:fillClrLst>
-    <dgm:linClrLst meth="repeat">
-      <a:schemeClr val="accent2">
-        <a:alpha val="90000"/>
-        <a:tint val="40000"/>
-      </a:schemeClr>
-    </dgm:linClrLst>
-    <dgm:effectClrLst/>
-    <dgm:txLinClrLst/>
-    <dgm:txFillClrLst meth="repeat">
-      <a:schemeClr val="dk1"/>
-    </dgm:txFillClrLst>
-    <dgm:txEffectClrLst/>
-  </dgm:styleLbl>
-  <dgm:styleLbl name="alignAccFollowNode1">
-    <dgm:fillClrLst meth="repeat">
-      <a:schemeClr val="accent2">
-        <a:alpha val="90000"/>
-        <a:tint val="40000"/>
-      </a:schemeClr>
-    </dgm:fillClrLst>
-    <dgm:linClrLst meth="repeat">
-      <a:schemeClr val="accent2">
-        <a:alpha val="90000"/>
-        <a:tint val="40000"/>
-      </a:schemeClr>
-    </dgm:linClrLst>
-    <dgm:effectClrLst/>
-    <dgm:txLinClrLst/>
-    <dgm:txFillClrLst meth="repeat">
-      <a:schemeClr val="dk1"/>
-    </dgm:txFillClrLst>
-    <dgm:txEffectClrLst/>
-  </dgm:styleLbl>
-  <dgm:styleLbl name="bgAccFollowNode1">
-    <dgm:fillClrLst meth="repeat">
-      <a:schemeClr val="accent2">
-        <a:alpha val="90000"/>
-        <a:tint val="40000"/>
-      </a:schemeClr>
-    </dgm:fillClrLst>
-    <dgm:linClrLst meth="repeat">
-      <a:schemeClr val="accent2">
-        <a:alpha val="90000"/>
-        <a:tint val="40000"/>
-      </a:schemeClr>
-    </dgm:linClrLst>
-    <dgm:effectClrLst/>
-    <dgm:txLinClrLst/>
-    <dgm:txFillClrLst meth="repeat">
-      <a:schemeClr val="dk1"/>
-    </dgm:txFillClrLst>
-    <dgm:txEffectClrLst/>
-  </dgm:styleLbl>
-  <dgm:styleLbl name="fgAcc0">
-    <dgm:fillClrLst meth="repeat">
-      <a:schemeClr val="lt1">
-        <a:alpha val="90000"/>
-      </a:schemeClr>
-    </dgm:fillClrLst>
-    <dgm:linClrLst meth="repeat">
-      <a:schemeClr val="accent2"/>
-    </dgm:linClrLst>
-    <dgm:effectClrLst/>
-    <dgm:txLinClrLst/>
-    <dgm:txFillClrLst meth="repeat">
-      <a:schemeClr val="dk1"/>
-    </dgm:txFillClrLst>
-    <dgm:txEffectClrLst/>
-  </dgm:styleLbl>
-  <dgm:styleLbl name="fgAcc2">
-    <dgm:fillClrLst meth="repeat">
-      <a:schemeClr val="lt1">
-        <a:alpha val="90000"/>
-      </a:schemeClr>
-    </dgm:fillClrLst>
-    <dgm:linClrLst meth="repeat">
-      <a:schemeClr val="accent2"/>
-    </dgm:linClrLst>
-    <dgm:effectClrLst/>
-    <dgm:txLinClrLst/>
-    <dgm:txFillClrLst meth="repeat">
-      <a:schemeClr val="dk1"/>
-    </dgm:txFillClrLst>
-    <dgm:txEffectClrLst/>
-  </dgm:styleLbl>
-  <dgm:styleLbl name="fgAcc3">
-    <dgm:fillClrLst meth="repeat">
-      <a:schemeClr val="lt1">
-        <a:alpha val="90000"/>
-      </a:schemeClr>
-    </dgm:fillClrLst>
-    <dgm:linClrLst meth="repeat">
-      <a:schemeClr val="accent2"/>
-    </dgm:linClrLst>
-    <dgm:effectClrLst/>
-    <dgm:txLinClrLst/>
-    <dgm:txFillClrLst meth="repeat">
-      <a:schemeClr val="dk1"/>
-    </dgm:txFillClrLst>
-    <dgm:txEffectClrLst/>
-  </dgm:styleLbl>
-  <dgm:styleLbl name="fgAcc4">
-    <dgm:fillClrLst meth="repeat">
-      <a:schemeClr val="lt1">
-        <a:alpha val="90000"/>
-      </a:schemeClr>
-    </dgm:fillClrLst>
-    <dgm:linClrLst meth="repeat">
-      <a:schemeClr val="accent2"/>
-    </dgm:linClrLst>
-    <dgm:effectClrLst/>
-    <dgm:txLinClrLst/>
-    <dgm:txFillClrLst meth="repeat">
-      <a:schemeClr val="dk1"/>
-    </dgm:txFillClrLst>
-    <dgm:txEffectClrLst/>
-  </dgm:styleLbl>
-  <dgm:styleLbl name="bgShp">
-    <dgm:fillClrLst meth="repeat">
-      <a:schemeClr val="accent2">
-        <a:tint val="40000"/>
-      </a:schemeClr>
-    </dgm:fillClrLst>
-    <dgm:linClrLst meth="repeat">
-      <a:schemeClr val="accent2"/>
-    </dgm:linClrLst>
-    <dgm:effectClrLst/>
-    <dgm:txLinClrLst/>
-    <dgm:txFillClrLst meth="repeat">
-      <a:schemeClr val="dk1"/>
-    </dgm:txFillClrLst>
-    <dgm:txEffectClrLst/>
-  </dgm:styleLbl>
-  <dgm:styleLbl name="dkBgShp">
-    <dgm:fillClrLst meth="repeat">
-      <a:schemeClr val="accent2">
-        <a:shade val="80000"/>
-      </a:schemeClr>
-    </dgm:fillClrLst>
-    <dgm:linClrLst meth="repeat">
-      <a:schemeClr val="accent2"/>
-    </dgm:linClrLst>
-    <dgm:effectClrLst/>
-    <dgm:txLinClrLst/>
-    <dgm:txFillClrLst meth="repeat">
-      <a:schemeClr val="lt1"/>
-    </dgm:txFillClrLst>
-    <dgm:txEffectClrLst/>
-  </dgm:styleLbl>
-  <dgm:styleLbl name="trBgShp">
-    <dgm:fillClrLst meth="repeat">
-      <a:schemeClr val="accent2">
-        <a:tint val="50000"/>
-        <a:alpha val="40000"/>
-      </a:schemeClr>
-    </dgm:fillClrLst>
-    <dgm:linClrLst meth="repeat">
-      <a:schemeClr val="accent2"/>
-    </dgm:linClrLst>
-    <dgm:effectClrLst/>
-    <dgm:txLinClrLst/>
-    <dgm:txFillClrLst meth="repeat">
-      <a:schemeClr val="lt1"/>
-    </dgm:txFillClrLst>
-    <dgm:txEffectClrLst/>
-  </dgm:styleLbl>
-  <dgm:styleLbl name="fgShp">
-    <dgm:fillClrLst meth="repeat">
-      <a:schemeClr val="accent2">
-        <a:tint val="60000"/>
-      </a:schemeClr>
-    </dgm:fillClrLst>
-    <dgm:linClrLst meth="repeat">
-      <a:schemeClr val="lt1"/>
-    </dgm:linClrLst>
-    <dgm:effectClrLst/>
-    <dgm:txLinClrLst/>
-    <dgm:txFillClrLst meth="repeat">
-      <a:schemeClr val="dk1"/>
-    </dgm:txFillClrLst>
-    <dgm:txEffectClrLst/>
-  </dgm:styleLbl>
-  <dgm:styleLbl name="revTx">
-    <dgm:fillClrLst meth="repeat">
-      <a:schemeClr val="lt1">
-        <a:alpha val="0"/>
-      </a:schemeClr>
-    </dgm:fillClrLst>
-    <dgm:linClrLst meth="repeat">
-      <a:schemeClr val="dk1">
-        <a:alpha val="0"/>
-      </a:schemeClr>
-    </dgm:linClrLst>
-    <dgm:effectClrLst/>
-    <dgm:txLinClrLst/>
-    <dgm:txFillClrLst meth="repeat">
-      <a:schemeClr val="tx1"/>
-    </dgm:txFillClrLst>
-    <dgm:txEffectClrLst/>
-  </dgm:styleLbl>
-</dgm:colorsDef>
-</file>
-
-<file path=ppt/diagrams/colors3.xml><?xml version="1.0" encoding="utf-8"?>
 <dgm:colorsDef xmlns:dgm="http://schemas.openxmlformats.org/drawingml/2006/diagram" xmlns:a="http://schemas.openxmlformats.org/drawingml/2006/main" uniqueId="urn:microsoft.com/office/officeart/2005/8/colors/accent2_2">
   <dgm:title val=""/>
   <dgm:desc val=""/>
@@ -3615,261 +2875,6 @@
     <dgm:cxn modelId="{ADB7EF41-E8E2-467B-AF7E-5A562A03B73A}" type="presParOf" srcId="{90561C55-3C6E-4D53-85E1-2C50BCDDA392}" destId="{EFD37137-15EB-4523-84DD-A890856E0103}" srcOrd="9" destOrd="0" presId="urn:microsoft.com/office/officeart/2008/layout/VerticalCurvedList"/>
     <dgm:cxn modelId="{419AAA33-706F-43EE-ACBE-96178BC94F17}" type="presParOf" srcId="{90561C55-3C6E-4D53-85E1-2C50BCDDA392}" destId="{15FBEA27-8DE7-448C-BB6C-A122DFA4087C}" srcOrd="10" destOrd="0" presId="urn:microsoft.com/office/officeart/2008/layout/VerticalCurvedList"/>
     <dgm:cxn modelId="{3B70BD57-9869-4831-8703-4EE7078D1FDE}" type="presParOf" srcId="{15FBEA27-8DE7-448C-BB6C-A122DFA4087C}" destId="{30EE68C1-7CFF-46BB-94E4-28CF519EC8F8}" srcOrd="0" destOrd="0" presId="urn:microsoft.com/office/officeart/2008/layout/VerticalCurvedList"/>
-  </dgm:cxnLst>
-  <dgm:bg/>
-  <dgm:whole/>
-  <dgm:extLst>
-    <a:ext uri="http://schemas.microsoft.com/office/drawing/2008/diagram">
-      <dsp:dataModelExt xmlns:dsp="http://schemas.microsoft.com/office/drawing/2008/diagram" relId="rId8" minVer="http://schemas.openxmlformats.org/drawingml/2006/diagram"/>
-    </a:ext>
-  </dgm:extLst>
-</dgm:dataModel>
-</file>
-
-<file path=ppt/diagrams/data3.xml><?xml version="1.0" encoding="utf-8"?>
-<dgm:dataModel xmlns:dgm="http://schemas.openxmlformats.org/drawingml/2006/diagram" xmlns:a="http://schemas.openxmlformats.org/drawingml/2006/main">
-  <dgm:ptLst>
-    <dgm:pt modelId="{7E5AA53B-3EEE-4DE4-BB81-9044890C2946}" type="doc">
-      <dgm:prSet loTypeId="urn:microsoft.com/office/officeart/2008/layout/VerticalCurvedList" loCatId="list" qsTypeId="urn:microsoft.com/office/officeart/2005/8/quickstyle/simple4" qsCatId="simple" csTypeId="urn:microsoft.com/office/officeart/2005/8/colors/accent2_2" csCatId="accent2" phldr="1"/>
-      <dgm:spPr/>
-      <dgm:t>
-        <a:bodyPr/>
-        <a:lstStyle/>
-        <a:p>
-          <a:endParaRPr lang="en-US"/>
-        </a:p>
-      </dgm:t>
-    </dgm:pt>
-    <dgm:pt modelId="{6750AC01-D39D-4F3A-9DC8-2A211EE986A2}">
-      <dgm:prSet phldrT="[Text]"/>
-      <dgm:spPr/>
-      <dgm:t>
-        <a:bodyPr/>
-        <a:lstStyle/>
-        <a:p>
-          <a:pPr>
-            <a:lnSpc>
-              <a:spcPct val="100000"/>
-            </a:lnSpc>
-          </a:pPr>
-          <a:r>
-            <a:rPr lang="en-US" dirty="0"/>
-            <a:t>Cloud	</a:t>
-          </a:r>
-        </a:p>
-      </dgm:t>
-    </dgm:pt>
-    <dgm:pt modelId="{720680DC-AAA4-4434-A582-60EBCC5BA355}" type="parTrans" cxnId="{0B5DAE5F-BCDC-4BF7-A6E7-CF856886A64D}">
-      <dgm:prSet/>
-      <dgm:spPr/>
-      <dgm:t>
-        <a:bodyPr/>
-        <a:lstStyle/>
-        <a:p>
-          <a:endParaRPr lang="en-US"/>
-        </a:p>
-      </dgm:t>
-    </dgm:pt>
-    <dgm:pt modelId="{CA077D98-8478-47EA-B6A9-99ACE60C64D4}" type="sibTrans" cxnId="{0B5DAE5F-BCDC-4BF7-A6E7-CF856886A64D}">
-      <dgm:prSet/>
-      <dgm:spPr/>
-      <dgm:t>
-        <a:bodyPr/>
-        <a:lstStyle/>
-        <a:p>
-          <a:endParaRPr lang="en-US"/>
-        </a:p>
-      </dgm:t>
-    </dgm:pt>
-    <dgm:pt modelId="{0BEF68B8-1228-47BB-83B5-7B9CD1E3F84E}">
-      <dgm:prSet phldrT="[Text]"/>
-      <dgm:spPr/>
-      <dgm:t>
-        <a:bodyPr/>
-        <a:lstStyle/>
-        <a:p>
-          <a:pPr>
-            <a:lnSpc>
-              <a:spcPct val="100000"/>
-            </a:lnSpc>
-          </a:pPr>
-          <a:r>
-            <a:rPr lang="en-US" dirty="0"/>
-            <a:t>Local</a:t>
-          </a:r>
-        </a:p>
-      </dgm:t>
-    </dgm:pt>
-    <dgm:pt modelId="{ED3A4BC2-B75A-4952-A38B-A42B5995DF05}" type="parTrans" cxnId="{EDEF4F82-1237-4639-A0F7-385C1897CE66}">
-      <dgm:prSet/>
-      <dgm:spPr/>
-      <dgm:t>
-        <a:bodyPr/>
-        <a:lstStyle/>
-        <a:p>
-          <a:endParaRPr lang="en-US"/>
-        </a:p>
-      </dgm:t>
-    </dgm:pt>
-    <dgm:pt modelId="{FD949706-EDCC-4ADC-8EDF-8EDA49C92325}" type="sibTrans" cxnId="{EDEF4F82-1237-4639-A0F7-385C1897CE66}">
-      <dgm:prSet/>
-      <dgm:spPr/>
-      <dgm:t>
-        <a:bodyPr/>
-        <a:lstStyle/>
-        <a:p>
-          <a:endParaRPr lang="en-US"/>
-        </a:p>
-      </dgm:t>
-    </dgm:pt>
-    <dgm:pt modelId="{5605D28D-2CE6-4513-8566-952984E21E14}">
-      <dgm:prSet phldrT="[Text]"/>
-      <dgm:spPr/>
-      <dgm:t>
-        <a:bodyPr/>
-        <a:lstStyle/>
-        <a:p>
-          <a:pPr>
-            <a:lnSpc>
-              <a:spcPct val="100000"/>
-            </a:lnSpc>
-          </a:pPr>
-          <a:r>
-            <a:rPr lang="en-US" dirty="0"/>
-            <a:t>Hybrid</a:t>
-          </a:r>
-        </a:p>
-      </dgm:t>
-    </dgm:pt>
-    <dgm:pt modelId="{EB15AB98-362B-4E70-A3DA-995FC3E8BA79}" type="parTrans" cxnId="{FAF3F884-F0CF-440F-8CB1-B7648AB1B138}">
-      <dgm:prSet/>
-      <dgm:spPr/>
-      <dgm:t>
-        <a:bodyPr/>
-        <a:lstStyle/>
-        <a:p>
-          <a:endParaRPr lang="en-US"/>
-        </a:p>
-      </dgm:t>
-    </dgm:pt>
-    <dgm:pt modelId="{823D1971-2C4D-4EC5-A874-2F463DE37109}" type="sibTrans" cxnId="{FAF3F884-F0CF-440F-8CB1-B7648AB1B138}">
-      <dgm:prSet/>
-      <dgm:spPr/>
-      <dgm:t>
-        <a:bodyPr/>
-        <a:lstStyle/>
-        <a:p>
-          <a:endParaRPr lang="en-US"/>
-        </a:p>
-      </dgm:t>
-    </dgm:pt>
-    <dgm:pt modelId="{57806726-6E60-4ACC-9C1C-7DF9CC365A10}" type="pres">
-      <dgm:prSet presAssocID="{7E5AA53B-3EEE-4DE4-BB81-9044890C2946}" presName="Name0" presStyleCnt="0">
-        <dgm:presLayoutVars>
-          <dgm:chMax val="7"/>
-          <dgm:chPref val="7"/>
-          <dgm:dir/>
-        </dgm:presLayoutVars>
-      </dgm:prSet>
-      <dgm:spPr/>
-    </dgm:pt>
-    <dgm:pt modelId="{90561C55-3C6E-4D53-85E1-2C50BCDDA392}" type="pres">
-      <dgm:prSet presAssocID="{7E5AA53B-3EEE-4DE4-BB81-9044890C2946}" presName="Name1" presStyleCnt="0"/>
-      <dgm:spPr/>
-    </dgm:pt>
-    <dgm:pt modelId="{B6CD42EC-5AD4-4004-AE5B-47EDA668DAA8}" type="pres">
-      <dgm:prSet presAssocID="{7E5AA53B-3EEE-4DE4-BB81-9044890C2946}" presName="cycle" presStyleCnt="0"/>
-      <dgm:spPr/>
-    </dgm:pt>
-    <dgm:pt modelId="{963B8EE3-40CC-4A0A-B420-D0BF920973CE}" type="pres">
-      <dgm:prSet presAssocID="{7E5AA53B-3EEE-4DE4-BB81-9044890C2946}" presName="srcNode" presStyleLbl="node1" presStyleIdx="0" presStyleCnt="3"/>
-      <dgm:spPr/>
-    </dgm:pt>
-    <dgm:pt modelId="{D79B43FC-100B-4A0D-A4D5-0D2D04B99064}" type="pres">
-      <dgm:prSet presAssocID="{7E5AA53B-3EEE-4DE4-BB81-9044890C2946}" presName="conn" presStyleLbl="parChTrans1D2" presStyleIdx="0" presStyleCnt="1"/>
-      <dgm:spPr/>
-    </dgm:pt>
-    <dgm:pt modelId="{3CAD8DA1-8D53-445C-ACE8-D8449E4F0F55}" type="pres">
-      <dgm:prSet presAssocID="{7E5AA53B-3EEE-4DE4-BB81-9044890C2946}" presName="extraNode" presStyleLbl="node1" presStyleIdx="0" presStyleCnt="3"/>
-      <dgm:spPr/>
-    </dgm:pt>
-    <dgm:pt modelId="{429CABD1-4116-474B-81BF-735E2CA9DD00}" type="pres">
-      <dgm:prSet presAssocID="{7E5AA53B-3EEE-4DE4-BB81-9044890C2946}" presName="dstNode" presStyleLbl="node1" presStyleIdx="0" presStyleCnt="3"/>
-      <dgm:spPr/>
-    </dgm:pt>
-    <dgm:pt modelId="{58319267-C71E-43C9-94E1-827D0616C7A7}" type="pres">
-      <dgm:prSet presAssocID="{6750AC01-D39D-4F3A-9DC8-2A211EE986A2}" presName="text_1" presStyleLbl="node1" presStyleIdx="0" presStyleCnt="3">
-        <dgm:presLayoutVars>
-          <dgm:bulletEnabled val="1"/>
-        </dgm:presLayoutVars>
-      </dgm:prSet>
-      <dgm:spPr/>
-    </dgm:pt>
-    <dgm:pt modelId="{79F9B8A9-2412-4B74-84A9-69422DB81CDC}" type="pres">
-      <dgm:prSet presAssocID="{6750AC01-D39D-4F3A-9DC8-2A211EE986A2}" presName="accent_1" presStyleCnt="0"/>
-      <dgm:spPr/>
-    </dgm:pt>
-    <dgm:pt modelId="{07CB3071-D555-47DA-A36A-69EB91531FD8}" type="pres">
-      <dgm:prSet presAssocID="{6750AC01-D39D-4F3A-9DC8-2A211EE986A2}" presName="accentRepeatNode" presStyleLbl="solidFgAcc1" presStyleIdx="0" presStyleCnt="3"/>
-      <dgm:spPr/>
-    </dgm:pt>
-    <dgm:pt modelId="{95DE6538-27BD-44AF-A1A8-CA8F6B10FDD2}" type="pres">
-      <dgm:prSet presAssocID="{0BEF68B8-1228-47BB-83B5-7B9CD1E3F84E}" presName="text_2" presStyleLbl="node1" presStyleIdx="1" presStyleCnt="3">
-        <dgm:presLayoutVars>
-          <dgm:bulletEnabled val="1"/>
-        </dgm:presLayoutVars>
-      </dgm:prSet>
-      <dgm:spPr/>
-    </dgm:pt>
-    <dgm:pt modelId="{312BDEE8-85BD-4F02-B35B-2CC8E701C98B}" type="pres">
-      <dgm:prSet presAssocID="{0BEF68B8-1228-47BB-83B5-7B9CD1E3F84E}" presName="accent_2" presStyleCnt="0"/>
-      <dgm:spPr/>
-    </dgm:pt>
-    <dgm:pt modelId="{3F8116AC-FAC3-4E95-9865-93CCFEB191B9}" type="pres">
-      <dgm:prSet presAssocID="{0BEF68B8-1228-47BB-83B5-7B9CD1E3F84E}" presName="accentRepeatNode" presStyleLbl="solidFgAcc1" presStyleIdx="1" presStyleCnt="3"/>
-      <dgm:spPr/>
-    </dgm:pt>
-    <dgm:pt modelId="{E131CE4A-9776-44F4-BC03-867682E21374}" type="pres">
-      <dgm:prSet presAssocID="{5605D28D-2CE6-4513-8566-952984E21E14}" presName="text_3" presStyleLbl="node1" presStyleIdx="2" presStyleCnt="3">
-        <dgm:presLayoutVars>
-          <dgm:bulletEnabled val="1"/>
-        </dgm:presLayoutVars>
-      </dgm:prSet>
-      <dgm:spPr/>
-    </dgm:pt>
-    <dgm:pt modelId="{AC9A216A-8375-48F9-A4E6-8E0B64C0209B}" type="pres">
-      <dgm:prSet presAssocID="{5605D28D-2CE6-4513-8566-952984E21E14}" presName="accent_3" presStyleCnt="0"/>
-      <dgm:spPr/>
-    </dgm:pt>
-    <dgm:pt modelId="{A965097E-32F1-4AB8-8C4E-2814A7596B2F}" type="pres">
-      <dgm:prSet presAssocID="{5605D28D-2CE6-4513-8566-952984E21E14}" presName="accentRepeatNode" presStyleLbl="solidFgAcc1" presStyleIdx="2" presStyleCnt="3"/>
-      <dgm:spPr/>
-    </dgm:pt>
-  </dgm:ptLst>
-  <dgm:cxnLst>
-    <dgm:cxn modelId="{A11E3B12-1828-45A7-86C3-BB85832DF84D}" type="presOf" srcId="{CA077D98-8478-47EA-B6A9-99ACE60C64D4}" destId="{D79B43FC-100B-4A0D-A4D5-0D2D04B99064}" srcOrd="0" destOrd="0" presId="urn:microsoft.com/office/officeart/2008/layout/VerticalCurvedList"/>
-    <dgm:cxn modelId="{0B5DAE5F-BCDC-4BF7-A6E7-CF856886A64D}" srcId="{7E5AA53B-3EEE-4DE4-BB81-9044890C2946}" destId="{6750AC01-D39D-4F3A-9DC8-2A211EE986A2}" srcOrd="0" destOrd="0" parTransId="{720680DC-AAA4-4434-A582-60EBCC5BA355}" sibTransId="{CA077D98-8478-47EA-B6A9-99ACE60C64D4}"/>
-    <dgm:cxn modelId="{29DA474E-5DFA-4C66-882F-319C49ABBB19}" type="presOf" srcId="{6750AC01-D39D-4F3A-9DC8-2A211EE986A2}" destId="{58319267-C71E-43C9-94E1-827D0616C7A7}" srcOrd="0" destOrd="0" presId="urn:microsoft.com/office/officeart/2008/layout/VerticalCurvedList"/>
-    <dgm:cxn modelId="{7084AA77-BACB-46CB-AE4A-77B62D3ED1AF}" type="presOf" srcId="{5605D28D-2CE6-4513-8566-952984E21E14}" destId="{E131CE4A-9776-44F4-BC03-867682E21374}" srcOrd="0" destOrd="0" presId="urn:microsoft.com/office/officeart/2008/layout/VerticalCurvedList"/>
-    <dgm:cxn modelId="{EDEF4F82-1237-4639-A0F7-385C1897CE66}" srcId="{7E5AA53B-3EEE-4DE4-BB81-9044890C2946}" destId="{0BEF68B8-1228-47BB-83B5-7B9CD1E3F84E}" srcOrd="1" destOrd="0" parTransId="{ED3A4BC2-B75A-4952-A38B-A42B5995DF05}" sibTransId="{FD949706-EDCC-4ADC-8EDF-8EDA49C92325}"/>
-    <dgm:cxn modelId="{FAF3F884-F0CF-440F-8CB1-B7648AB1B138}" srcId="{7E5AA53B-3EEE-4DE4-BB81-9044890C2946}" destId="{5605D28D-2CE6-4513-8566-952984E21E14}" srcOrd="2" destOrd="0" parTransId="{EB15AB98-362B-4E70-A3DA-995FC3E8BA79}" sibTransId="{823D1971-2C4D-4EC5-A874-2F463DE37109}"/>
-    <dgm:cxn modelId="{4F65CC8F-B5A8-40BE-A32B-05862B543D6A}" type="presOf" srcId="{7E5AA53B-3EEE-4DE4-BB81-9044890C2946}" destId="{57806726-6E60-4ACC-9C1C-7DF9CC365A10}" srcOrd="0" destOrd="0" presId="urn:microsoft.com/office/officeart/2008/layout/VerticalCurvedList"/>
-    <dgm:cxn modelId="{4A378892-5CCC-4F0D-8A38-4BEAECF30F24}" type="presOf" srcId="{0BEF68B8-1228-47BB-83B5-7B9CD1E3F84E}" destId="{95DE6538-27BD-44AF-A1A8-CA8F6B10FDD2}" srcOrd="0" destOrd="0" presId="urn:microsoft.com/office/officeart/2008/layout/VerticalCurvedList"/>
-    <dgm:cxn modelId="{4E25B52E-70EF-4A0F-B410-0B49263AF380}" type="presParOf" srcId="{57806726-6E60-4ACC-9C1C-7DF9CC365A10}" destId="{90561C55-3C6E-4D53-85E1-2C50BCDDA392}" srcOrd="0" destOrd="0" presId="urn:microsoft.com/office/officeart/2008/layout/VerticalCurvedList"/>
-    <dgm:cxn modelId="{2B3DD9E4-EC9C-4B92-B380-F89BF82E7CF3}" type="presParOf" srcId="{90561C55-3C6E-4D53-85E1-2C50BCDDA392}" destId="{B6CD42EC-5AD4-4004-AE5B-47EDA668DAA8}" srcOrd="0" destOrd="0" presId="urn:microsoft.com/office/officeart/2008/layout/VerticalCurvedList"/>
-    <dgm:cxn modelId="{EA357085-80A4-4D1D-9BD2-56B1E9A721FB}" type="presParOf" srcId="{B6CD42EC-5AD4-4004-AE5B-47EDA668DAA8}" destId="{963B8EE3-40CC-4A0A-B420-D0BF920973CE}" srcOrd="0" destOrd="0" presId="urn:microsoft.com/office/officeart/2008/layout/VerticalCurvedList"/>
-    <dgm:cxn modelId="{F175C6D0-411C-40FD-A19B-860D49F42061}" type="presParOf" srcId="{B6CD42EC-5AD4-4004-AE5B-47EDA668DAA8}" destId="{D79B43FC-100B-4A0D-A4D5-0D2D04B99064}" srcOrd="1" destOrd="0" presId="urn:microsoft.com/office/officeart/2008/layout/VerticalCurvedList"/>
-    <dgm:cxn modelId="{794BB944-68C0-47A5-9792-652802EB36AC}" type="presParOf" srcId="{B6CD42EC-5AD4-4004-AE5B-47EDA668DAA8}" destId="{3CAD8DA1-8D53-445C-ACE8-D8449E4F0F55}" srcOrd="2" destOrd="0" presId="urn:microsoft.com/office/officeart/2008/layout/VerticalCurvedList"/>
-    <dgm:cxn modelId="{B8CC75C4-3D1A-49E7-80D2-915668C1368C}" type="presParOf" srcId="{B6CD42EC-5AD4-4004-AE5B-47EDA668DAA8}" destId="{429CABD1-4116-474B-81BF-735E2CA9DD00}" srcOrd="3" destOrd="0" presId="urn:microsoft.com/office/officeart/2008/layout/VerticalCurvedList"/>
-    <dgm:cxn modelId="{28110BB8-F33F-498C-9A75-98364B05EFA5}" type="presParOf" srcId="{90561C55-3C6E-4D53-85E1-2C50BCDDA392}" destId="{58319267-C71E-43C9-94E1-827D0616C7A7}" srcOrd="1" destOrd="0" presId="urn:microsoft.com/office/officeart/2008/layout/VerticalCurvedList"/>
-    <dgm:cxn modelId="{3866F6C9-5521-48F2-B6C3-40C9896E1605}" type="presParOf" srcId="{90561C55-3C6E-4D53-85E1-2C50BCDDA392}" destId="{79F9B8A9-2412-4B74-84A9-69422DB81CDC}" srcOrd="2" destOrd="0" presId="urn:microsoft.com/office/officeart/2008/layout/VerticalCurvedList"/>
-    <dgm:cxn modelId="{D2205A4F-BB7A-4399-BC2F-78E18EC6EAFE}" type="presParOf" srcId="{79F9B8A9-2412-4B74-84A9-69422DB81CDC}" destId="{07CB3071-D555-47DA-A36A-69EB91531FD8}" srcOrd="0" destOrd="0" presId="urn:microsoft.com/office/officeart/2008/layout/VerticalCurvedList"/>
-    <dgm:cxn modelId="{602753E6-8A03-492B-861A-6B9532B5AA28}" type="presParOf" srcId="{90561C55-3C6E-4D53-85E1-2C50BCDDA392}" destId="{95DE6538-27BD-44AF-A1A8-CA8F6B10FDD2}" srcOrd="3" destOrd="0" presId="urn:microsoft.com/office/officeart/2008/layout/VerticalCurvedList"/>
-    <dgm:cxn modelId="{AEC540A3-E86A-4075-8BE4-263F4AFF4EA1}" type="presParOf" srcId="{90561C55-3C6E-4D53-85E1-2C50BCDDA392}" destId="{312BDEE8-85BD-4F02-B35B-2CC8E701C98B}" srcOrd="4" destOrd="0" presId="urn:microsoft.com/office/officeart/2008/layout/VerticalCurvedList"/>
-    <dgm:cxn modelId="{CD5D1014-B7CB-4B47-9A02-5FBF90928A73}" type="presParOf" srcId="{312BDEE8-85BD-4F02-B35B-2CC8E701C98B}" destId="{3F8116AC-FAC3-4E95-9865-93CCFEB191B9}" srcOrd="0" destOrd="0" presId="urn:microsoft.com/office/officeart/2008/layout/VerticalCurvedList"/>
-    <dgm:cxn modelId="{987EB7C0-CA3E-4874-85E0-01E9060A2D35}" type="presParOf" srcId="{90561C55-3C6E-4D53-85E1-2C50BCDDA392}" destId="{E131CE4A-9776-44F4-BC03-867682E21374}" srcOrd="5" destOrd="0" presId="urn:microsoft.com/office/officeart/2008/layout/VerticalCurvedList"/>
-    <dgm:cxn modelId="{91E55363-8DCA-455E-A203-06A9410994CB}" type="presParOf" srcId="{90561C55-3C6E-4D53-85E1-2C50BCDDA392}" destId="{AC9A216A-8375-48F9-A4E6-8E0B64C0209B}" srcOrd="6" destOrd="0" presId="urn:microsoft.com/office/officeart/2008/layout/VerticalCurvedList"/>
-    <dgm:cxn modelId="{D866D586-1293-4049-B6E3-B467C1D5ED64}" type="presParOf" srcId="{AC9A216A-8375-48F9-A4E6-8E0B64C0209B}" destId="{A965097E-32F1-4AB8-8C4E-2814A7596B2F}" srcOrd="0" destOrd="0" presId="urn:microsoft.com/office/officeart/2008/layout/VerticalCurvedList"/>
   </dgm:cxnLst>
   <dgm:bg/>
   <dgm:whole/>
@@ -4928,480 +3933,6 @@
         <a:xfrm>
           <a:off x="70047" y="3505979"/>
           <a:ext cx="687688" cy="687688"/>
-        </a:xfrm>
-        <a:prstGeom prst="ellipse">
-          <a:avLst/>
-        </a:prstGeom>
-        <a:solidFill>
-          <a:schemeClr val="lt1">
-            <a:hueOff val="0"/>
-            <a:satOff val="0"/>
-            <a:lumOff val="0"/>
-            <a:alphaOff val="0"/>
-          </a:schemeClr>
-        </a:solidFill>
-        <a:ln w="12700" cap="rnd" cmpd="sng" algn="ctr">
-          <a:solidFill>
-            <a:schemeClr val="accent2">
-              <a:hueOff val="0"/>
-              <a:satOff val="0"/>
-              <a:lumOff val="0"/>
-              <a:alphaOff val="0"/>
-            </a:schemeClr>
-          </a:solidFill>
-          <a:prstDash val="solid"/>
-        </a:ln>
-        <a:effectLst/>
-      </dsp:spPr>
-      <dsp:style>
-        <a:lnRef idx="1">
-          <a:scrgbClr r="0" g="0" b="0"/>
-        </a:lnRef>
-        <a:fillRef idx="1">
-          <a:scrgbClr r="0" g="0" b="0"/>
-        </a:fillRef>
-        <a:effectRef idx="0">
-          <a:scrgbClr r="0" g="0" b="0"/>
-        </a:effectRef>
-        <a:fontRef idx="minor"/>
-      </dsp:style>
-    </dsp:sp>
-  </dsp:spTree>
-</dsp:drawing>
-</file>
-
-<file path=ppt/diagrams/drawing3.xml><?xml version="1.0" encoding="utf-8"?>
-<dsp:drawing xmlns:dgm="http://schemas.openxmlformats.org/drawingml/2006/diagram" xmlns:dsp="http://schemas.microsoft.com/office/drawing/2008/diagram" xmlns:a="http://schemas.openxmlformats.org/drawingml/2006/main">
-  <dsp:spTree>
-    <dsp:nvGrpSpPr>
-      <dsp:cNvPr id="0" name=""/>
-      <dsp:cNvGrpSpPr/>
-    </dsp:nvGrpSpPr>
-    <dsp:grpSpPr/>
-    <dsp:sp modelId="{D79B43FC-100B-4A0D-A4D5-0D2D04B99064}">
-      <dsp:nvSpPr>
-        <dsp:cNvPr id="0" name=""/>
-        <dsp:cNvSpPr/>
-      </dsp:nvSpPr>
-      <dsp:spPr>
-        <a:xfrm>
-          <a:off x="-4028574" y="-618397"/>
-          <a:ext cx="4800732" cy="4800732"/>
-        </a:xfrm>
-        <a:prstGeom prst="blockArc">
-          <a:avLst>
-            <a:gd name="adj1" fmla="val 18900000"/>
-            <a:gd name="adj2" fmla="val 2700000"/>
-            <a:gd name="adj3" fmla="val 450"/>
-          </a:avLst>
-        </a:prstGeom>
-        <a:noFill/>
-        <a:ln w="12700" cap="rnd" cmpd="sng" algn="ctr">
-          <a:solidFill>
-            <a:schemeClr val="accent2">
-              <a:shade val="60000"/>
-              <a:hueOff val="0"/>
-              <a:satOff val="0"/>
-              <a:lumOff val="0"/>
-              <a:alphaOff val="0"/>
-            </a:schemeClr>
-          </a:solidFill>
-          <a:prstDash val="solid"/>
-        </a:ln>
-        <a:effectLst/>
-      </dsp:spPr>
-      <dsp:style>
-        <a:lnRef idx="1">
-          <a:scrgbClr r="0" g="0" b="0"/>
-        </a:lnRef>
-        <a:fillRef idx="0">
-          <a:scrgbClr r="0" g="0" b="0"/>
-        </a:fillRef>
-        <a:effectRef idx="0">
-          <a:scrgbClr r="0" g="0" b="0"/>
-        </a:effectRef>
-        <a:fontRef idx="minor"/>
-      </dsp:style>
-    </dsp:sp>
-    <dsp:sp modelId="{58319267-C71E-43C9-94E1-827D0616C7A7}">
-      <dsp:nvSpPr>
-        <dsp:cNvPr id="0" name=""/>
-        <dsp:cNvSpPr/>
-      </dsp:nvSpPr>
-      <dsp:spPr>
-        <a:xfrm>
-          <a:off x="496568" y="356393"/>
-          <a:ext cx="6310391" cy="712787"/>
-        </a:xfrm>
-        <a:prstGeom prst="rect">
-          <a:avLst/>
-        </a:prstGeom>
-        <a:gradFill rotWithShape="0">
-          <a:gsLst>
-            <a:gs pos="0">
-              <a:schemeClr val="accent2">
-                <a:hueOff val="0"/>
-                <a:satOff val="0"/>
-                <a:lumOff val="0"/>
-                <a:alphaOff val="0"/>
-                <a:tint val="98000"/>
-                <a:lumMod val="110000"/>
-              </a:schemeClr>
-            </a:gs>
-            <a:gs pos="84000">
-              <a:schemeClr val="accent2">
-                <a:hueOff val="0"/>
-                <a:satOff val="0"/>
-                <a:lumOff val="0"/>
-                <a:alphaOff val="0"/>
-                <a:shade val="90000"/>
-                <a:lumMod val="88000"/>
-              </a:schemeClr>
-            </a:gs>
-          </a:gsLst>
-          <a:lin ang="5400000" scaled="0"/>
-        </a:gradFill>
-        <a:ln>
-          <a:noFill/>
-        </a:ln>
-        <a:effectLst>
-          <a:outerShdw blurRad="38100" dist="25400" dir="5400000" rotWithShape="0">
-            <a:srgbClr val="000000">
-              <a:alpha val="55000"/>
-            </a:srgbClr>
-          </a:outerShdw>
-        </a:effectLst>
-      </dsp:spPr>
-      <dsp:style>
-        <a:lnRef idx="0">
-          <a:scrgbClr r="0" g="0" b="0"/>
-        </a:lnRef>
-        <a:fillRef idx="3">
-          <a:scrgbClr r="0" g="0" b="0"/>
-        </a:fillRef>
-        <a:effectRef idx="2">
-          <a:scrgbClr r="0" g="0" b="0"/>
-        </a:effectRef>
-        <a:fontRef idx="minor">
-          <a:schemeClr val="lt1"/>
-        </a:fontRef>
-      </dsp:style>
-      <dsp:txBody>
-        <a:bodyPr spcFirstLastPara="0" vert="horz" wrap="square" lIns="565775" tIns="88900" rIns="88900" bIns="88900" numCol="1" spcCol="1270" anchor="ctr" anchorCtr="0">
-          <a:noAutofit/>
-        </a:bodyPr>
-        <a:lstStyle/>
-        <a:p>
-          <a:pPr marL="0" lvl="0" indent="0" algn="l" defTabSz="1555750">
-            <a:lnSpc>
-              <a:spcPct val="100000"/>
-            </a:lnSpc>
-            <a:spcBef>
-              <a:spcPct val="0"/>
-            </a:spcBef>
-            <a:spcAft>
-              <a:spcPct val="35000"/>
-            </a:spcAft>
-            <a:buNone/>
-          </a:pPr>
-          <a:r>
-            <a:rPr lang="en-US" sz="3500" kern="1200" dirty="0"/>
-            <a:t>Cloud	</a:t>
-          </a:r>
-        </a:p>
-      </dsp:txBody>
-      <dsp:txXfrm>
-        <a:off x="496568" y="356393"/>
-        <a:ext cx="6310391" cy="712787"/>
-      </dsp:txXfrm>
-    </dsp:sp>
-    <dsp:sp modelId="{07CB3071-D555-47DA-A36A-69EB91531FD8}">
-      <dsp:nvSpPr>
-        <dsp:cNvPr id="0" name=""/>
-        <dsp:cNvSpPr/>
-      </dsp:nvSpPr>
-      <dsp:spPr>
-        <a:xfrm>
-          <a:off x="51076" y="267295"/>
-          <a:ext cx="890984" cy="890984"/>
-        </a:xfrm>
-        <a:prstGeom prst="ellipse">
-          <a:avLst/>
-        </a:prstGeom>
-        <a:solidFill>
-          <a:schemeClr val="lt1">
-            <a:hueOff val="0"/>
-            <a:satOff val="0"/>
-            <a:lumOff val="0"/>
-            <a:alphaOff val="0"/>
-          </a:schemeClr>
-        </a:solidFill>
-        <a:ln w="12700" cap="rnd" cmpd="sng" algn="ctr">
-          <a:solidFill>
-            <a:schemeClr val="accent2">
-              <a:hueOff val="0"/>
-              <a:satOff val="0"/>
-              <a:lumOff val="0"/>
-              <a:alphaOff val="0"/>
-            </a:schemeClr>
-          </a:solidFill>
-          <a:prstDash val="solid"/>
-        </a:ln>
-        <a:effectLst/>
-      </dsp:spPr>
-      <dsp:style>
-        <a:lnRef idx="1">
-          <a:scrgbClr r="0" g="0" b="0"/>
-        </a:lnRef>
-        <a:fillRef idx="1">
-          <a:scrgbClr r="0" g="0" b="0"/>
-        </a:fillRef>
-        <a:effectRef idx="0">
-          <a:scrgbClr r="0" g="0" b="0"/>
-        </a:effectRef>
-        <a:fontRef idx="minor"/>
-      </dsp:style>
-    </dsp:sp>
-    <dsp:sp modelId="{95DE6538-27BD-44AF-A1A8-CA8F6B10FDD2}">
-      <dsp:nvSpPr>
-        <dsp:cNvPr id="0" name=""/>
-        <dsp:cNvSpPr/>
-      </dsp:nvSpPr>
-      <dsp:spPr>
-        <a:xfrm>
-          <a:off x="755666" y="1425575"/>
-          <a:ext cx="6051292" cy="712787"/>
-        </a:xfrm>
-        <a:prstGeom prst="rect">
-          <a:avLst/>
-        </a:prstGeom>
-        <a:gradFill rotWithShape="0">
-          <a:gsLst>
-            <a:gs pos="0">
-              <a:schemeClr val="accent2">
-                <a:hueOff val="0"/>
-                <a:satOff val="0"/>
-                <a:lumOff val="0"/>
-                <a:alphaOff val="0"/>
-                <a:tint val="98000"/>
-                <a:lumMod val="110000"/>
-              </a:schemeClr>
-            </a:gs>
-            <a:gs pos="84000">
-              <a:schemeClr val="accent2">
-                <a:hueOff val="0"/>
-                <a:satOff val="0"/>
-                <a:lumOff val="0"/>
-                <a:alphaOff val="0"/>
-                <a:shade val="90000"/>
-                <a:lumMod val="88000"/>
-              </a:schemeClr>
-            </a:gs>
-          </a:gsLst>
-          <a:lin ang="5400000" scaled="0"/>
-        </a:gradFill>
-        <a:ln>
-          <a:noFill/>
-        </a:ln>
-        <a:effectLst>
-          <a:outerShdw blurRad="38100" dist="25400" dir="5400000" rotWithShape="0">
-            <a:srgbClr val="000000">
-              <a:alpha val="55000"/>
-            </a:srgbClr>
-          </a:outerShdw>
-        </a:effectLst>
-      </dsp:spPr>
-      <dsp:style>
-        <a:lnRef idx="0">
-          <a:scrgbClr r="0" g="0" b="0"/>
-        </a:lnRef>
-        <a:fillRef idx="3">
-          <a:scrgbClr r="0" g="0" b="0"/>
-        </a:fillRef>
-        <a:effectRef idx="2">
-          <a:scrgbClr r="0" g="0" b="0"/>
-        </a:effectRef>
-        <a:fontRef idx="minor">
-          <a:schemeClr val="lt1"/>
-        </a:fontRef>
-      </dsp:style>
-      <dsp:txBody>
-        <a:bodyPr spcFirstLastPara="0" vert="horz" wrap="square" lIns="565775" tIns="88900" rIns="88900" bIns="88900" numCol="1" spcCol="1270" anchor="ctr" anchorCtr="0">
-          <a:noAutofit/>
-        </a:bodyPr>
-        <a:lstStyle/>
-        <a:p>
-          <a:pPr marL="0" lvl="0" indent="0" algn="l" defTabSz="1555750">
-            <a:lnSpc>
-              <a:spcPct val="100000"/>
-            </a:lnSpc>
-            <a:spcBef>
-              <a:spcPct val="0"/>
-            </a:spcBef>
-            <a:spcAft>
-              <a:spcPct val="35000"/>
-            </a:spcAft>
-            <a:buNone/>
-          </a:pPr>
-          <a:r>
-            <a:rPr lang="en-US" sz="3500" kern="1200" dirty="0"/>
-            <a:t>Local</a:t>
-          </a:r>
-        </a:p>
-      </dsp:txBody>
-      <dsp:txXfrm>
-        <a:off x="755666" y="1425575"/>
-        <a:ext cx="6051292" cy="712787"/>
-      </dsp:txXfrm>
-    </dsp:sp>
-    <dsp:sp modelId="{3F8116AC-FAC3-4E95-9865-93CCFEB191B9}">
-      <dsp:nvSpPr>
-        <dsp:cNvPr id="0" name=""/>
-        <dsp:cNvSpPr/>
-      </dsp:nvSpPr>
-      <dsp:spPr>
-        <a:xfrm>
-          <a:off x="310174" y="1336476"/>
-          <a:ext cx="890984" cy="890984"/>
-        </a:xfrm>
-        <a:prstGeom prst="ellipse">
-          <a:avLst/>
-        </a:prstGeom>
-        <a:solidFill>
-          <a:schemeClr val="lt1">
-            <a:hueOff val="0"/>
-            <a:satOff val="0"/>
-            <a:lumOff val="0"/>
-            <a:alphaOff val="0"/>
-          </a:schemeClr>
-        </a:solidFill>
-        <a:ln w="12700" cap="rnd" cmpd="sng" algn="ctr">
-          <a:solidFill>
-            <a:schemeClr val="accent2">
-              <a:hueOff val="0"/>
-              <a:satOff val="0"/>
-              <a:lumOff val="0"/>
-              <a:alphaOff val="0"/>
-            </a:schemeClr>
-          </a:solidFill>
-          <a:prstDash val="solid"/>
-        </a:ln>
-        <a:effectLst/>
-      </dsp:spPr>
-      <dsp:style>
-        <a:lnRef idx="1">
-          <a:scrgbClr r="0" g="0" b="0"/>
-        </a:lnRef>
-        <a:fillRef idx="1">
-          <a:scrgbClr r="0" g="0" b="0"/>
-        </a:fillRef>
-        <a:effectRef idx="0">
-          <a:scrgbClr r="0" g="0" b="0"/>
-        </a:effectRef>
-        <a:fontRef idx="minor"/>
-      </dsp:style>
-    </dsp:sp>
-    <dsp:sp modelId="{E131CE4A-9776-44F4-BC03-867682E21374}">
-      <dsp:nvSpPr>
-        <dsp:cNvPr id="0" name=""/>
-        <dsp:cNvSpPr/>
-      </dsp:nvSpPr>
-      <dsp:spPr>
-        <a:xfrm>
-          <a:off x="496568" y="2494756"/>
-          <a:ext cx="6310391" cy="712787"/>
-        </a:xfrm>
-        <a:prstGeom prst="rect">
-          <a:avLst/>
-        </a:prstGeom>
-        <a:gradFill rotWithShape="0">
-          <a:gsLst>
-            <a:gs pos="0">
-              <a:schemeClr val="accent2">
-                <a:hueOff val="0"/>
-                <a:satOff val="0"/>
-                <a:lumOff val="0"/>
-                <a:alphaOff val="0"/>
-                <a:tint val="98000"/>
-                <a:lumMod val="110000"/>
-              </a:schemeClr>
-            </a:gs>
-            <a:gs pos="84000">
-              <a:schemeClr val="accent2">
-                <a:hueOff val="0"/>
-                <a:satOff val="0"/>
-                <a:lumOff val="0"/>
-                <a:alphaOff val="0"/>
-                <a:shade val="90000"/>
-                <a:lumMod val="88000"/>
-              </a:schemeClr>
-            </a:gs>
-          </a:gsLst>
-          <a:lin ang="5400000" scaled="0"/>
-        </a:gradFill>
-        <a:ln>
-          <a:noFill/>
-        </a:ln>
-        <a:effectLst>
-          <a:outerShdw blurRad="38100" dist="25400" dir="5400000" rotWithShape="0">
-            <a:srgbClr val="000000">
-              <a:alpha val="55000"/>
-            </a:srgbClr>
-          </a:outerShdw>
-        </a:effectLst>
-      </dsp:spPr>
-      <dsp:style>
-        <a:lnRef idx="0">
-          <a:scrgbClr r="0" g="0" b="0"/>
-        </a:lnRef>
-        <a:fillRef idx="3">
-          <a:scrgbClr r="0" g="0" b="0"/>
-        </a:fillRef>
-        <a:effectRef idx="2">
-          <a:scrgbClr r="0" g="0" b="0"/>
-        </a:effectRef>
-        <a:fontRef idx="minor">
-          <a:schemeClr val="lt1"/>
-        </a:fontRef>
-      </dsp:style>
-      <dsp:txBody>
-        <a:bodyPr spcFirstLastPara="0" vert="horz" wrap="square" lIns="565775" tIns="88900" rIns="88900" bIns="88900" numCol="1" spcCol="1270" anchor="ctr" anchorCtr="0">
-          <a:noAutofit/>
-        </a:bodyPr>
-        <a:lstStyle/>
-        <a:p>
-          <a:pPr marL="0" lvl="0" indent="0" algn="l" defTabSz="1555750">
-            <a:lnSpc>
-              <a:spcPct val="100000"/>
-            </a:lnSpc>
-            <a:spcBef>
-              <a:spcPct val="0"/>
-            </a:spcBef>
-            <a:spcAft>
-              <a:spcPct val="35000"/>
-            </a:spcAft>
-            <a:buNone/>
-          </a:pPr>
-          <a:r>
-            <a:rPr lang="en-US" sz="3500" kern="1200" dirty="0"/>
-            <a:t>Hybrid</a:t>
-          </a:r>
-        </a:p>
-      </dsp:txBody>
-      <dsp:txXfrm>
-        <a:off x="496568" y="2494756"/>
-        <a:ext cx="6310391" cy="712787"/>
-      </dsp:txXfrm>
-    </dsp:sp>
-    <dsp:sp modelId="{A965097E-32F1-4AB8-8C4E-2814A7596B2F}">
-      <dsp:nvSpPr>
-        <dsp:cNvPr id="0" name=""/>
-        <dsp:cNvSpPr/>
-      </dsp:nvSpPr>
-      <dsp:spPr>
-        <a:xfrm>
-          <a:off x="51076" y="2405658"/>
-          <a:ext cx="890984" cy="890984"/>
         </a:xfrm>
         <a:prstGeom prst="ellipse">
           <a:avLst/>
@@ -6912,1284 +5443,6 @@
 </dgm:layoutDef>
 </file>
 
-<file path=ppt/diagrams/layout3.xml><?xml version="1.0" encoding="utf-8"?>
-<dgm:layoutDef xmlns:dgm="http://schemas.openxmlformats.org/drawingml/2006/diagram" xmlns:a="http://schemas.openxmlformats.org/drawingml/2006/main" uniqueId="urn:microsoft.com/office/officeart/2008/layout/VerticalCurvedList">
-  <dgm:title val=""/>
-  <dgm:desc val=""/>
-  <dgm:catLst>
-    <dgm:cat type="list" pri="20000"/>
-  </dgm:catLst>
-  <dgm:sampData>
-    <dgm:dataModel>
-      <dgm:ptLst>
-        <dgm:pt modelId="0" type="doc"/>
-        <dgm:pt modelId="1">
-          <dgm:prSet phldr="1"/>
-        </dgm:pt>
-        <dgm:pt modelId="2">
-          <dgm:prSet phldr="1"/>
-        </dgm:pt>
-        <dgm:pt modelId="3">
-          <dgm:prSet phldr="1"/>
-        </dgm:pt>
-      </dgm:ptLst>
-      <dgm:cxnLst>
-        <dgm:cxn modelId="4" srcId="0" destId="1" srcOrd="0" destOrd="0"/>
-        <dgm:cxn modelId="5" srcId="0" destId="2" srcOrd="1" destOrd="0"/>
-        <dgm:cxn modelId="6" srcId="0" destId="3" srcOrd="2" destOrd="0"/>
-      </dgm:cxnLst>
-      <dgm:bg/>
-      <dgm:whole/>
-    </dgm:dataModel>
-  </dgm:sampData>
-  <dgm:styleData>
-    <dgm:dataModel>
-      <dgm:ptLst>
-        <dgm:pt modelId="0" type="doc"/>
-        <dgm:pt modelId="1">
-          <dgm:prSet phldr="1"/>
-        </dgm:pt>
-        <dgm:pt modelId="2">
-          <dgm:prSet phldr="1"/>
-        </dgm:pt>
-      </dgm:ptLst>
-      <dgm:cxnLst>
-        <dgm:cxn modelId="3" srcId="0" destId="1" srcOrd="0" destOrd="0"/>
-        <dgm:cxn modelId="4" srcId="0" destId="2" srcOrd="1" destOrd="0"/>
-      </dgm:cxnLst>
-      <dgm:bg/>
-      <dgm:whole/>
-    </dgm:dataModel>
-  </dgm:styleData>
-  <dgm:clrData>
-    <dgm:dataModel>
-      <dgm:ptLst>
-        <dgm:pt modelId="0" type="doc"/>
-        <dgm:pt modelId="1">
-          <dgm:prSet phldr="1"/>
-        </dgm:pt>
-        <dgm:pt modelId="2">
-          <dgm:prSet phldr="1"/>
-        </dgm:pt>
-        <dgm:pt modelId="3">
-          <dgm:prSet phldr="1"/>
-        </dgm:pt>
-        <dgm:pt modelId="4">
-          <dgm:prSet phldr="1"/>
-        </dgm:pt>
-      </dgm:ptLst>
-      <dgm:cxnLst>
-        <dgm:cxn modelId="5" srcId="0" destId="1" srcOrd="0" destOrd="0"/>
-        <dgm:cxn modelId="6" srcId="0" destId="2" srcOrd="1" destOrd="0"/>
-        <dgm:cxn modelId="7" srcId="0" destId="3" srcOrd="2" destOrd="0"/>
-        <dgm:cxn modelId="8" srcId="0" destId="4" srcOrd="3" destOrd="0"/>
-      </dgm:cxnLst>
-      <dgm:bg/>
-      <dgm:whole/>
-    </dgm:dataModel>
-  </dgm:clrData>
-  <dgm:layoutNode name="Name0">
-    <dgm:varLst>
-      <dgm:chMax val="7"/>
-      <dgm:chPref val="7"/>
-      <dgm:dir/>
-    </dgm:varLst>
-    <dgm:alg type="composite"/>
-    <dgm:shape xmlns:r="http://schemas.openxmlformats.org/officeDocument/2006/relationships" r:blip="">
-      <dgm:adjLst/>
-    </dgm:shape>
-    <dgm:constrLst>
-      <dgm:constr type="w" for="ch" refType="h" refFor="ch" op="gte" fact="0.8"/>
-    </dgm:constrLst>
-    <dgm:layoutNode name="Name1">
-      <dgm:alg type="composite"/>
-      <dgm:shape xmlns:r="http://schemas.openxmlformats.org/officeDocument/2006/relationships" r:blip="">
-        <dgm:adjLst/>
-      </dgm:shape>
-      <dgm:choose name="Name2">
-        <dgm:if name="Name3" func="var" arg="dir" op="equ" val="norm">
-          <dgm:choose name="Name4">
-            <dgm:if name="Name5" axis="ch" ptType="node" func="cnt" op="equ" val="1">
-              <dgm:constrLst>
-                <dgm:constr type="h" for="ch" forName="cycle" refType="h"/>
-                <dgm:constr type="w" for="ch" forName="cycle" refType="h" refFor="ch" refForName="cycle" fact="0.26"/>
-                <dgm:constr type="l" for="ch" forName="cycle"/>
-                <dgm:constr type="ctrY" for="ch" forName="cycle" refType="h" fact="0.5"/>
-                <dgm:constr type="diam" for="ch" forName="cycle" refType="h" fact="1.344"/>
-                <dgm:constr type="h" for="ch" forName="accent_1" refType="h" fact="0.625"/>
-                <dgm:constr type="w" for="ch" forName="accent_1" refType="h" refFor="ch" refForName="accent_1" op="equ"/>
-                <dgm:constr type="ctrY" for="ch" forName="accent_1" refType="h" fact="0.5"/>
-                <dgm:constr type="ctrX" for="ch" forName="accent_1" refType="h" fact="0.2253"/>
-                <dgm:constr type="l" for="ch" forName="text_1" refType="ctrX" refFor="ch" refForName="accent_1"/>
-                <dgm:constr type="r" for="ch" forName="text_1" refType="w"/>
-                <dgm:constr type="w" for="ch" forName="text_1" refType="h" refFor="ch" refForName="text_1" op="gte"/>
-                <dgm:constr type="h" for="ch" forName="text_1" refType="h" refFor="ch" refForName="accent_1" fact="0.8"/>
-                <dgm:constr type="ctrY" for="ch" forName="text_1" refType="ctrY" refFor="ch" refForName="accent_1"/>
-                <dgm:constr type="lMarg" for="ch" forName="text_1" refType="w" refFor="ch" refForName="accent_1" fact="1.8"/>
-                <dgm:constr type="primFontSz" for="ch" ptType="node" op="equ" val="65"/>
-              </dgm:constrLst>
-            </dgm:if>
-            <dgm:if name="Name6" axis="ch" ptType="node" func="cnt" op="equ" val="2">
-              <dgm:constrLst>
-                <dgm:constr type="h" for="ch" forName="cycle" refType="h"/>
-                <dgm:constr type="w" for="ch" forName="cycle" refType="h" refFor="ch" refForName="cycle" fact="0.26"/>
-                <dgm:constr type="l" for="ch" forName="cycle"/>
-                <dgm:constr type="ctrY" for="ch" forName="cycle" refType="h" fact="0.5"/>
-                <dgm:constr type="diam" for="ch" forName="cycle" refType="h" fact="1.344"/>
-                <dgm:constr type="h" for="ch" forName="accent_1" refType="h" fact="0.3571"/>
-                <dgm:constr type="w" for="ch" forName="accent_1" refType="h" refFor="ch" refForName="accent_1" op="equ"/>
-                <dgm:constr type="ctrY" for="ch" forName="accent_1" refType="h" fact="0.2857"/>
-                <dgm:constr type="ctrX" for="ch" forName="accent_1" refType="h" fact="0.1891"/>
-                <dgm:constr type="l" for="ch" forName="text_1" refType="ctrX" refFor="ch" refForName="accent_1"/>
-                <dgm:constr type="r" for="ch" forName="text_1" refType="w"/>
-                <dgm:constr type="w" for="ch" forName="text_1" refType="h" refFor="ch" refForName="text_1" op="gte"/>
-                <dgm:constr type="h" for="ch" forName="text_1" refType="h" refFor="ch" refForName="accent_1" fact="0.8"/>
-                <dgm:constr type="ctrY" for="ch" forName="text_1" refType="ctrY" refFor="ch" refForName="accent_1"/>
-                <dgm:constr type="lMarg" for="ch" forName="text_1" refType="w" refFor="ch" refForName="accent_1" fact="1.8"/>
-                <dgm:constr type="h" for="ch" forName="accent_2" refType="h" fact="0.3571"/>
-                <dgm:constr type="w" for="ch" forName="accent_2" refType="h" refFor="ch" refForName="accent_2" op="equ"/>
-                <dgm:constr type="ctrY" for="ch" forName="accent_2" refType="h" fact="0.7143"/>
-                <dgm:constr type="ctrX" for="ch" forName="accent_2" refType="h" fact="0.1891"/>
-                <dgm:constr type="l" for="ch" forName="text_2" refType="ctrX" refFor="ch" refForName="accent_2"/>
-                <dgm:constr type="r" for="ch" forName="text_2" refType="w"/>
-                <dgm:constr type="w" for="ch" forName="text_2" refType="h" refFor="ch" refForName="text_2" op="gte"/>
-                <dgm:constr type="h" for="ch" forName="text_2" refType="h" refFor="ch" refForName="accent_2" fact="0.8"/>
-                <dgm:constr type="ctrY" for="ch" forName="text_2" refType="ctrY" refFor="ch" refForName="accent_2"/>
-                <dgm:constr type="lMarg" for="ch" forName="text_2" refType="w" refFor="ch" refForName="accent_2" fact="1.8"/>
-                <dgm:constr type="primFontSz" for="ch" ptType="node" op="equ" val="65"/>
-              </dgm:constrLst>
-            </dgm:if>
-            <dgm:if name="Name7" axis="ch" ptType="node" func="cnt" op="equ" val="3">
-              <dgm:constrLst>
-                <dgm:constr type="h" for="ch" forName="cycle" refType="h"/>
-                <dgm:constr type="w" for="ch" forName="cycle" refType="h" refFor="ch" refForName="cycle" fact="0.26"/>
-                <dgm:constr type="l" for="ch" forName="cycle"/>
-                <dgm:constr type="ctrY" for="ch" forName="cycle" refType="h" fact="0.5"/>
-                <dgm:constr type="diam" for="ch" forName="cycle" refType="h" fact="1.344"/>
-                <dgm:constr type="h" for="ch" forName="accent_1" refType="h" fact="0.25"/>
-                <dgm:constr type="w" for="ch" forName="accent_1" refType="h" refFor="ch" refForName="accent_1" op="equ"/>
-                <dgm:constr type="ctrY" for="ch" forName="accent_1" refType="h" fact="0.2"/>
-                <dgm:constr type="ctrX" for="ch" forName="accent_1" refType="h" fact="0.1526"/>
-                <dgm:constr type="l" for="ch" forName="text_1" refType="ctrX" refFor="ch" refForName="accent_1"/>
-                <dgm:constr type="r" for="ch" forName="text_1" refType="w"/>
-                <dgm:constr type="w" for="ch" forName="text_1" refType="h" refFor="ch" refForName="text_1" op="gte"/>
-                <dgm:constr type="h" for="ch" forName="text_1" refType="h" refFor="ch" refForName="accent_1" fact="0.8"/>
-                <dgm:constr type="ctrY" for="ch" forName="text_1" refType="ctrY" refFor="ch" refForName="accent_1"/>
-                <dgm:constr type="lMarg" for="ch" forName="text_1" refType="w" refFor="ch" refForName="accent_1" fact="1.8"/>
-                <dgm:constr type="h" for="ch" forName="accent_2" refType="h" fact="0.25"/>
-                <dgm:constr type="w" for="ch" forName="accent_2" refType="h" refFor="ch" refForName="accent_2" op="equ"/>
-                <dgm:constr type="ctrY" for="ch" forName="accent_2" refType="h" fact="0.5"/>
-                <dgm:constr type="ctrX" for="ch" forName="accent_2" refType="h" fact="0.2253"/>
-                <dgm:constr type="l" for="ch" forName="text_2" refType="ctrX" refFor="ch" refForName="accent_2"/>
-                <dgm:constr type="r" for="ch" forName="text_2" refType="w"/>
-                <dgm:constr type="w" for="ch" forName="text_2" refType="h" refFor="ch" refForName="text_2" op="gte"/>
-                <dgm:constr type="h" for="ch" forName="text_2" refType="h" refFor="ch" refForName="accent_2" fact="0.8"/>
-                <dgm:constr type="ctrY" for="ch" forName="text_2" refType="ctrY" refFor="ch" refForName="accent_2"/>
-                <dgm:constr type="lMarg" for="ch" forName="text_2" refType="w" refFor="ch" refForName="accent_2" fact="1.8"/>
-                <dgm:constr type="h" for="ch" forName="accent_3" refType="h" fact="0.25"/>
-                <dgm:constr type="w" for="ch" forName="accent_3" refType="h" refFor="ch" refForName="accent_3" op="equ"/>
-                <dgm:constr type="ctrY" for="ch" forName="accent_3" refType="h" fact="0.8"/>
-                <dgm:constr type="ctrX" for="ch" forName="accent_3" refType="h" fact="0.1526"/>
-                <dgm:constr type="l" for="ch" forName="text_3" refType="ctrX" refFor="ch" refForName="accent_3"/>
-                <dgm:constr type="r" for="ch" forName="text_3" refType="w"/>
-                <dgm:constr type="w" for="ch" forName="text_3" refType="h" refFor="ch" refForName="text_3" op="gte"/>
-                <dgm:constr type="h" for="ch" forName="text_3" refType="h" refFor="ch" refForName="accent_3" fact="0.8"/>
-                <dgm:constr type="ctrY" for="ch" forName="text_3" refType="ctrY" refFor="ch" refForName="accent_3"/>
-                <dgm:constr type="lMarg" for="ch" forName="text_3" refType="w" refFor="ch" refForName="accent_3" fact="1.8"/>
-                <dgm:constr type="primFontSz" for="ch" ptType="node" op="equ" val="65"/>
-              </dgm:constrLst>
-            </dgm:if>
-            <dgm:if name="Name8" axis="ch" ptType="node" func="cnt" op="equ" val="4">
-              <dgm:constrLst>
-                <dgm:constr type="h" for="ch" forName="cycle" refType="h"/>
-                <dgm:constr type="w" for="ch" forName="cycle" refType="h" refFor="ch" refForName="cycle" fact="0.26"/>
-                <dgm:constr type="l" for="ch" forName="cycle"/>
-                <dgm:constr type="ctrY" for="ch" forName="cycle" refType="h" fact="0.5"/>
-                <dgm:constr type="diam" for="ch" forName="cycle" refType="h" fact="1.344"/>
-                <dgm:constr type="h" for="ch" forName="accent_1" refType="h" fact="0.1923"/>
-                <dgm:constr type="w" for="ch" forName="accent_1" refType="h" refFor="ch" refForName="accent_1" op="equ"/>
-                <dgm:constr type="ctrY" for="ch" forName="accent_1" refType="h" fact="0.1538"/>
-                <dgm:constr type="ctrX" for="ch" forName="accent_1" refType="h" fact="0.1268"/>
-                <dgm:constr type="l" for="ch" forName="text_1" refType="ctrX" refFor="ch" refForName="accent_1"/>
-                <dgm:constr type="r" for="ch" forName="text_1" refType="w"/>
-                <dgm:constr type="w" for="ch" forName="text_1" refType="h" refFor="ch" refForName="text_1" op="gte"/>
-                <dgm:constr type="h" for="ch" forName="text_1" refType="h" refFor="ch" refForName="accent_1" fact="0.8"/>
-                <dgm:constr type="ctrY" for="ch" forName="text_1" refType="ctrY" refFor="ch" refForName="accent_1"/>
-                <dgm:constr type="lMarg" for="ch" forName="text_1" refType="w" refFor="ch" refForName="accent_1" fact="1.8"/>
-                <dgm:constr type="h" for="ch" forName="accent_2" refType="h" fact="0.1923"/>
-                <dgm:constr type="w" for="ch" forName="accent_2" refType="h" refFor="ch" refForName="accent_2" op="equ"/>
-                <dgm:constr type="ctrY" for="ch" forName="accent_2" refType="h" fact="0.3846"/>
-                <dgm:constr type="ctrX" for="ch" forName="accent_2" refType="h" fact="0.215"/>
-                <dgm:constr type="l" for="ch" forName="text_2" refType="ctrX" refFor="ch" refForName="accent_2"/>
-                <dgm:constr type="r" for="ch" forName="text_2" refType="w"/>
-                <dgm:constr type="w" for="ch" forName="text_2" refType="h" refFor="ch" refForName="text_2" op="gte"/>
-                <dgm:constr type="h" for="ch" forName="text_2" refType="h" refFor="ch" refForName="accent_2" fact="0.8"/>
-                <dgm:constr type="ctrY" for="ch" forName="text_2" refType="ctrY" refFor="ch" refForName="accent_2"/>
-                <dgm:constr type="lMarg" for="ch" forName="text_2" refType="w" refFor="ch" refForName="accent_2" fact="1.8"/>
-                <dgm:constr type="h" for="ch" forName="accent_3" refType="h" fact="0.1923"/>
-                <dgm:constr type="w" for="ch" forName="accent_3" refType="h" refFor="ch" refForName="accent_3" op="equ"/>
-                <dgm:constr type="ctrY" for="ch" forName="accent_3" refType="h" fact="0.6154"/>
-                <dgm:constr type="ctrX" for="ch" forName="accent_3" refType="h" fact="0.215"/>
-                <dgm:constr type="l" for="ch" forName="text_3" refType="ctrX" refFor="ch" refForName="accent_3"/>
-                <dgm:constr type="r" for="ch" forName="text_3" refType="w"/>
-                <dgm:constr type="w" for="ch" forName="text_3" refType="h" refFor="ch" refForName="text_3" op="gte"/>
-                <dgm:constr type="h" for="ch" forName="text_3" refType="h" refFor="ch" refForName="accent_3" fact="0.8"/>
-                <dgm:constr type="ctrY" for="ch" forName="text_3" refType="ctrY" refFor="ch" refForName="accent_3"/>
-                <dgm:constr type="lMarg" for="ch" forName="text_3" refType="w" refFor="ch" refForName="accent_3" fact="1.8"/>
-                <dgm:constr type="h" for="ch" forName="accent_4" refType="h" fact="0.1923"/>
-                <dgm:constr type="w" for="ch" forName="accent_4" refType="h" refFor="ch" refForName="accent_4" op="equ"/>
-                <dgm:constr type="ctrY" for="ch" forName="accent_4" refType="h" fact="0.8462"/>
-                <dgm:constr type="ctrX" for="ch" forName="accent_4" refType="h" fact="0.1268"/>
-                <dgm:constr type="l" for="ch" forName="text_4" refType="ctrX" refFor="ch" refForName="accent_4"/>
-                <dgm:constr type="r" for="ch" forName="text_4" refType="w"/>
-                <dgm:constr type="w" for="ch" forName="text_4" refType="h" refFor="ch" refForName="text_4" op="gte"/>
-                <dgm:constr type="h" for="ch" forName="text_4" refType="h" refFor="ch" refForName="accent_4" fact="0.8"/>
-                <dgm:constr type="ctrY" for="ch" forName="text_4" refType="ctrY" refFor="ch" refForName="accent_4"/>
-                <dgm:constr type="lMarg" for="ch" forName="text_4" refType="w" refFor="ch" refForName="accent_4" fact="1.8"/>
-                <dgm:constr type="primFontSz" for="ch" ptType="node" op="equ" val="65"/>
-              </dgm:constrLst>
-            </dgm:if>
-            <dgm:if name="Name9" axis="ch" ptType="node" func="cnt" op="equ" val="5">
-              <dgm:constrLst>
-                <dgm:constr type="h" for="ch" forName="cycle" refType="h"/>
-                <dgm:constr type="w" for="ch" forName="cycle" refType="h" refFor="ch" refForName="cycle" fact="0.26"/>
-                <dgm:constr type="l" for="ch" forName="cycle"/>
-                <dgm:constr type="ctrY" for="ch" forName="cycle" refType="h" fact="0.5"/>
-                <dgm:constr type="diam" for="ch" forName="cycle" refType="h" fact="1.344"/>
-                <dgm:constr type="h" for="ch" forName="accent_1" refType="h" fact="0.1563"/>
-                <dgm:constr type="w" for="ch" forName="accent_1" refType="h" refFor="ch" refForName="accent_1" op="equ"/>
-                <dgm:constr type="ctrY" for="ch" forName="accent_1" refType="h" fact="0.125"/>
-                <dgm:constr type="ctrX" for="ch" forName="accent_1" refType="h" fact="0.1082"/>
-                <dgm:constr type="l" for="ch" forName="text_1" refType="ctrX" refFor="ch" refForName="accent_1"/>
-                <dgm:constr type="r" for="ch" forName="text_1" refType="w"/>
-                <dgm:constr type="w" for="ch" forName="text_1" refType="h" refFor="ch" refForName="text_1" op="gte"/>
-                <dgm:constr type="h" for="ch" forName="text_1" refType="h" refFor="ch" refForName="accent_1" fact="0.8"/>
-                <dgm:constr type="ctrY" for="ch" forName="text_1" refType="ctrY" refFor="ch" refForName="accent_1"/>
-                <dgm:constr type="lMarg" for="ch" forName="text_1" refType="w" refFor="ch" refForName="accent_1" fact="1.8"/>
-                <dgm:constr type="h" for="ch" forName="accent_2" refType="h" fact="0.1563"/>
-                <dgm:constr type="w" for="ch" forName="accent_2" refType="h" refFor="ch" refForName="accent_2" op="equ"/>
-                <dgm:constr type="ctrY" for="ch" forName="accent_2" refType="h" fact="0.3125"/>
-                <dgm:constr type="ctrX" for="ch" forName="accent_2" refType="h" fact="0.1978"/>
-                <dgm:constr type="l" for="ch" forName="text_2" refType="ctrX" refFor="ch" refForName="accent_2"/>
-                <dgm:constr type="r" for="ch" forName="text_2" refType="w"/>
-                <dgm:constr type="w" for="ch" forName="text_2" refType="h" refFor="ch" refForName="text_2" op="gte"/>
-                <dgm:constr type="h" for="ch" forName="text_2" refType="h" refFor="ch" refForName="accent_2" fact="0.8"/>
-                <dgm:constr type="ctrY" for="ch" forName="text_2" refType="ctrY" refFor="ch" refForName="accent_2"/>
-                <dgm:constr type="lMarg" for="ch" forName="text_2" refType="w" refFor="ch" refForName="accent_2" fact="1.8"/>
-                <dgm:constr type="h" for="ch" forName="accent_3" refType="h" fact="0.1563"/>
-                <dgm:constr type="w" for="ch" forName="accent_3" refType="h" refFor="ch" refForName="accent_3" op="equ"/>
-                <dgm:constr type="ctrY" for="ch" forName="accent_3" refType="h" fact="0.5"/>
-                <dgm:constr type="ctrX" for="ch" forName="accent_3" refType="h" fact="0.2253"/>
-                <dgm:constr type="l" for="ch" forName="text_3" refType="ctrX" refFor="ch" refForName="accent_3"/>
-                <dgm:constr type="r" for="ch" forName="text_3" refType="w"/>
-                <dgm:constr type="w" for="ch" forName="text_3" refType="h" refFor="ch" refForName="text_3" op="gte"/>
-                <dgm:constr type="h" for="ch" forName="text_3" refType="h" refFor="ch" refForName="accent_3" fact="0.8"/>
-                <dgm:constr type="ctrY" for="ch" forName="text_3" refType="ctrY" refFor="ch" refForName="accent_3"/>
-                <dgm:constr type="lMarg" for="ch" forName="text_3" refType="w" refFor="ch" refForName="accent_3" fact="1.8"/>
-                <dgm:constr type="h" for="ch" forName="accent_4" refType="h" fact="0.1563"/>
-                <dgm:constr type="w" for="ch" forName="accent_4" refType="h" refFor="ch" refForName="accent_4" op="equ"/>
-                <dgm:constr type="ctrY" for="ch" forName="accent_4" refType="h" fact="0.6875"/>
-                <dgm:constr type="ctrX" for="ch" forName="accent_4" refType="h" fact="0.1978"/>
-                <dgm:constr type="l" for="ch" forName="text_4" refType="ctrX" refFor="ch" refForName="accent_4"/>
-                <dgm:constr type="r" for="ch" forName="text_4" refType="w"/>
-                <dgm:constr type="w" for="ch" forName="text_4" refType="h" refFor="ch" refForName="text_4" op="gte"/>
-                <dgm:constr type="h" for="ch" forName="text_4" refType="h" refFor="ch" refForName="accent_4" fact="0.8"/>
-                <dgm:constr type="ctrY" for="ch" forName="text_4" refType="ctrY" refFor="ch" refForName="accent_4"/>
-                <dgm:constr type="lMarg" for="ch" forName="text_4" refType="w" refFor="ch" refForName="accent_4" fact="1.8"/>
-                <dgm:constr type="h" for="ch" forName="accent_5" refType="h" fact="0.1563"/>
-                <dgm:constr type="w" for="ch" forName="accent_5" refType="h" refFor="ch" refForName="accent_5" op="equ"/>
-                <dgm:constr type="ctrY" for="ch" forName="accent_5" refType="h" fact="0.875"/>
-                <dgm:constr type="ctrX" for="ch" forName="accent_5" refType="h" fact="0.1082"/>
-                <dgm:constr type="l" for="ch" forName="text_5" refType="ctrX" refFor="ch" refForName="accent_5"/>
-                <dgm:constr type="r" for="ch" forName="text_5" refType="w"/>
-                <dgm:constr type="w" for="ch" forName="text_5" refType="h" refFor="ch" refForName="text_5" op="gte"/>
-                <dgm:constr type="h" for="ch" forName="text_5" refType="h" refFor="ch" refForName="accent_5" fact="0.8"/>
-                <dgm:constr type="ctrY" for="ch" forName="text_5" refType="ctrY" refFor="ch" refForName="accent_5"/>
-                <dgm:constr type="lMarg" for="ch" forName="text_5" refType="w" refFor="ch" refForName="accent_5" fact="1.8"/>
-                <dgm:constr type="primFontSz" for="ch" ptType="node" op="equ" val="65"/>
-              </dgm:constrLst>
-            </dgm:if>
-            <dgm:if name="Name10" axis="ch" ptType="node" func="cnt" op="equ" val="6">
-              <dgm:constrLst>
-                <dgm:constr type="h" for="ch" forName="cycle" refType="h"/>
-                <dgm:constr type="w" for="ch" forName="cycle" refType="h" refFor="ch" refForName="cycle" fact="0.26"/>
-                <dgm:constr type="l" for="ch" forName="cycle"/>
-                <dgm:constr type="ctrY" for="ch" forName="cycle" refType="h" fact="0.5"/>
-                <dgm:constr type="diam" for="ch" forName="cycle" refType="h" fact="1.344"/>
-                <dgm:constr type="h" for="ch" forName="accent_1" refType="h" fact="0.1316"/>
-                <dgm:constr type="w" for="ch" forName="accent_1" refType="h" refFor="ch" refForName="accent_1" op="equ"/>
-                <dgm:constr type="ctrY" for="ch" forName="accent_1" refType="h" fact="0.1053"/>
-                <dgm:constr type="ctrX" for="ch" forName="accent_1" refType="h" fact="0.0943"/>
-                <dgm:constr type="l" for="ch" forName="text_1" refType="ctrX" refFor="ch" refForName="accent_1"/>
-                <dgm:constr type="r" for="ch" forName="text_1" refType="w"/>
-                <dgm:constr type="w" for="ch" forName="text_1" refType="h" refFor="ch" refForName="text_1" op="gte"/>
-                <dgm:constr type="h" for="ch" forName="text_1" refType="h" refFor="ch" refForName="accent_1" fact="0.8"/>
-                <dgm:constr type="ctrY" for="ch" forName="text_1" refType="ctrY" refFor="ch" refForName="accent_1"/>
-                <dgm:constr type="lMarg" for="ch" forName="text_1" refType="w" refFor="ch" refForName="accent_1" fact="1.8"/>
-                <dgm:constr type="h" for="ch" forName="accent_2" refType="h" fact="0.1316"/>
-                <dgm:constr type="w" for="ch" forName="accent_2" refType="h" refFor="ch" refForName="accent_2" op="equ"/>
-                <dgm:constr type="ctrY" for="ch" forName="accent_2" refType="h" fact="0.2632"/>
-                <dgm:constr type="ctrX" for="ch" forName="accent_2" refType="h" fact="0.1809"/>
-                <dgm:constr type="l" for="ch" forName="text_2" refType="ctrX" refFor="ch" refForName="accent_2"/>
-                <dgm:constr type="r" for="ch" forName="text_2" refType="w"/>
-                <dgm:constr type="w" for="ch" forName="text_2" refType="h" refFor="ch" refForName="text_2" op="gte"/>
-                <dgm:constr type="h" for="ch" forName="text_2" refType="h" refFor="ch" refForName="accent_2" fact="0.8"/>
-                <dgm:constr type="ctrY" for="ch" forName="text_2" refType="ctrY" refFor="ch" refForName="accent_2"/>
-                <dgm:constr type="lMarg" for="ch" forName="text_2" refType="w" refFor="ch" refForName="accent_2" fact="1.8"/>
-                <dgm:constr type="h" for="ch" forName="accent_3" refType="h" fact="0.1316"/>
-                <dgm:constr type="w" for="ch" forName="accent_3" refType="h" refFor="ch" refForName="accent_3" op="equ"/>
-                <dgm:constr type="ctrY" for="ch" forName="accent_3" refType="h" fact="0.4211"/>
-                <dgm:constr type="ctrX" for="ch" forName="accent_3" refType="h" fact="0.2205"/>
-                <dgm:constr type="l" for="ch" forName="text_3" refType="ctrX" refFor="ch" refForName="accent_3"/>
-                <dgm:constr type="r" for="ch" forName="text_3" refType="w"/>
-                <dgm:constr type="w" for="ch" forName="text_3" refType="h" refFor="ch" refForName="text_3" op="gte"/>
-                <dgm:constr type="h" for="ch" forName="text_3" refType="h" refFor="ch" refForName="accent_3" fact="0.8"/>
-                <dgm:constr type="ctrY" for="ch" forName="text_3" refType="ctrY" refFor="ch" refForName="accent_3"/>
-                <dgm:constr type="lMarg" for="ch" forName="text_3" refType="w" refFor="ch" refForName="accent_3" fact="1.8"/>
-                <dgm:constr type="h" for="ch" forName="accent_4" refType="h" fact="0.1316"/>
-                <dgm:constr type="w" for="ch" forName="accent_4" refType="h" refFor="ch" refForName="accent_4" op="equ"/>
-                <dgm:constr type="ctrY" for="ch" forName="accent_4" refType="h" fact="0.5789"/>
-                <dgm:constr type="ctrX" for="ch" forName="accent_4" refType="h" fact="0.2205"/>
-                <dgm:constr type="l" for="ch" forName="text_4" refType="ctrX" refFor="ch" refForName="accent_4"/>
-                <dgm:constr type="r" for="ch" forName="text_4" refType="w"/>
-                <dgm:constr type="w" for="ch" forName="text_4" refType="h" refFor="ch" refForName="text_4" op="gte"/>
-                <dgm:constr type="h" for="ch" forName="text_4" refType="h" refFor="ch" refForName="accent_4" fact="0.8"/>
-                <dgm:constr type="ctrY" for="ch" forName="text_4" refType="ctrY" refFor="ch" refForName="accent_4"/>
-                <dgm:constr type="lMarg" for="ch" forName="text_4" refType="w" refFor="ch" refForName="accent_4" fact="1.8"/>
-                <dgm:constr type="h" for="ch" forName="accent_5" refType="h" fact="0.1316"/>
-                <dgm:constr type="w" for="ch" forName="accent_5" refType="h" refFor="ch" refForName="accent_5" op="equ"/>
-                <dgm:constr type="ctrY" for="ch" forName="accent_5" refType="h" fact="0.7368"/>
-                <dgm:constr type="ctrX" for="ch" forName="accent_5" refType="h" fact="0.1809"/>
-                <dgm:constr type="l" for="ch" forName="text_5" refType="ctrX" refFor="ch" refForName="accent_5"/>
-                <dgm:constr type="r" for="ch" forName="text_5" refType="w"/>
-                <dgm:constr type="w" for="ch" forName="text_5" refType="h" refFor="ch" refForName="text_5" op="gte"/>
-                <dgm:constr type="h" for="ch" forName="text_5" refType="h" refFor="ch" refForName="accent_5" fact="0.8"/>
-                <dgm:constr type="ctrY" for="ch" forName="text_5" refType="ctrY" refFor="ch" refForName="accent_5"/>
-                <dgm:constr type="lMarg" for="ch" forName="text_5" refType="w" refFor="ch" refForName="accent_5" fact="1.8"/>
-                <dgm:constr type="h" for="ch" forName="accent_6" refType="h" fact="0.1316"/>
-                <dgm:constr type="w" for="ch" forName="accent_6" refType="h" refFor="ch" refForName="accent_6" op="equ"/>
-                <dgm:constr type="ctrY" for="ch" forName="accent_6" refType="h" fact="0.8947"/>
-                <dgm:constr type="ctrX" for="ch" forName="accent_6" refType="h" fact="0.0943"/>
-                <dgm:constr type="l" for="ch" forName="text_6" refType="ctrX" refFor="ch" refForName="accent_6"/>
-                <dgm:constr type="r" for="ch" forName="text_6" refType="w"/>
-                <dgm:constr type="w" for="ch" forName="text_6" refType="h" refFor="ch" refForName="text_6" op="gte"/>
-                <dgm:constr type="h" for="ch" forName="text_6" refType="h" refFor="ch" refForName="accent_6" fact="0.8"/>
-                <dgm:constr type="ctrY" for="ch" forName="text_6" refType="ctrY" refFor="ch" refForName="accent_6"/>
-                <dgm:constr type="lMarg" for="ch" forName="text_6" refType="w" refFor="ch" refForName="accent_6" fact="1.8"/>
-                <dgm:constr type="primFontSz" for="ch" ptType="node" op="equ" val="65"/>
-              </dgm:constrLst>
-            </dgm:if>
-            <dgm:else name="Name11">
-              <dgm:constrLst>
-                <dgm:constr type="h" for="ch" forName="cycle" refType="h"/>
-                <dgm:constr type="w" for="ch" forName="cycle" refType="h" refFor="ch" refForName="cycle" fact="0.26"/>
-                <dgm:constr type="l" for="ch" forName="cycle"/>
-                <dgm:constr type="ctrY" for="ch" forName="cycle" refType="h" fact="0.5"/>
-                <dgm:constr type="diam" for="ch" forName="cycle" refType="h" fact="1.344"/>
-                <dgm:constr type="h" for="ch" forName="accent_1" refType="h" fact="0.1136"/>
-                <dgm:constr type="w" for="ch" forName="accent_1" refType="h" refFor="ch" refForName="accent_1" op="equ"/>
-                <dgm:constr type="ctrY" for="ch" forName="accent_1" refType="h" fact="0.0909"/>
-                <dgm:constr type="ctrX" for="ch" forName="accent_1" refType="h" fact="0.0835"/>
-                <dgm:constr type="l" for="ch" forName="text_1" refType="ctrX" refFor="ch" refForName="accent_1"/>
-                <dgm:constr type="r" for="ch" forName="text_1" refType="w"/>
-                <dgm:constr type="w" for="ch" forName="text_1" refType="h" refFor="ch" refForName="text_1" op="gte"/>
-                <dgm:constr type="h" for="ch" forName="text_1" refType="h" refFor="ch" refForName="accent_1" fact="0.8"/>
-                <dgm:constr type="ctrY" for="ch" forName="text_1" refType="ctrY" refFor="ch" refForName="accent_1"/>
-                <dgm:constr type="lMarg" for="ch" forName="text_1" refType="w" refFor="ch" refForName="accent_1" fact="1.8"/>
-                <dgm:constr type="h" for="ch" forName="accent_2" refType="h" fact="0.1136"/>
-                <dgm:constr type="w" for="ch" forName="accent_2" refType="h" refFor="ch" refForName="accent_2" op="equ"/>
-                <dgm:constr type="ctrY" for="ch" forName="accent_2" refType="h" fact="0.2273"/>
-                <dgm:constr type="ctrX" for="ch" forName="accent_2" refType="h" fact="0.1658"/>
-                <dgm:constr type="l" for="ch" forName="text_2" refType="ctrX" refFor="ch" refForName="accent_2"/>
-                <dgm:constr type="r" for="ch" forName="text_2" refType="w"/>
-                <dgm:constr type="w" for="ch" forName="text_2" refType="h" refFor="ch" refForName="text_2" op="gte"/>
-                <dgm:constr type="h" for="ch" forName="text_2" refType="h" refFor="ch" refForName="accent_2" fact="0.8"/>
-                <dgm:constr type="ctrY" for="ch" forName="text_2" refType="ctrY" refFor="ch" refForName="accent_2"/>
-                <dgm:constr type="lMarg" for="ch" forName="text_2" refType="w" refFor="ch" refForName="accent_2" fact="1.8"/>
-                <dgm:constr type="h" for="ch" forName="accent_3" refType="h" fact="0.1136"/>
-                <dgm:constr type="w" for="ch" forName="accent_3" refType="h" refFor="ch" refForName="accent_3" op="equ"/>
-                <dgm:constr type="ctrY" for="ch" forName="accent_3" refType="h" fact="0.3636"/>
-                <dgm:constr type="ctrX" for="ch" forName="accent_3" refType="h" fact="0.2109"/>
-                <dgm:constr type="l" for="ch" forName="text_3" refType="ctrX" refFor="ch" refForName="accent_3"/>
-                <dgm:constr type="r" for="ch" forName="text_3" refType="w"/>
-                <dgm:constr type="w" for="ch" forName="text_3" refType="h" refFor="ch" refForName="text_3" op="gte"/>
-                <dgm:constr type="h" for="ch" forName="text_3" refType="h" refFor="ch" refForName="accent_3" fact="0.8"/>
-                <dgm:constr type="ctrY" for="ch" forName="text_3" refType="ctrY" refFor="ch" refForName="accent_3"/>
-                <dgm:constr type="lMarg" for="ch" forName="text_3" refType="w" refFor="ch" refForName="accent_3" fact="1.8"/>
-                <dgm:constr type="h" for="ch" forName="accent_4" refType="h" fact="0.1136"/>
-                <dgm:constr type="w" for="ch" forName="accent_4" refType="h" refFor="ch" refForName="accent_4" op="equ"/>
-                <dgm:constr type="ctrY" for="ch" forName="accent_4" refType="h" fact="0.5"/>
-                <dgm:constr type="ctrX" for="ch" forName="accent_4" refType="h" fact="0.2253"/>
-                <dgm:constr type="l" for="ch" forName="text_4" refType="ctrX" refFor="ch" refForName="accent_4"/>
-                <dgm:constr type="r" for="ch" forName="text_4" refType="w"/>
-                <dgm:constr type="w" for="ch" forName="text_4" refType="h" refFor="ch" refForName="text_4" op="gte"/>
-                <dgm:constr type="h" for="ch" forName="text_4" refType="h" refFor="ch" refForName="accent_4" fact="0.8"/>
-                <dgm:constr type="ctrY" for="ch" forName="text_4" refType="ctrY" refFor="ch" refForName="accent_4"/>
-                <dgm:constr type="lMarg" for="ch" forName="text_4" refType="w" refFor="ch" refForName="accent_4" fact="1.8"/>
-                <dgm:constr type="h" for="ch" forName="accent_5" refType="h" fact="0.1136"/>
-                <dgm:constr type="w" for="ch" forName="accent_5" refType="h" refFor="ch" refForName="accent_5" op="equ"/>
-                <dgm:constr type="ctrY" for="ch" forName="accent_5" refType="h" fact="0.6364"/>
-                <dgm:constr type="ctrX" for="ch" forName="accent_5" refType="h" fact="0.2109"/>
-                <dgm:constr type="l" for="ch" forName="text_5" refType="ctrX" refFor="ch" refForName="accent_5"/>
-                <dgm:constr type="r" for="ch" forName="text_5" refType="w"/>
-                <dgm:constr type="w" for="ch" forName="text_5" refType="h" refFor="ch" refForName="text_5" op="gte"/>
-                <dgm:constr type="h" for="ch" forName="text_5" refType="h" refFor="ch" refForName="accent_5" fact="0.8"/>
-                <dgm:constr type="ctrY" for="ch" forName="text_5" refType="ctrY" refFor="ch" refForName="accent_5"/>
-                <dgm:constr type="lMarg" for="ch" forName="text_5" refType="w" refFor="ch" refForName="accent_5" fact="1.8"/>
-                <dgm:constr type="h" for="ch" forName="accent_6" refType="h" fact="0.1136"/>
-                <dgm:constr type="w" for="ch" forName="accent_6" refType="h" refFor="ch" refForName="accent_6" op="equ"/>
-                <dgm:constr type="ctrY" for="ch" forName="accent_6" refType="h" fact="0.7727"/>
-                <dgm:constr type="ctrX" for="ch" forName="accent_6" refType="h" fact="0.1658"/>
-                <dgm:constr type="l" for="ch" forName="text_6" refType="ctrX" refFor="ch" refForName="accent_6"/>
-                <dgm:constr type="r" for="ch" forName="text_6" refType="w"/>
-                <dgm:constr type="w" for="ch" forName="text_6" refType="h" refFor="ch" refForName="text_6" op="gte"/>
-                <dgm:constr type="h" for="ch" forName="text_6" refType="h" refFor="ch" refForName="accent_6" fact="0.8"/>
-                <dgm:constr type="ctrY" for="ch" forName="text_6" refType="ctrY" refFor="ch" refForName="accent_6"/>
-                <dgm:constr type="lMarg" for="ch" forName="text_6" refType="w" refFor="ch" refForName="accent_6" fact="1.8"/>
-                <dgm:constr type="h" for="ch" forName="accent_7" refType="h" fact="0.1136"/>
-                <dgm:constr type="w" for="ch" forName="accent_7" refType="h" refFor="ch" refForName="accent_7" op="equ"/>
-                <dgm:constr type="ctrY" for="ch" forName="accent_7" refType="h" fact="0.9091"/>
-                <dgm:constr type="ctrX" for="ch" forName="accent_7" refType="h" fact="0.0835"/>
-                <dgm:constr type="l" for="ch" forName="text_7" refType="ctrX" refFor="ch" refForName="accent_7"/>
-                <dgm:constr type="r" for="ch" forName="text_7" refType="w"/>
-                <dgm:constr type="w" for="ch" forName="text_7" refType="h" refFor="ch" refForName="text_7" op="gte"/>
-                <dgm:constr type="h" for="ch" forName="text_7" refType="h" refFor="ch" refForName="accent_7" fact="0.8"/>
-                <dgm:constr type="ctrY" for="ch" forName="text_7" refType="ctrY" refFor="ch" refForName="accent_7"/>
-                <dgm:constr type="lMarg" for="ch" forName="text_7" refType="w" refFor="ch" refForName="accent_7" fact="1.8"/>
-                <dgm:constr type="primFontSz" for="ch" ptType="node" op="equ" val="65"/>
-              </dgm:constrLst>
-            </dgm:else>
-          </dgm:choose>
-        </dgm:if>
-        <dgm:else name="Name12">
-          <dgm:choose name="Name13">
-            <dgm:if name="Name14" axis="ch" ptType="node" func="cnt" op="equ" val="1">
-              <dgm:constrLst>
-                <dgm:constr type="h" for="ch" forName="cycle" refType="h"/>
-                <dgm:constr type="w" for="ch" forName="cycle" refType="h" refFor="ch" refForName="cycle" fact="0.26"/>
-                <dgm:constr type="r" for="ch" forName="cycle" refType="w"/>
-                <dgm:constr type="ctrY" for="ch" forName="cycle" refType="h" fact="0.5"/>
-                <dgm:constr type="diam" for="ch" forName="cycle" refType="h" fact="1.344"/>
-                <dgm:constr type="h" for="ch" forName="accent_1" refType="h" fact="0.625"/>
-                <dgm:constr type="w" for="ch" forName="accent_1" refType="h" refFor="ch" refForName="accent_1" op="equ"/>
-                <dgm:constr type="ctrY" for="ch" forName="accent_1" refType="h" fact="0.5"/>
-                <dgm:constr type="ctrX" for="ch" forName="accent_1" refType="w"/>
-                <dgm:constr type="ctrXOff" for="ch" forName="accent_1" refType="h" fact="-0.2253"/>
-                <dgm:constr type="r" for="ch" forName="text_1" refType="ctrX" refFor="ch" refForName="accent_1"/>
-                <dgm:constr type="rOff" for="ch" forName="text_1" refType="ctrXOff" refFor="ch" refForName="accent_1"/>
-                <dgm:constr type="l" for="ch" forName="text_1"/>
-                <dgm:constr type="w" for="ch" forName="text_1" refType="h" refFor="ch" refForName="text_1" op="gte"/>
-                <dgm:constr type="h" for="ch" forName="text_1" refType="h" refFor="ch" refForName="accent_1" fact="0.8"/>
-                <dgm:constr type="ctrY" for="ch" forName="text_1" refType="ctrY" refFor="ch" refForName="accent_1"/>
-                <dgm:constr type="rMarg" for="ch" forName="text_1" refType="w" refFor="ch" refForName="accent_1" fact="1.8"/>
-                <dgm:constr type="primFontSz" for="ch" ptType="node" op="equ" val="65"/>
-              </dgm:constrLst>
-            </dgm:if>
-            <dgm:if name="Name15" axis="ch" ptType="node" func="cnt" op="equ" val="2">
-              <dgm:constrLst>
-                <dgm:constr type="h" for="ch" forName="cycle" refType="h"/>
-                <dgm:constr type="w" for="ch" forName="cycle" refType="h" refFor="ch" refForName="cycle" fact="0.26"/>
-                <dgm:constr type="r" for="ch" forName="cycle" refType="w"/>
-                <dgm:constr type="ctrY" for="ch" forName="cycle" refType="h" fact="0.5"/>
-                <dgm:constr type="diam" for="ch" forName="cycle" refType="h" fact="1.344"/>
-                <dgm:constr type="h" for="ch" forName="accent_1" refType="h" fact="0.3571"/>
-                <dgm:constr type="w" for="ch" forName="accent_1" refType="h" refFor="ch" refForName="accent_1" op="equ"/>
-                <dgm:constr type="ctrY" for="ch" forName="accent_1" refType="h" fact="0.2857"/>
-                <dgm:constr type="ctrX" for="ch" forName="accent_1" refType="w"/>
-                <dgm:constr type="ctrXOff" for="ch" forName="accent_1" refType="h" fact="-0.1891"/>
-                <dgm:constr type="r" for="ch" forName="text_1" refType="ctrX" refFor="ch" refForName="accent_1"/>
-                <dgm:constr type="rOff" for="ch" forName="text_1" refType="ctrXOff" refFor="ch" refForName="accent_1"/>
-                <dgm:constr type="l" for="ch" forName="text_1"/>
-                <dgm:constr type="w" for="ch" forName="text_1" refType="h" refFor="ch" refForName="text_1" op="gte"/>
-                <dgm:constr type="h" for="ch" forName="text_1" refType="h" refFor="ch" refForName="accent_1" fact="0.8"/>
-                <dgm:constr type="ctrY" for="ch" forName="text_1" refType="ctrY" refFor="ch" refForName="accent_1"/>
-                <dgm:constr type="rMarg" for="ch" forName="text_1" refType="w" refFor="ch" refForName="accent_1" fact="1.8"/>
-                <dgm:constr type="h" for="ch" forName="accent_2" refType="h" fact="0.3571"/>
-                <dgm:constr type="w" for="ch" forName="accent_2" refType="h" refFor="ch" refForName="accent_2" op="equ"/>
-                <dgm:constr type="ctrY" for="ch" forName="accent_2" refType="h" fact="0.7143"/>
-                <dgm:constr type="ctrX" for="ch" forName="accent_2" refType="w"/>
-                <dgm:constr type="ctrXOff" for="ch" forName="accent_2" refType="h" fact="-0.1891"/>
-                <dgm:constr type="r" for="ch" forName="text_2" refType="ctrX" refFor="ch" refForName="accent_2"/>
-                <dgm:constr type="rOff" for="ch" forName="text_2" refType="ctrXOff" refFor="ch" refForName="accent_2"/>
-                <dgm:constr type="l" for="ch" forName="text_2"/>
-                <dgm:constr type="w" for="ch" forName="text_2" refType="h" refFor="ch" refForName="text_2" op="gte"/>
-                <dgm:constr type="h" for="ch" forName="text_2" refType="h" refFor="ch" refForName="accent_2" fact="0.8"/>
-                <dgm:constr type="ctrY" for="ch" forName="text_2" refType="ctrY" refFor="ch" refForName="accent_2"/>
-                <dgm:constr type="rMarg" for="ch" forName="text_2" refType="w" refFor="ch" refForName="accent_2" fact="1.8"/>
-                <dgm:constr type="primFontSz" for="ch" ptType="node" op="equ" val="65"/>
-              </dgm:constrLst>
-            </dgm:if>
-            <dgm:if name="Name16" axis="ch" ptType="node" func="cnt" op="equ" val="3">
-              <dgm:constrLst>
-                <dgm:constr type="h" for="ch" forName="cycle" refType="h"/>
-                <dgm:constr type="w" for="ch" forName="cycle" refType="h" refFor="ch" refForName="cycle" fact="0.26"/>
-                <dgm:constr type="r" for="ch" forName="cycle" refType="w"/>
-                <dgm:constr type="ctrY" for="ch" forName="cycle" refType="h" fact="0.5"/>
-                <dgm:constr type="diam" for="ch" forName="cycle" refType="h" fact="1.344"/>
-                <dgm:constr type="h" for="ch" forName="accent_1" refType="h" fact="0.25"/>
-                <dgm:constr type="w" for="ch" forName="accent_1" refType="h" refFor="ch" refForName="accent_1" op="equ"/>
-                <dgm:constr type="ctrY" for="ch" forName="accent_1" refType="h" fact="0.2"/>
-                <dgm:constr type="ctrX" for="ch" forName="accent_1" refType="w"/>
-                <dgm:constr type="ctrXOff" for="ch" forName="accent_1" refType="h" fact="-0.1526"/>
-                <dgm:constr type="r" for="ch" forName="text_1" refType="ctrX" refFor="ch" refForName="accent_1"/>
-                <dgm:constr type="rOff" for="ch" forName="text_1" refType="ctrXOff" refFor="ch" refForName="accent_1"/>
-                <dgm:constr type="l" for="ch" forName="text_1"/>
-                <dgm:constr type="w" for="ch" forName="text_1" refType="h" refFor="ch" refForName="text_1" op="gte"/>
-                <dgm:constr type="h" for="ch" forName="text_1" refType="h" refFor="ch" refForName="accent_1" fact="0.8"/>
-                <dgm:constr type="ctrY" for="ch" forName="text_1" refType="ctrY" refFor="ch" refForName="accent_1"/>
-                <dgm:constr type="rMarg" for="ch" forName="text_1" refType="w" refFor="ch" refForName="accent_1" fact="1.8"/>
-                <dgm:constr type="h" for="ch" forName="accent_2" refType="h" fact="0.25"/>
-                <dgm:constr type="w" for="ch" forName="accent_2" refType="h" refFor="ch" refForName="accent_2" op="equ"/>
-                <dgm:constr type="ctrY" for="ch" forName="accent_2" refType="h" fact="0.5"/>
-                <dgm:constr type="ctrX" for="ch" forName="accent_2" refType="w"/>
-                <dgm:constr type="ctrXOff" for="ch" forName="accent_2" refType="h" fact="-0.2253"/>
-                <dgm:constr type="r" for="ch" forName="text_2" refType="ctrX" refFor="ch" refForName="accent_2"/>
-                <dgm:constr type="rOff" for="ch" forName="text_2" refType="ctrXOff" refFor="ch" refForName="accent_2"/>
-                <dgm:constr type="l" for="ch" forName="text_2"/>
-                <dgm:constr type="w" for="ch" forName="text_2" refType="h" refFor="ch" refForName="text_2" op="gte"/>
-                <dgm:constr type="h" for="ch" forName="text_2" refType="h" refFor="ch" refForName="accent_2" fact="0.8"/>
-                <dgm:constr type="ctrY" for="ch" forName="text_2" refType="ctrY" refFor="ch" refForName="accent_2"/>
-                <dgm:constr type="rMarg" for="ch" forName="text_2" refType="w" refFor="ch" refForName="accent_2" fact="1.8"/>
-                <dgm:constr type="h" for="ch" forName="accent_3" refType="h" fact="0.25"/>
-                <dgm:constr type="w" for="ch" forName="accent_3" refType="h" refFor="ch" refForName="accent_3" op="equ"/>
-                <dgm:constr type="ctrY" for="ch" forName="accent_3" refType="h" fact="0.8"/>
-                <dgm:constr type="ctrX" for="ch" forName="accent_3" refType="w"/>
-                <dgm:constr type="ctrXOff" for="ch" forName="accent_3" refType="h" fact="-0.1526"/>
-                <dgm:constr type="r" for="ch" forName="text_3" refType="ctrX" refFor="ch" refForName="accent_3"/>
-                <dgm:constr type="rOff" for="ch" forName="text_3" refType="ctrXOff" refFor="ch" refForName="accent_3"/>
-                <dgm:constr type="l" for="ch" forName="text_3"/>
-                <dgm:constr type="w" for="ch" forName="text_3" refType="h" refFor="ch" refForName="text_3" op="gte"/>
-                <dgm:constr type="h" for="ch" forName="text_3" refType="h" refFor="ch" refForName="accent_3" fact="0.8"/>
-                <dgm:constr type="ctrY" for="ch" forName="text_3" refType="ctrY" refFor="ch" refForName="accent_3"/>
-                <dgm:constr type="rMarg" for="ch" forName="text_3" refType="w" refFor="ch" refForName="accent_3" fact="1.8"/>
-                <dgm:constr type="primFontSz" for="ch" ptType="node" op="equ" val="65"/>
-              </dgm:constrLst>
-            </dgm:if>
-            <dgm:if name="Name17" axis="ch" ptType="node" func="cnt" op="equ" val="4">
-              <dgm:constrLst>
-                <dgm:constr type="h" for="ch" forName="cycle" refType="h"/>
-                <dgm:constr type="w" for="ch" forName="cycle" refType="h" refFor="ch" refForName="cycle" fact="0.26"/>
-                <dgm:constr type="r" for="ch" forName="cycle" refType="w"/>
-                <dgm:constr type="ctrY" for="ch" forName="cycle" refType="h" fact="0.5"/>
-                <dgm:constr type="diam" for="ch" forName="cycle" refType="h" fact="1.344"/>
-                <dgm:constr type="h" for="ch" forName="accent_1" refType="h" fact="0.1923"/>
-                <dgm:constr type="w" for="ch" forName="accent_1" refType="h" refFor="ch" refForName="accent_1" op="equ"/>
-                <dgm:constr type="ctrY" for="ch" forName="accent_1" refType="h" fact="0.1538"/>
-                <dgm:constr type="ctrX" for="ch" forName="accent_1" refType="w"/>
-                <dgm:constr type="ctrXOff" for="ch" forName="accent_1" refType="h" fact="-0.1268"/>
-                <dgm:constr type="r" for="ch" forName="text_1" refType="ctrX" refFor="ch" refForName="accent_1"/>
-                <dgm:constr type="rOff" for="ch" forName="text_1" refType="ctrXOff" refFor="ch" refForName="accent_1"/>
-                <dgm:constr type="l" for="ch" forName="text_1"/>
-                <dgm:constr type="w" for="ch" forName="text_1" refType="h" refFor="ch" refForName="text_1" op="gte"/>
-                <dgm:constr type="h" for="ch" forName="text_1" refType="h" refFor="ch" refForName="accent_1" fact="0.8"/>
-                <dgm:constr type="ctrY" for="ch" forName="text_1" refType="ctrY" refFor="ch" refForName="accent_1"/>
-                <dgm:constr type="rMarg" for="ch" forName="text_1" refType="w" refFor="ch" refForName="accent_1" fact="1.8"/>
-                <dgm:constr type="h" for="ch" forName="accent_2" refType="h" fact="0.1923"/>
-                <dgm:constr type="w" for="ch" forName="accent_2" refType="h" refFor="ch" refForName="accent_2" op="equ"/>
-                <dgm:constr type="ctrY" for="ch" forName="accent_2" refType="h" fact="0.3846"/>
-                <dgm:constr type="ctrX" for="ch" forName="accent_2" refType="w"/>
-                <dgm:constr type="ctrXOff" for="ch" forName="accent_2" refType="h" fact="-0.215"/>
-                <dgm:constr type="r" for="ch" forName="text_2" refType="ctrX" refFor="ch" refForName="accent_2"/>
-                <dgm:constr type="rOff" for="ch" forName="text_2" refType="ctrXOff" refFor="ch" refForName="accent_2"/>
-                <dgm:constr type="l" for="ch" forName="text_2"/>
-                <dgm:constr type="w" for="ch" forName="text_2" refType="h" refFor="ch" refForName="text_2" op="gte"/>
-                <dgm:constr type="h" for="ch" forName="text_2" refType="h" refFor="ch" refForName="accent_2" fact="0.8"/>
-                <dgm:constr type="ctrY" for="ch" forName="text_2" refType="ctrY" refFor="ch" refForName="accent_2"/>
-                <dgm:constr type="rMarg" for="ch" forName="text_2" refType="w" refFor="ch" refForName="accent_2" fact="1.8"/>
-                <dgm:constr type="h" for="ch" forName="accent_3" refType="h" fact="0.1923"/>
-                <dgm:constr type="w" for="ch" forName="accent_3" refType="h" refFor="ch" refForName="accent_3" op="equ"/>
-                <dgm:constr type="ctrY" for="ch" forName="accent_3" refType="h" fact="0.6154"/>
-                <dgm:constr type="ctrX" for="ch" forName="accent_3" refType="w"/>
-                <dgm:constr type="ctrXOff" for="ch" forName="accent_3" refType="h" fact="-0.215"/>
-                <dgm:constr type="r" for="ch" forName="text_3" refType="ctrX" refFor="ch" refForName="accent_3"/>
-                <dgm:constr type="rOff" for="ch" forName="text_3" refType="ctrXOff" refFor="ch" refForName="accent_3"/>
-                <dgm:constr type="l" for="ch" forName="text_3"/>
-                <dgm:constr type="w" for="ch" forName="text_3" refType="h" refFor="ch" refForName="text_3" op="gte"/>
-                <dgm:constr type="h" for="ch" forName="text_3" refType="h" refFor="ch" refForName="accent_3" fact="0.8"/>
-                <dgm:constr type="ctrY" for="ch" forName="text_3" refType="ctrY" refFor="ch" refForName="accent_3"/>
-                <dgm:constr type="rMarg" for="ch" forName="text_3" refType="w" refFor="ch" refForName="accent_3" fact="1.8"/>
-                <dgm:constr type="h" for="ch" forName="accent_4" refType="h" fact="0.1923"/>
-                <dgm:constr type="w" for="ch" forName="accent_4" refType="h" refFor="ch" refForName="accent_4" op="equ"/>
-                <dgm:constr type="ctrY" for="ch" forName="accent_4" refType="h" fact="0.8462"/>
-                <dgm:constr type="ctrX" for="ch" forName="accent_4" refType="w"/>
-                <dgm:constr type="ctrXOff" for="ch" forName="accent_4" refType="h" fact="-0.1268"/>
-                <dgm:constr type="r" for="ch" forName="text_4" refType="ctrX" refFor="ch" refForName="accent_4"/>
-                <dgm:constr type="rOff" for="ch" forName="text_4" refType="ctrXOff" refFor="ch" refForName="accent_4"/>
-                <dgm:constr type="l" for="ch" forName="text_4"/>
-                <dgm:constr type="w" for="ch" forName="text_4" refType="h" refFor="ch" refForName="text_4" op="gte"/>
-                <dgm:constr type="h" for="ch" forName="text_4" refType="h" refFor="ch" refForName="accent_4" fact="0.8"/>
-                <dgm:constr type="ctrY" for="ch" forName="text_4" refType="ctrY" refFor="ch" refForName="accent_4"/>
-                <dgm:constr type="rMarg" for="ch" forName="text_4" refType="w" refFor="ch" refForName="accent_4" fact="1.8"/>
-                <dgm:constr type="primFontSz" for="ch" ptType="node" op="equ" val="65"/>
-              </dgm:constrLst>
-            </dgm:if>
-            <dgm:if name="Name18" axis="ch" ptType="node" func="cnt" op="equ" val="5">
-              <dgm:constrLst>
-                <dgm:constr type="h" for="ch" forName="cycle" refType="h"/>
-                <dgm:constr type="w" for="ch" forName="cycle" refType="h" refFor="ch" refForName="cycle" fact="0.26"/>
-                <dgm:constr type="r" for="ch" forName="cycle" refType="w"/>
-                <dgm:constr type="ctrY" for="ch" forName="cycle" refType="h" fact="0.5"/>
-                <dgm:constr type="diam" for="ch" forName="cycle" refType="h" fact="1.344"/>
-                <dgm:constr type="h" for="ch" forName="accent_1" refType="h" fact="0.1563"/>
-                <dgm:constr type="w" for="ch" forName="accent_1" refType="h" refFor="ch" refForName="accent_1" op="equ"/>
-                <dgm:constr type="ctrY" for="ch" forName="accent_1" refType="h" fact="0.125"/>
-                <dgm:constr type="ctrX" for="ch" forName="accent_1" refType="w"/>
-                <dgm:constr type="ctrXOff" for="ch" forName="accent_1" refType="h" fact="-0.1082"/>
-                <dgm:constr type="r" for="ch" forName="text_1" refType="ctrX" refFor="ch" refForName="accent_1"/>
-                <dgm:constr type="rOff" for="ch" forName="text_1" refType="ctrXOff" refFor="ch" refForName="accent_1"/>
-                <dgm:constr type="l" for="ch" forName="text_1"/>
-                <dgm:constr type="w" for="ch" forName="text_1" refType="h" refFor="ch" refForName="text_1" op="gte"/>
-                <dgm:constr type="h" for="ch" forName="text_1" refType="h" refFor="ch" refForName="accent_1" fact="0.8"/>
-                <dgm:constr type="ctrY" for="ch" forName="text_1" refType="ctrY" refFor="ch" refForName="accent_1"/>
-                <dgm:constr type="rMarg" for="ch" forName="text_1" refType="w" refFor="ch" refForName="accent_1" fact="1.8"/>
-                <dgm:constr type="h" for="ch" forName="accent_2" refType="h" fact="0.1563"/>
-                <dgm:constr type="w" for="ch" forName="accent_2" refType="h" refFor="ch" refForName="accent_2" op="equ"/>
-                <dgm:constr type="ctrY" for="ch" forName="accent_2" refType="h" fact="0.3125"/>
-                <dgm:constr type="ctrX" for="ch" forName="accent_2" refType="w"/>
-                <dgm:constr type="ctrXOff" for="ch" forName="accent_2" refType="h" fact="-0.1978"/>
-                <dgm:constr type="r" for="ch" forName="text_2" refType="ctrX" refFor="ch" refForName="accent_2"/>
-                <dgm:constr type="rOff" for="ch" forName="text_2" refType="ctrXOff" refFor="ch" refForName="accent_2"/>
-                <dgm:constr type="l" for="ch" forName="text_2"/>
-                <dgm:constr type="w" for="ch" forName="text_2" refType="h" refFor="ch" refForName="text_2" op="gte"/>
-                <dgm:constr type="h" for="ch" forName="text_2" refType="h" refFor="ch" refForName="accent_2" fact="0.8"/>
-                <dgm:constr type="ctrY" for="ch" forName="text_2" refType="ctrY" refFor="ch" refForName="accent_2"/>
-                <dgm:constr type="rMarg" for="ch" forName="text_2" refType="w" refFor="ch" refForName="accent_2" fact="1.8"/>
-                <dgm:constr type="h" for="ch" forName="accent_3" refType="h" fact="0.1563"/>
-                <dgm:constr type="w" for="ch" forName="accent_3" refType="h" refFor="ch" refForName="accent_3" op="equ"/>
-                <dgm:constr type="ctrY" for="ch" forName="accent_3" refType="h" fact="0.5"/>
-                <dgm:constr type="ctrX" for="ch" forName="accent_3" refType="w"/>
-                <dgm:constr type="ctrXOff" for="ch" forName="accent_3" refType="h" fact="-0.2253"/>
-                <dgm:constr type="r" for="ch" forName="text_3" refType="ctrX" refFor="ch" refForName="accent_3"/>
-                <dgm:constr type="rOff" for="ch" forName="text_3" refType="ctrXOff" refFor="ch" refForName="accent_3"/>
-                <dgm:constr type="l" for="ch" forName="text_3"/>
-                <dgm:constr type="w" for="ch" forName="text_3" refType="h" refFor="ch" refForName="text_3" op="gte"/>
-                <dgm:constr type="h" for="ch" forName="text_3" refType="h" refFor="ch" refForName="accent_3" fact="0.8"/>
-                <dgm:constr type="ctrY" for="ch" forName="text_3" refType="ctrY" refFor="ch" refForName="accent_3"/>
-                <dgm:constr type="rMarg" for="ch" forName="text_3" refType="w" refFor="ch" refForName="accent_3" fact="1.8"/>
-                <dgm:constr type="h" for="ch" forName="accent_4" refType="h" fact="0.1563"/>
-                <dgm:constr type="w" for="ch" forName="accent_4" refType="h" refFor="ch" refForName="accent_4" op="equ"/>
-                <dgm:constr type="ctrY" for="ch" forName="accent_4" refType="h" fact="0.6875"/>
-                <dgm:constr type="ctrX" for="ch" forName="accent_4" refType="w"/>
-                <dgm:constr type="ctrXOff" for="ch" forName="accent_4" refType="h" fact="-0.1978"/>
-                <dgm:constr type="r" for="ch" forName="text_4" refType="ctrX" refFor="ch" refForName="accent_4"/>
-                <dgm:constr type="rOff" for="ch" forName="text_4" refType="ctrXOff" refFor="ch" refForName="accent_4"/>
-                <dgm:constr type="l" for="ch" forName="text_4"/>
-                <dgm:constr type="w" for="ch" forName="text_4" refType="h" refFor="ch" refForName="text_4" op="gte"/>
-                <dgm:constr type="h" for="ch" forName="text_4" refType="h" refFor="ch" refForName="accent_4" fact="0.8"/>
-                <dgm:constr type="ctrY" for="ch" forName="text_4" refType="ctrY" refFor="ch" refForName="accent_4"/>
-                <dgm:constr type="rMarg" for="ch" forName="text_4" refType="w" refFor="ch" refForName="accent_4" fact="1.8"/>
-                <dgm:constr type="h" for="ch" forName="accent_5" refType="h" fact="0.1563"/>
-                <dgm:constr type="w" for="ch" forName="accent_5" refType="h" refFor="ch" refForName="accent_5" op="equ"/>
-                <dgm:constr type="ctrY" for="ch" forName="accent_5" refType="h" fact="0.875"/>
-                <dgm:constr type="ctrX" for="ch" forName="accent_5" refType="w"/>
-                <dgm:constr type="ctrXOff" for="ch" forName="accent_5" refType="h" fact="-0.1082"/>
-                <dgm:constr type="r" for="ch" forName="text_5" refType="ctrX" refFor="ch" refForName="accent_5"/>
-                <dgm:constr type="rOff" for="ch" forName="text_5" refType="ctrXOff" refFor="ch" refForName="accent_5"/>
-                <dgm:constr type="l" for="ch" forName="text_5"/>
-                <dgm:constr type="w" for="ch" forName="text_5" refType="h" refFor="ch" refForName="text_5" op="gte"/>
-                <dgm:constr type="h" for="ch" forName="text_5" refType="h" refFor="ch" refForName="accent_5" fact="0.8"/>
-                <dgm:constr type="ctrY" for="ch" forName="text_5" refType="ctrY" refFor="ch" refForName="accent_5"/>
-                <dgm:constr type="rMarg" for="ch" forName="text_5" refType="w" refFor="ch" refForName="accent_5" fact="1.8"/>
-                <dgm:constr type="primFontSz" for="ch" ptType="node" op="equ" val="65"/>
-              </dgm:constrLst>
-            </dgm:if>
-            <dgm:if name="Name19" axis="ch" ptType="node" func="cnt" op="equ" val="6">
-              <dgm:constrLst>
-                <dgm:constr type="h" for="ch" forName="cycle" refType="h"/>
-                <dgm:constr type="w" for="ch" forName="cycle" refType="h" refFor="ch" refForName="cycle" fact="0.26"/>
-                <dgm:constr type="r" for="ch" forName="cycle" refType="w"/>
-                <dgm:constr type="ctrY" for="ch" forName="cycle" refType="h" fact="0.5"/>
-                <dgm:constr type="diam" for="ch" forName="cycle" refType="h" fact="1.344"/>
-                <dgm:constr type="h" for="ch" forName="accent_1" refType="h" fact="0.1316"/>
-                <dgm:constr type="w" for="ch" forName="accent_1" refType="h" refFor="ch" refForName="accent_1" op="equ"/>
-                <dgm:constr type="ctrY" for="ch" forName="accent_1" refType="h" fact="0.1053"/>
-                <dgm:constr type="ctrX" for="ch" forName="accent_1" refType="w"/>
-                <dgm:constr type="ctrXOff" for="ch" forName="accent_1" refType="h" fact="-0.0943"/>
-                <dgm:constr type="r" for="ch" forName="text_1" refType="ctrX" refFor="ch" refForName="accent_1"/>
-                <dgm:constr type="rOff" for="ch" forName="text_1" refType="ctrXOff" refFor="ch" refForName="accent_1"/>
-                <dgm:constr type="l" for="ch" forName="text_1"/>
-                <dgm:constr type="w" for="ch" forName="text_1" refType="h" refFor="ch" refForName="text_1" op="gte"/>
-                <dgm:constr type="h" for="ch" forName="text_1" refType="h" refFor="ch" refForName="accent_1" fact="0.8"/>
-                <dgm:constr type="ctrY" for="ch" forName="text_1" refType="ctrY" refFor="ch" refForName="accent_1"/>
-                <dgm:constr type="rMarg" for="ch" forName="text_1" refType="w" refFor="ch" refForName="accent_1" fact="1.8"/>
-                <dgm:constr type="h" for="ch" forName="accent_2" refType="h" fact="0.1316"/>
-                <dgm:constr type="w" for="ch" forName="accent_2" refType="h" refFor="ch" refForName="accent_2" op="equ"/>
-                <dgm:constr type="ctrY" for="ch" forName="accent_2" refType="h" fact="0.2632"/>
-                <dgm:constr type="ctrX" for="ch" forName="accent_2" refType="w"/>
-                <dgm:constr type="ctrXOff" for="ch" forName="accent_2" refType="h" fact="-0.1809"/>
-                <dgm:constr type="r" for="ch" forName="text_2" refType="ctrX" refFor="ch" refForName="accent_2"/>
-                <dgm:constr type="rOff" for="ch" forName="text_2" refType="ctrXOff" refFor="ch" refForName="accent_2"/>
-                <dgm:constr type="l" for="ch" forName="text_2"/>
-                <dgm:constr type="w" for="ch" forName="text_2" refType="h" refFor="ch" refForName="text_2" op="gte"/>
-                <dgm:constr type="h" for="ch" forName="text_2" refType="h" refFor="ch" refForName="accent_2" fact="0.8"/>
-                <dgm:constr type="ctrY" for="ch" forName="text_2" refType="ctrY" refFor="ch" refForName="accent_2"/>
-                <dgm:constr type="rMarg" for="ch" forName="text_2" refType="w" refFor="ch" refForName="accent_2" fact="1.8"/>
-                <dgm:constr type="h" for="ch" forName="accent_3" refType="h" fact="0.1316"/>
-                <dgm:constr type="w" for="ch" forName="accent_3" refType="h" refFor="ch" refForName="accent_3" op="equ"/>
-                <dgm:constr type="ctrY" for="ch" forName="accent_3" refType="h" fact="0.4211"/>
-                <dgm:constr type="ctrX" for="ch" forName="accent_3" refType="w"/>
-                <dgm:constr type="ctrXOff" for="ch" forName="accent_3" refType="h" fact="-0.2205"/>
-                <dgm:constr type="r" for="ch" forName="text_3" refType="ctrX" refFor="ch" refForName="accent_3"/>
-                <dgm:constr type="rOff" for="ch" forName="text_3" refType="ctrXOff" refFor="ch" refForName="accent_3"/>
-                <dgm:constr type="l" for="ch" forName="text_3"/>
-                <dgm:constr type="w" for="ch" forName="text_3" refType="h" refFor="ch" refForName="text_3" op="gte"/>
-                <dgm:constr type="h" for="ch" forName="text_3" refType="h" refFor="ch" refForName="accent_3" fact="0.8"/>
-                <dgm:constr type="ctrY" for="ch" forName="text_3" refType="ctrY" refFor="ch" refForName="accent_3"/>
-                <dgm:constr type="rMarg" for="ch" forName="text_3" refType="w" refFor="ch" refForName="accent_3" fact="1.8"/>
-                <dgm:constr type="h" for="ch" forName="accent_4" refType="h" fact="0.1316"/>
-                <dgm:constr type="w" for="ch" forName="accent_4" refType="h" refFor="ch" refForName="accent_4" op="equ"/>
-                <dgm:constr type="ctrY" for="ch" forName="accent_4" refType="h" fact="0.5789"/>
-                <dgm:constr type="ctrX" for="ch" forName="accent_4" refType="w"/>
-                <dgm:constr type="ctrXOff" for="ch" forName="accent_4" refType="h" fact="-0.2205"/>
-                <dgm:constr type="r" for="ch" forName="text_4" refType="ctrX" refFor="ch" refForName="accent_4"/>
-                <dgm:constr type="rOff" for="ch" forName="text_4" refType="ctrXOff" refFor="ch" refForName="accent_4"/>
-                <dgm:constr type="l" for="ch" forName="text_4"/>
-                <dgm:constr type="w" for="ch" forName="text_4" refType="h" refFor="ch" refForName="text_4" op="gte"/>
-                <dgm:constr type="h" for="ch" forName="text_4" refType="h" refFor="ch" refForName="accent_4" fact="0.8"/>
-                <dgm:constr type="ctrY" for="ch" forName="text_4" refType="ctrY" refFor="ch" refForName="accent_4"/>
-                <dgm:constr type="rMarg" for="ch" forName="text_4" refType="w" refFor="ch" refForName="accent_4" fact="1.8"/>
-                <dgm:constr type="h" for="ch" forName="accent_5" refType="h" fact="0.1316"/>
-                <dgm:constr type="w" for="ch" forName="accent_5" refType="h" refFor="ch" refForName="accent_5" op="equ"/>
-                <dgm:constr type="ctrY" for="ch" forName="accent_5" refType="h" fact="0.7368"/>
-                <dgm:constr type="ctrX" for="ch" forName="accent_5" refType="w"/>
-                <dgm:constr type="ctrXOff" for="ch" forName="accent_5" refType="h" fact="-0.1809"/>
-                <dgm:constr type="r" for="ch" forName="text_5" refType="ctrX" refFor="ch" refForName="accent_5"/>
-                <dgm:constr type="rOff" for="ch" forName="text_5" refType="ctrXOff" refFor="ch" refForName="accent_5"/>
-                <dgm:constr type="l" for="ch" forName="text_5"/>
-                <dgm:constr type="w" for="ch" forName="text_5" refType="h" refFor="ch" refForName="text_5" op="gte"/>
-                <dgm:constr type="h" for="ch" forName="text_5" refType="h" refFor="ch" refForName="accent_5" fact="0.8"/>
-                <dgm:constr type="ctrY" for="ch" forName="text_5" refType="ctrY" refFor="ch" refForName="accent_5"/>
-                <dgm:constr type="rMarg" for="ch" forName="text_5" refType="w" refFor="ch" refForName="accent_5" fact="1.8"/>
-                <dgm:constr type="h" for="ch" forName="accent_6" refType="h" fact="0.1316"/>
-                <dgm:constr type="w" for="ch" forName="accent_6" refType="h" refFor="ch" refForName="accent_6" op="equ"/>
-                <dgm:constr type="ctrY" for="ch" forName="accent_6" refType="h" fact="0.8947"/>
-                <dgm:constr type="ctrX" for="ch" forName="accent_6" refType="w"/>
-                <dgm:constr type="ctrXOff" for="ch" forName="accent_6" refType="h" fact="-0.0943"/>
-                <dgm:constr type="r" for="ch" forName="text_6" refType="ctrX" refFor="ch" refForName="accent_6"/>
-                <dgm:constr type="rOff" for="ch" forName="text_6" refType="ctrXOff" refFor="ch" refForName="accent_6"/>
-                <dgm:constr type="l" for="ch" forName="text_6"/>
-                <dgm:constr type="w" for="ch" forName="text_6" refType="h" refFor="ch" refForName="text_6" op="gte"/>
-                <dgm:constr type="h" for="ch" forName="text_6" refType="h" refFor="ch" refForName="accent_6" fact="0.8"/>
-                <dgm:constr type="ctrY" for="ch" forName="text_6" refType="ctrY" refFor="ch" refForName="accent_6"/>
-                <dgm:constr type="rMarg" for="ch" forName="text_6" refType="w" refFor="ch" refForName="accent_6" fact="1.8"/>
-                <dgm:constr type="primFontSz" for="ch" ptType="node" op="equ" val="65"/>
-              </dgm:constrLst>
-            </dgm:if>
-            <dgm:else name="Name20">
-              <dgm:constrLst>
-                <dgm:constr type="h" for="ch" forName="cycle" refType="h"/>
-                <dgm:constr type="w" for="ch" forName="cycle" refType="h" refFor="ch" refForName="cycle" fact="0.26"/>
-                <dgm:constr type="r" for="ch" forName="cycle" refType="w"/>
-                <dgm:constr type="ctrY" for="ch" forName="cycle" refType="h" fact="0.5"/>
-                <dgm:constr type="diam" for="ch" forName="cycle" refType="h" fact="1.344"/>
-                <dgm:constr type="h" for="ch" forName="accent_1" refType="h" fact="0.1136"/>
-                <dgm:constr type="w" for="ch" forName="accent_1" refType="h" refFor="ch" refForName="accent_1" op="equ"/>
-                <dgm:constr type="ctrY" for="ch" forName="accent_1" refType="h" fact="0.0909"/>
-                <dgm:constr type="ctrX" for="ch" forName="accent_1" refType="w"/>
-                <dgm:constr type="ctrXOff" for="ch" forName="accent_1" refType="h" fact="-0.0835"/>
-                <dgm:constr type="r" for="ch" forName="text_1" refType="ctrX" refFor="ch" refForName="accent_1"/>
-                <dgm:constr type="rOff" for="ch" forName="text_1" refType="ctrXOff" refFor="ch" refForName="accent_1"/>
-                <dgm:constr type="l" for="ch" forName="text_1"/>
-                <dgm:constr type="w" for="ch" forName="text_1" refType="h" refFor="ch" refForName="text_1" op="gte"/>
-                <dgm:constr type="h" for="ch" forName="text_1" refType="h" refFor="ch" refForName="accent_1" fact="0.8"/>
-                <dgm:constr type="ctrY" for="ch" forName="text_1" refType="ctrY" refFor="ch" refForName="accent_1"/>
-                <dgm:constr type="rMarg" for="ch" forName="text_1" refType="w" refFor="ch" refForName="accent_1" fact="1.8"/>
-                <dgm:constr type="h" for="ch" forName="accent_2" refType="h" fact="0.1136"/>
-                <dgm:constr type="w" for="ch" forName="accent_2" refType="h" refFor="ch" refForName="accent_2" op="equ"/>
-                <dgm:constr type="ctrY" for="ch" forName="accent_2" refType="h" fact="0.2273"/>
-                <dgm:constr type="ctrX" for="ch" forName="accent_2" refType="w"/>
-                <dgm:constr type="ctrXOff" for="ch" forName="accent_2" refType="h" fact="-0.1658"/>
-                <dgm:constr type="r" for="ch" forName="text_2" refType="ctrX" refFor="ch" refForName="accent_2"/>
-                <dgm:constr type="rOff" for="ch" forName="text_2" refType="ctrXOff" refFor="ch" refForName="accent_2"/>
-                <dgm:constr type="l" for="ch" forName="text_2"/>
-                <dgm:constr type="w" for="ch" forName="text_2" refType="h" refFor="ch" refForName="text_2" op="gte"/>
-                <dgm:constr type="h" for="ch" forName="text_2" refType="h" refFor="ch" refForName="accent_2" fact="0.8"/>
-                <dgm:constr type="ctrY" for="ch" forName="text_2" refType="ctrY" refFor="ch" refForName="accent_2"/>
-                <dgm:constr type="rMarg" for="ch" forName="text_2" refType="w" refFor="ch" refForName="accent_2" fact="1.8"/>
-                <dgm:constr type="h" for="ch" forName="accent_3" refType="h" fact="0.1136"/>
-                <dgm:constr type="w" for="ch" forName="accent_3" refType="h" refFor="ch" refForName="accent_3" op="equ"/>
-                <dgm:constr type="ctrY" for="ch" forName="accent_3" refType="h" fact="0.3636"/>
-                <dgm:constr type="ctrX" for="ch" forName="accent_3" refType="w"/>
-                <dgm:constr type="ctrXOff" for="ch" forName="accent_3" refType="h" fact="-0.2109"/>
-                <dgm:constr type="r" for="ch" forName="text_3" refType="ctrX" refFor="ch" refForName="accent_3"/>
-                <dgm:constr type="rOff" for="ch" forName="text_3" refType="ctrXOff" refFor="ch" refForName="accent_3"/>
-                <dgm:constr type="l" for="ch" forName="text_3"/>
-                <dgm:constr type="w" for="ch" forName="text_3" refType="h" refFor="ch" refForName="text_3" op="gte"/>
-                <dgm:constr type="h" for="ch" forName="text_3" refType="h" refFor="ch" refForName="accent_3" fact="0.8"/>
-                <dgm:constr type="ctrY" for="ch" forName="text_3" refType="ctrY" refFor="ch" refForName="accent_3"/>
-                <dgm:constr type="rMarg" for="ch" forName="text_3" refType="w" refFor="ch" refForName="accent_3" fact="1.8"/>
-                <dgm:constr type="h" for="ch" forName="accent_4" refType="h" fact="0.1136"/>
-                <dgm:constr type="w" for="ch" forName="accent_4" refType="h" refFor="ch" refForName="accent_4" op="equ"/>
-                <dgm:constr type="ctrY" for="ch" forName="accent_4" refType="h" fact="0.5"/>
-                <dgm:constr type="ctrX" for="ch" forName="accent_4" refType="w"/>
-                <dgm:constr type="ctrXOff" for="ch" forName="accent_4" refType="h" fact="-0.2253"/>
-                <dgm:constr type="r" for="ch" forName="text_4" refType="ctrX" refFor="ch" refForName="accent_4"/>
-                <dgm:constr type="rOff" for="ch" forName="text_4" refType="ctrXOff" refFor="ch" refForName="accent_4"/>
-                <dgm:constr type="l" for="ch" forName="text_4"/>
-                <dgm:constr type="w" for="ch" forName="text_4" refType="h" refFor="ch" refForName="text_4" op="gte"/>
-                <dgm:constr type="h" for="ch" forName="text_4" refType="h" refFor="ch" refForName="accent_4" fact="0.8"/>
-                <dgm:constr type="ctrY" for="ch" forName="text_4" refType="ctrY" refFor="ch" refForName="accent_4"/>
-                <dgm:constr type="rMarg" for="ch" forName="text_4" refType="w" refFor="ch" refForName="accent_4" fact="1.8"/>
-                <dgm:constr type="h" for="ch" forName="accent_5" refType="h" fact="0.1136"/>
-                <dgm:constr type="w" for="ch" forName="accent_5" refType="h" refFor="ch" refForName="accent_5" op="equ"/>
-                <dgm:constr type="ctrY" for="ch" forName="accent_5" refType="h" fact="0.6364"/>
-                <dgm:constr type="ctrX" for="ch" forName="accent_5" refType="w"/>
-                <dgm:constr type="ctrXOff" for="ch" forName="accent_5" refType="h" fact="-0.2109"/>
-                <dgm:constr type="r" for="ch" forName="text_5" refType="ctrX" refFor="ch" refForName="accent_5"/>
-                <dgm:constr type="rOff" for="ch" forName="text_5" refType="ctrXOff" refFor="ch" refForName="accent_5"/>
-                <dgm:constr type="l" for="ch" forName="text_5"/>
-                <dgm:constr type="w" for="ch" forName="text_5" refType="h" refFor="ch" refForName="text_5" op="gte"/>
-                <dgm:constr type="h" for="ch" forName="text_5" refType="h" refFor="ch" refForName="accent_5" fact="0.8"/>
-                <dgm:constr type="ctrY" for="ch" forName="text_5" refType="ctrY" refFor="ch" refForName="accent_5"/>
-                <dgm:constr type="rMarg" for="ch" forName="text_5" refType="w" refFor="ch" refForName="accent_5" fact="1.8"/>
-                <dgm:constr type="h" for="ch" forName="accent_6" refType="h" fact="0.1136"/>
-                <dgm:constr type="w" for="ch" forName="accent_6" refType="h" refFor="ch" refForName="accent_6" op="equ"/>
-                <dgm:constr type="ctrY" for="ch" forName="accent_6" refType="h" fact="0.7727"/>
-                <dgm:constr type="ctrX" for="ch" forName="accent_6" refType="w"/>
-                <dgm:constr type="ctrXOff" for="ch" forName="accent_6" refType="h" fact="-0.1658"/>
-                <dgm:constr type="r" for="ch" forName="text_6" refType="ctrX" refFor="ch" refForName="accent_6"/>
-                <dgm:constr type="rOff" for="ch" forName="text_6" refType="ctrXOff" refFor="ch" refForName="accent_6"/>
-                <dgm:constr type="l" for="ch" forName="text_6"/>
-                <dgm:constr type="w" for="ch" forName="text_6" refType="h" refFor="ch" refForName="text_6" op="gte"/>
-                <dgm:constr type="h" for="ch" forName="text_6" refType="h" refFor="ch" refForName="accent_6" fact="0.8"/>
-                <dgm:constr type="ctrY" for="ch" forName="text_6" refType="ctrY" refFor="ch" refForName="accent_6"/>
-                <dgm:constr type="rMarg" for="ch" forName="text_6" refType="w" refFor="ch" refForName="accent_6" fact="1.8"/>
-                <dgm:constr type="h" for="ch" forName="accent_7" refType="h" fact="0.1136"/>
-                <dgm:constr type="w" for="ch" forName="accent_7" refType="h" refFor="ch" refForName="accent_7" op="equ"/>
-                <dgm:constr type="ctrY" for="ch" forName="accent_7" refType="h" fact="0.9091"/>
-                <dgm:constr type="ctrX" for="ch" forName="accent_7" refType="w"/>
-                <dgm:constr type="ctrXOff" for="ch" forName="accent_7" refType="h" fact="-0.0835"/>
-                <dgm:constr type="r" for="ch" forName="text_7" refType="ctrX" refFor="ch" refForName="accent_7"/>
-                <dgm:constr type="rOff" for="ch" forName="text_7" refType="ctrXOff" refFor="ch" refForName="accent_7"/>
-                <dgm:constr type="l" for="ch" forName="text_7"/>
-                <dgm:constr type="w" for="ch" forName="text_7" refType="h" refFor="ch" refForName="text_7" op="gte"/>
-                <dgm:constr type="h" for="ch" forName="text_7" refType="h" refFor="ch" refForName="accent_7" fact="0.8"/>
-                <dgm:constr type="ctrY" for="ch" forName="text_7" refType="ctrY" refFor="ch" refForName="accent_7"/>
-                <dgm:constr type="rMarg" for="ch" forName="text_7" refType="w" refFor="ch" refForName="accent_7" fact="1.8"/>
-                <dgm:constr type="primFontSz" for="ch" ptType="node" op="equ" val="65"/>
-              </dgm:constrLst>
-            </dgm:else>
-          </dgm:choose>
-        </dgm:else>
-      </dgm:choose>
-      <dgm:layoutNode name="cycle">
-        <dgm:choose name="Name21">
-          <dgm:if name="Name22" func="var" arg="dir" op="equ" val="norm">
-            <dgm:alg type="cycle">
-              <dgm:param type="stAng" val="45"/>
-              <dgm:param type="spanAng" val="90"/>
-            </dgm:alg>
-          </dgm:if>
-          <dgm:else name="Name23">
-            <dgm:alg type="cycle">
-              <dgm:param type="stAng" val="225"/>
-              <dgm:param type="spanAng" val="90"/>
-            </dgm:alg>
-          </dgm:else>
-        </dgm:choose>
-        <dgm:shape xmlns:r="http://schemas.openxmlformats.org/officeDocument/2006/relationships" r:blip="">
-          <dgm:adjLst/>
-        </dgm:shape>
-        <dgm:presOf/>
-        <dgm:constrLst>
-          <dgm:constr type="w" for="ch" val="1"/>
-          <dgm:constr type="h" for="ch" val="1"/>
-          <dgm:constr type="diam" for="ch" forName="conn" refType="diam"/>
-        </dgm:constrLst>
-        <dgm:layoutNode name="srcNode">
-          <dgm:alg type="sp"/>
-          <dgm:shape xmlns:r="http://schemas.openxmlformats.org/officeDocument/2006/relationships" type="rect" r:blip="" hideGeom="1">
-            <dgm:adjLst/>
-          </dgm:shape>
-          <dgm:presOf/>
-        </dgm:layoutNode>
-        <dgm:layoutNode name="conn" styleLbl="parChTrans1D2">
-          <dgm:alg type="conn">
-            <dgm:param type="connRout" val="curve"/>
-            <dgm:param type="srcNode" val="srcNode"/>
-            <dgm:param type="dstNode" val="dstNode"/>
-            <dgm:param type="begPts" val="ctr"/>
-            <dgm:param type="endPts" val="ctr"/>
-            <dgm:param type="endSty" val="noArr"/>
-          </dgm:alg>
-          <dgm:shape xmlns:r="http://schemas.openxmlformats.org/officeDocument/2006/relationships" type="conn" r:blip="">
-            <dgm:adjLst/>
-          </dgm:shape>
-          <dgm:presOf axis="desOrSelf" ptType="sibTrans" hideLastTrans="0" st="0" cnt="1"/>
-          <dgm:constrLst>
-            <dgm:constr type="begPad"/>
-            <dgm:constr type="endPad"/>
-          </dgm:constrLst>
-        </dgm:layoutNode>
-        <dgm:layoutNode name="extraNode">
-          <dgm:alg type="sp"/>
-          <dgm:shape xmlns:r="http://schemas.openxmlformats.org/officeDocument/2006/relationships" type="rect" r:blip="" hideGeom="1">
-            <dgm:adjLst/>
-          </dgm:shape>
-          <dgm:presOf/>
-        </dgm:layoutNode>
-        <dgm:layoutNode name="dstNode">
-          <dgm:alg type="sp"/>
-          <dgm:shape xmlns:r="http://schemas.openxmlformats.org/officeDocument/2006/relationships" type="rect" r:blip="" hideGeom="1">
-            <dgm:adjLst/>
-          </dgm:shape>
-          <dgm:presOf/>
-        </dgm:layoutNode>
-      </dgm:layoutNode>
-      <dgm:forEach name="wrapper" axis="self" ptType="parTrans">
-        <dgm:forEach name="wrapper2" axis="self" ptType="sibTrans" st="2">
-          <dgm:forEach name="accentRepeat" axis="self">
-            <dgm:layoutNode name="accentRepeatNode" styleLbl="solidFgAcc1">
-              <dgm:alg type="sp"/>
-              <dgm:shape xmlns:r="http://schemas.openxmlformats.org/officeDocument/2006/relationships" type="ellipse" r:blip="">
-                <dgm:adjLst/>
-              </dgm:shape>
-              <dgm:presOf/>
-            </dgm:layoutNode>
-          </dgm:forEach>
-        </dgm:forEach>
-      </dgm:forEach>
-      <dgm:forEach name="Name24" axis="ch" ptType="node" cnt="1">
-        <dgm:layoutNode name="text_1" styleLbl="node1">
-          <dgm:varLst>
-            <dgm:bulletEnabled val="1"/>
-          </dgm:varLst>
-          <dgm:choose name="Name25">
-            <dgm:if name="Name26" func="var" arg="dir" op="equ" val="norm">
-              <dgm:alg type="tx">
-                <dgm:param type="parTxLTRAlign" val="l"/>
-                <dgm:param type="shpTxLTRAlignCh" val="l"/>
-                <dgm:param type="parTxRTLAlign" val="l"/>
-                <dgm:param type="shpTxRTLAlignCh" val="l"/>
-              </dgm:alg>
-            </dgm:if>
-            <dgm:else name="Name27">
-              <dgm:alg type="tx">
-                <dgm:param type="parTxLTRAlign" val="r"/>
-                <dgm:param type="shpTxLTRAlignCh" val="r"/>
-                <dgm:param type="parTxRTLAlign" val="r"/>
-                <dgm:param type="shpTxRTLAlignCh" val="r"/>
-              </dgm:alg>
-            </dgm:else>
-          </dgm:choose>
-          <dgm:shape xmlns:r="http://schemas.openxmlformats.org/officeDocument/2006/relationships" type="rect" r:blip="">
-            <dgm:adjLst/>
-          </dgm:shape>
-          <dgm:presOf axis="desOrSelf" ptType="node"/>
-          <dgm:constrLst>
-            <dgm:constr type="primFontSz" val="65"/>
-            <dgm:constr type="lMarg" refType="primFontSz" fact="0.2"/>
-            <dgm:constr type="rMarg" refType="primFontSz" fact="0.2"/>
-            <dgm:constr type="tMarg" refType="primFontSz" fact="0.2"/>
-            <dgm:constr type="bMarg" refType="primFontSz" fact="0.2"/>
-          </dgm:constrLst>
-          <dgm:ruleLst>
-            <dgm:rule type="primFontSz" val="5" fact="NaN" max="NaN"/>
-          </dgm:ruleLst>
-        </dgm:layoutNode>
-        <dgm:layoutNode name="accent_1">
-          <dgm:alg type="sp"/>
-          <dgm:shape xmlns:r="http://schemas.openxmlformats.org/officeDocument/2006/relationships" r:blip="">
-            <dgm:adjLst/>
-          </dgm:shape>
-          <dgm:presOf/>
-          <dgm:constrLst/>
-          <dgm:forEach name="Name28" ref="accentRepeat"/>
-        </dgm:layoutNode>
-      </dgm:forEach>
-      <dgm:forEach name="Name29" axis="ch" ptType="node" st="2" cnt="1">
-        <dgm:layoutNode name="text_2" styleLbl="node1">
-          <dgm:varLst>
-            <dgm:bulletEnabled val="1"/>
-          </dgm:varLst>
-          <dgm:choose name="Name30">
-            <dgm:if name="Name31" func="var" arg="dir" op="equ" val="norm">
-              <dgm:alg type="tx">
-                <dgm:param type="parTxLTRAlign" val="l"/>
-                <dgm:param type="shpTxLTRAlignCh" val="l"/>
-                <dgm:param type="parTxRTLAlign" val="l"/>
-                <dgm:param type="shpTxRTLAlignCh" val="l"/>
-              </dgm:alg>
-            </dgm:if>
-            <dgm:else name="Name32">
-              <dgm:alg type="tx">
-                <dgm:param type="parTxLTRAlign" val="r"/>
-                <dgm:param type="shpTxLTRAlignCh" val="r"/>
-                <dgm:param type="parTxRTLAlign" val="r"/>
-                <dgm:param type="shpTxRTLAlignCh" val="r"/>
-              </dgm:alg>
-            </dgm:else>
-          </dgm:choose>
-          <dgm:shape xmlns:r="http://schemas.openxmlformats.org/officeDocument/2006/relationships" type="rect" r:blip="">
-            <dgm:adjLst/>
-          </dgm:shape>
-          <dgm:presOf axis="desOrSelf" ptType="node"/>
-          <dgm:constrLst>
-            <dgm:constr type="primFontSz" val="65"/>
-            <dgm:constr type="lMarg" refType="primFontSz" fact="0.2"/>
-            <dgm:constr type="rMarg" refType="primFontSz" fact="0.2"/>
-            <dgm:constr type="tMarg" refType="primFontSz" fact="0.2"/>
-            <dgm:constr type="bMarg" refType="primFontSz" fact="0.2"/>
-          </dgm:constrLst>
-          <dgm:ruleLst>
-            <dgm:rule type="primFontSz" val="5" fact="NaN" max="NaN"/>
-          </dgm:ruleLst>
-        </dgm:layoutNode>
-        <dgm:layoutNode name="accent_2">
-          <dgm:alg type="sp"/>
-          <dgm:shape xmlns:r="http://schemas.openxmlformats.org/officeDocument/2006/relationships" r:blip="">
-            <dgm:adjLst/>
-          </dgm:shape>
-          <dgm:presOf/>
-          <dgm:constrLst/>
-          <dgm:forEach name="Name33" ref="accentRepeat"/>
-        </dgm:layoutNode>
-      </dgm:forEach>
-      <dgm:forEach name="Name34" axis="ch" ptType="node" st="3" cnt="1">
-        <dgm:layoutNode name="text_3" styleLbl="node1">
-          <dgm:varLst>
-            <dgm:bulletEnabled val="1"/>
-          </dgm:varLst>
-          <dgm:choose name="Name35">
-            <dgm:if name="Name36" func="var" arg="dir" op="equ" val="norm">
-              <dgm:alg type="tx">
-                <dgm:param type="parTxLTRAlign" val="l"/>
-                <dgm:param type="shpTxLTRAlignCh" val="l"/>
-                <dgm:param type="parTxRTLAlign" val="l"/>
-                <dgm:param type="shpTxRTLAlignCh" val="l"/>
-              </dgm:alg>
-            </dgm:if>
-            <dgm:else name="Name37">
-              <dgm:alg type="tx">
-                <dgm:param type="parTxLTRAlign" val="r"/>
-                <dgm:param type="shpTxLTRAlignCh" val="r"/>
-                <dgm:param type="parTxRTLAlign" val="r"/>
-                <dgm:param type="shpTxRTLAlignCh" val="r"/>
-              </dgm:alg>
-            </dgm:else>
-          </dgm:choose>
-          <dgm:shape xmlns:r="http://schemas.openxmlformats.org/officeDocument/2006/relationships" type="rect" r:blip="">
-            <dgm:adjLst/>
-          </dgm:shape>
-          <dgm:presOf axis="desOrSelf" ptType="node"/>
-          <dgm:constrLst>
-            <dgm:constr type="primFontSz" val="65"/>
-            <dgm:constr type="lMarg" refType="primFontSz" fact="0.2"/>
-            <dgm:constr type="rMarg" refType="primFontSz" fact="0.2"/>
-            <dgm:constr type="tMarg" refType="primFontSz" fact="0.2"/>
-            <dgm:constr type="bMarg" refType="primFontSz" fact="0.2"/>
-          </dgm:constrLst>
-          <dgm:ruleLst>
-            <dgm:rule type="primFontSz" val="5" fact="NaN" max="NaN"/>
-          </dgm:ruleLst>
-        </dgm:layoutNode>
-        <dgm:layoutNode name="accent_3">
-          <dgm:alg type="sp"/>
-          <dgm:shape xmlns:r="http://schemas.openxmlformats.org/officeDocument/2006/relationships" r:blip="">
-            <dgm:adjLst/>
-          </dgm:shape>
-          <dgm:presOf/>
-          <dgm:constrLst/>
-          <dgm:forEach name="Name38" ref="accentRepeat"/>
-        </dgm:layoutNode>
-      </dgm:forEach>
-      <dgm:forEach name="Name39" axis="ch" ptType="node" st="4" cnt="1">
-        <dgm:layoutNode name="text_4" styleLbl="node1">
-          <dgm:varLst>
-            <dgm:bulletEnabled val="1"/>
-          </dgm:varLst>
-          <dgm:choose name="Name40">
-            <dgm:if name="Name41" func="var" arg="dir" op="equ" val="norm">
-              <dgm:alg type="tx">
-                <dgm:param type="parTxLTRAlign" val="l"/>
-                <dgm:param type="shpTxLTRAlignCh" val="l"/>
-                <dgm:param type="parTxRTLAlign" val="l"/>
-                <dgm:param type="shpTxRTLAlignCh" val="l"/>
-              </dgm:alg>
-            </dgm:if>
-            <dgm:else name="Name42">
-              <dgm:alg type="tx">
-                <dgm:param type="parTxLTRAlign" val="r"/>
-                <dgm:param type="shpTxLTRAlignCh" val="r"/>
-                <dgm:param type="parTxRTLAlign" val="r"/>
-                <dgm:param type="shpTxRTLAlignCh" val="r"/>
-              </dgm:alg>
-            </dgm:else>
-          </dgm:choose>
-          <dgm:shape xmlns:r="http://schemas.openxmlformats.org/officeDocument/2006/relationships" type="rect" r:blip="">
-            <dgm:adjLst/>
-          </dgm:shape>
-          <dgm:presOf axis="desOrSelf" ptType="node"/>
-          <dgm:constrLst>
-            <dgm:constr type="primFontSz" val="65"/>
-            <dgm:constr type="lMarg" refType="primFontSz" fact="0.2"/>
-            <dgm:constr type="rMarg" refType="primFontSz" fact="0.2"/>
-            <dgm:constr type="tMarg" refType="primFontSz" fact="0.2"/>
-            <dgm:constr type="bMarg" refType="primFontSz" fact="0.2"/>
-          </dgm:constrLst>
-          <dgm:ruleLst>
-            <dgm:rule type="primFontSz" val="5" fact="NaN" max="NaN"/>
-          </dgm:ruleLst>
-        </dgm:layoutNode>
-        <dgm:layoutNode name="accent_4">
-          <dgm:alg type="sp"/>
-          <dgm:shape xmlns:r="http://schemas.openxmlformats.org/officeDocument/2006/relationships" r:blip="">
-            <dgm:adjLst/>
-          </dgm:shape>
-          <dgm:presOf/>
-          <dgm:constrLst/>
-          <dgm:forEach name="Name43" ref="accentRepeat"/>
-        </dgm:layoutNode>
-      </dgm:forEach>
-      <dgm:forEach name="Name44" axis="ch" ptType="node" st="5" cnt="1">
-        <dgm:layoutNode name="text_5" styleLbl="node1">
-          <dgm:varLst>
-            <dgm:bulletEnabled val="1"/>
-          </dgm:varLst>
-          <dgm:choose name="Name45">
-            <dgm:if name="Name46" func="var" arg="dir" op="equ" val="norm">
-              <dgm:alg type="tx">
-                <dgm:param type="parTxLTRAlign" val="l"/>
-                <dgm:param type="shpTxLTRAlignCh" val="l"/>
-                <dgm:param type="parTxRTLAlign" val="l"/>
-                <dgm:param type="shpTxRTLAlignCh" val="l"/>
-              </dgm:alg>
-            </dgm:if>
-            <dgm:else name="Name47">
-              <dgm:alg type="tx">
-                <dgm:param type="parTxLTRAlign" val="r"/>
-                <dgm:param type="shpTxLTRAlignCh" val="r"/>
-                <dgm:param type="parTxRTLAlign" val="r"/>
-                <dgm:param type="shpTxRTLAlignCh" val="r"/>
-              </dgm:alg>
-            </dgm:else>
-          </dgm:choose>
-          <dgm:shape xmlns:r="http://schemas.openxmlformats.org/officeDocument/2006/relationships" type="rect" r:blip="">
-            <dgm:adjLst/>
-          </dgm:shape>
-          <dgm:presOf axis="desOrSelf" ptType="node"/>
-          <dgm:constrLst>
-            <dgm:constr type="primFontSz" val="65"/>
-            <dgm:constr type="lMarg" refType="primFontSz" fact="0.2"/>
-            <dgm:constr type="rMarg" refType="primFontSz" fact="0.2"/>
-            <dgm:constr type="tMarg" refType="primFontSz" fact="0.2"/>
-            <dgm:constr type="bMarg" refType="primFontSz" fact="0.2"/>
-          </dgm:constrLst>
-          <dgm:ruleLst>
-            <dgm:rule type="primFontSz" val="5" fact="NaN" max="NaN"/>
-          </dgm:ruleLst>
-        </dgm:layoutNode>
-        <dgm:layoutNode name="accent_5">
-          <dgm:alg type="sp"/>
-          <dgm:shape xmlns:r="http://schemas.openxmlformats.org/officeDocument/2006/relationships" r:blip="">
-            <dgm:adjLst/>
-          </dgm:shape>
-          <dgm:presOf/>
-          <dgm:constrLst/>
-          <dgm:forEach name="Name48" ref="accentRepeat"/>
-        </dgm:layoutNode>
-      </dgm:forEach>
-      <dgm:forEach name="Name49" axis="ch" ptType="node" st="6" cnt="1">
-        <dgm:layoutNode name="text_6" styleLbl="node1">
-          <dgm:varLst>
-            <dgm:bulletEnabled val="1"/>
-          </dgm:varLst>
-          <dgm:choose name="Name50">
-            <dgm:if name="Name51" func="var" arg="dir" op="equ" val="norm">
-              <dgm:alg type="tx">
-                <dgm:param type="parTxLTRAlign" val="l"/>
-                <dgm:param type="shpTxLTRAlignCh" val="l"/>
-                <dgm:param type="parTxRTLAlign" val="l"/>
-                <dgm:param type="shpTxRTLAlignCh" val="l"/>
-              </dgm:alg>
-            </dgm:if>
-            <dgm:else name="Name52">
-              <dgm:alg type="tx">
-                <dgm:param type="parTxLTRAlign" val="r"/>
-                <dgm:param type="shpTxLTRAlignCh" val="r"/>
-                <dgm:param type="parTxRTLAlign" val="r"/>
-                <dgm:param type="shpTxRTLAlignCh" val="r"/>
-              </dgm:alg>
-            </dgm:else>
-          </dgm:choose>
-          <dgm:shape xmlns:r="http://schemas.openxmlformats.org/officeDocument/2006/relationships" type="rect" r:blip="">
-            <dgm:adjLst/>
-          </dgm:shape>
-          <dgm:presOf axis="desOrSelf" ptType="node"/>
-          <dgm:constrLst>
-            <dgm:constr type="primFontSz" val="65"/>
-            <dgm:constr type="lMarg" refType="primFontSz" fact="0.2"/>
-            <dgm:constr type="rMarg" refType="primFontSz" fact="0.2"/>
-            <dgm:constr type="tMarg" refType="primFontSz" fact="0.2"/>
-            <dgm:constr type="bMarg" refType="primFontSz" fact="0.2"/>
-          </dgm:constrLst>
-          <dgm:ruleLst>
-            <dgm:rule type="primFontSz" val="5" fact="NaN" max="NaN"/>
-          </dgm:ruleLst>
-        </dgm:layoutNode>
-        <dgm:layoutNode name="accent_6">
-          <dgm:alg type="sp"/>
-          <dgm:shape xmlns:r="http://schemas.openxmlformats.org/officeDocument/2006/relationships" r:blip="">
-            <dgm:adjLst/>
-          </dgm:shape>
-          <dgm:presOf/>
-          <dgm:constrLst/>
-          <dgm:forEach name="Name53" ref="accentRepeat"/>
-        </dgm:layoutNode>
-      </dgm:forEach>
-      <dgm:forEach name="Name54" axis="ch" ptType="node" st="7" cnt="1">
-        <dgm:layoutNode name="text_7" styleLbl="node1">
-          <dgm:varLst>
-            <dgm:bulletEnabled val="1"/>
-          </dgm:varLst>
-          <dgm:choose name="Name55">
-            <dgm:if name="Name56" func="var" arg="dir" op="equ" val="norm">
-              <dgm:alg type="tx">
-                <dgm:param type="parTxLTRAlign" val="l"/>
-                <dgm:param type="shpTxLTRAlignCh" val="l"/>
-                <dgm:param type="parTxRTLAlign" val="l"/>
-                <dgm:param type="shpTxRTLAlignCh" val="l"/>
-              </dgm:alg>
-            </dgm:if>
-            <dgm:else name="Name57">
-              <dgm:alg type="tx">
-                <dgm:param type="parTxLTRAlign" val="r"/>
-                <dgm:param type="shpTxLTRAlignCh" val="r"/>
-                <dgm:param type="parTxRTLAlign" val="r"/>
-                <dgm:param type="shpTxRTLAlignCh" val="r"/>
-              </dgm:alg>
-            </dgm:else>
-          </dgm:choose>
-          <dgm:shape xmlns:r="http://schemas.openxmlformats.org/officeDocument/2006/relationships" type="rect" r:blip="">
-            <dgm:adjLst/>
-          </dgm:shape>
-          <dgm:presOf axis="desOrSelf" ptType="node"/>
-          <dgm:constrLst>
-            <dgm:constr type="primFontSz" val="65"/>
-            <dgm:constr type="lMarg" refType="primFontSz" fact="0.2"/>
-            <dgm:constr type="rMarg" refType="primFontSz" fact="0.2"/>
-            <dgm:constr type="tMarg" refType="primFontSz" fact="0.2"/>
-            <dgm:constr type="bMarg" refType="primFontSz" fact="0.2"/>
-          </dgm:constrLst>
-          <dgm:ruleLst>
-            <dgm:rule type="primFontSz" val="5" fact="NaN" max="NaN"/>
-          </dgm:ruleLst>
-        </dgm:layoutNode>
-        <dgm:layoutNode name="accent_7">
-          <dgm:alg type="sp"/>
-          <dgm:shape xmlns:r="http://schemas.openxmlformats.org/officeDocument/2006/relationships" r:blip="">
-            <dgm:adjLst/>
-          </dgm:shape>
-          <dgm:presOf/>
-          <dgm:constrLst/>
-          <dgm:forEach name="Name58" ref="accentRepeat"/>
-        </dgm:layoutNode>
-      </dgm:forEach>
-    </dgm:layoutNode>
-  </dgm:layoutNode>
-</dgm:layoutDef>
-</file>
-
 <file path=ppt/diagrams/quickStyle1.xml><?xml version="1.0" encoding="utf-8"?>
 <dgm:styleDef xmlns:dgm="http://schemas.openxmlformats.org/drawingml/2006/diagram" xmlns:a="http://schemas.openxmlformats.org/drawingml/2006/main" uniqueId="urn:microsoft.com/office/officeart/2005/8/quickstyle/simple1">
   <dgm:title val=""/>
@@ -9225,1040 +6478,6 @@
 </file>
 
 <file path=ppt/diagrams/quickStyle2.xml><?xml version="1.0" encoding="utf-8"?>
-<dgm:styleDef xmlns:dgm="http://schemas.openxmlformats.org/drawingml/2006/diagram" xmlns:a="http://schemas.openxmlformats.org/drawingml/2006/main" uniqueId="urn:microsoft.com/office/officeart/2005/8/quickstyle/simple4">
-  <dgm:title val=""/>
-  <dgm:desc val=""/>
-  <dgm:catLst>
-    <dgm:cat type="simple" pri="10400"/>
-  </dgm:catLst>
-  <dgm:scene3d>
-    <a:camera prst="orthographicFront"/>
-    <a:lightRig rig="threePt" dir="t"/>
-  </dgm:scene3d>
-  <dgm:styleLbl name="node0">
-    <dgm:scene3d>
-      <a:camera prst="orthographicFront"/>
-      <a:lightRig rig="threePt" dir="t"/>
-    </dgm:scene3d>
-    <dgm:sp3d/>
-    <dgm:txPr/>
-    <dgm:style>
-      <a:lnRef idx="0">
-        <a:scrgbClr r="0" g="0" b="0"/>
-      </a:lnRef>
-      <a:fillRef idx="3">
-        <a:scrgbClr r="0" g="0" b="0"/>
-      </a:fillRef>
-      <a:effectRef idx="2">
-        <a:scrgbClr r="0" g="0" b="0"/>
-      </a:effectRef>
-      <a:fontRef idx="minor">
-        <a:schemeClr val="lt1"/>
-      </a:fontRef>
-    </dgm:style>
-  </dgm:styleLbl>
-  <dgm:styleLbl name="lnNode1">
-    <dgm:scene3d>
-      <a:camera prst="orthographicFront"/>
-      <a:lightRig rig="threePt" dir="t"/>
-    </dgm:scene3d>
-    <dgm:sp3d/>
-    <dgm:txPr/>
-    <dgm:style>
-      <a:lnRef idx="1">
-        <a:scrgbClr r="0" g="0" b="0"/>
-      </a:lnRef>
-      <a:fillRef idx="3">
-        <a:scrgbClr r="0" g="0" b="0"/>
-      </a:fillRef>
-      <a:effectRef idx="2">
-        <a:scrgbClr r="0" g="0" b="0"/>
-      </a:effectRef>
-      <a:fontRef idx="minor">
-        <a:schemeClr val="lt1"/>
-      </a:fontRef>
-    </dgm:style>
-  </dgm:styleLbl>
-  <dgm:styleLbl name="vennNode1">
-    <dgm:scene3d>
-      <a:camera prst="orthographicFront"/>
-      <a:lightRig rig="threePt" dir="t"/>
-    </dgm:scene3d>
-    <dgm:sp3d/>
-    <dgm:txPr/>
-    <dgm:style>
-      <a:lnRef idx="0">
-        <a:scrgbClr r="0" g="0" b="0"/>
-      </a:lnRef>
-      <a:fillRef idx="3">
-        <a:scrgbClr r="0" g="0" b="0"/>
-      </a:fillRef>
-      <a:effectRef idx="0">
-        <a:scrgbClr r="0" g="0" b="0"/>
-      </a:effectRef>
-      <a:fontRef idx="minor">
-        <a:schemeClr val="tx1"/>
-      </a:fontRef>
-    </dgm:style>
-  </dgm:styleLbl>
-  <dgm:styleLbl name="alignNode1">
-    <dgm:scene3d>
-      <a:camera prst="orthographicFront"/>
-      <a:lightRig rig="threePt" dir="t"/>
-    </dgm:scene3d>
-    <dgm:sp3d/>
-    <dgm:txPr/>
-    <dgm:style>
-      <a:lnRef idx="1">
-        <a:scrgbClr r="0" g="0" b="0"/>
-      </a:lnRef>
-      <a:fillRef idx="3">
-        <a:scrgbClr r="0" g="0" b="0"/>
-      </a:fillRef>
-      <a:effectRef idx="2">
-        <a:scrgbClr r="0" g="0" b="0"/>
-      </a:effectRef>
-      <a:fontRef idx="minor">
-        <a:schemeClr val="lt1"/>
-      </a:fontRef>
-    </dgm:style>
-  </dgm:styleLbl>
-  <dgm:styleLbl name="node1">
-    <dgm:scene3d>
-      <a:camera prst="orthographicFront"/>
-      <a:lightRig rig="threePt" dir="t"/>
-    </dgm:scene3d>
-    <dgm:sp3d/>
-    <dgm:txPr/>
-    <dgm:style>
-      <a:lnRef idx="0">
-        <a:scrgbClr r="0" g="0" b="0"/>
-      </a:lnRef>
-      <a:fillRef idx="3">
-        <a:scrgbClr r="0" g="0" b="0"/>
-      </a:fillRef>
-      <a:effectRef idx="2">
-        <a:scrgbClr r="0" g="0" b="0"/>
-      </a:effectRef>
-      <a:fontRef idx="minor">
-        <a:schemeClr val="lt1"/>
-      </a:fontRef>
-    </dgm:style>
-  </dgm:styleLbl>
-  <dgm:styleLbl name="node2">
-    <dgm:scene3d>
-      <a:camera prst="orthographicFront"/>
-      <a:lightRig rig="threePt" dir="t"/>
-    </dgm:scene3d>
-    <dgm:sp3d/>
-    <dgm:txPr/>
-    <dgm:style>
-      <a:lnRef idx="0">
-        <a:scrgbClr r="0" g="0" b="0"/>
-      </a:lnRef>
-      <a:fillRef idx="3">
-        <a:scrgbClr r="0" g="0" b="0"/>
-      </a:fillRef>
-      <a:effectRef idx="2">
-        <a:scrgbClr r="0" g="0" b="0"/>
-      </a:effectRef>
-      <a:fontRef idx="minor">
-        <a:schemeClr val="lt1"/>
-      </a:fontRef>
-    </dgm:style>
-  </dgm:styleLbl>
-  <dgm:styleLbl name="node3">
-    <dgm:scene3d>
-      <a:camera prst="orthographicFront"/>
-      <a:lightRig rig="threePt" dir="t"/>
-    </dgm:scene3d>
-    <dgm:sp3d/>
-    <dgm:txPr/>
-    <dgm:style>
-      <a:lnRef idx="0">
-        <a:scrgbClr r="0" g="0" b="0"/>
-      </a:lnRef>
-      <a:fillRef idx="3">
-        <a:scrgbClr r="0" g="0" b="0"/>
-      </a:fillRef>
-      <a:effectRef idx="2">
-        <a:scrgbClr r="0" g="0" b="0"/>
-      </a:effectRef>
-      <a:fontRef idx="minor">
-        <a:schemeClr val="lt1"/>
-      </a:fontRef>
-    </dgm:style>
-  </dgm:styleLbl>
-  <dgm:styleLbl name="node4">
-    <dgm:scene3d>
-      <a:camera prst="orthographicFront"/>
-      <a:lightRig rig="threePt" dir="t"/>
-    </dgm:scene3d>
-    <dgm:sp3d/>
-    <dgm:txPr/>
-    <dgm:style>
-      <a:lnRef idx="0">
-        <a:scrgbClr r="0" g="0" b="0"/>
-      </a:lnRef>
-      <a:fillRef idx="3">
-        <a:scrgbClr r="0" g="0" b="0"/>
-      </a:fillRef>
-      <a:effectRef idx="2">
-        <a:scrgbClr r="0" g="0" b="0"/>
-      </a:effectRef>
-      <a:fontRef idx="minor">
-        <a:schemeClr val="lt1"/>
-      </a:fontRef>
-    </dgm:style>
-  </dgm:styleLbl>
-  <dgm:styleLbl name="fgImgPlace1">
-    <dgm:scene3d>
-      <a:camera prst="orthographicFront"/>
-      <a:lightRig rig="threePt" dir="t"/>
-    </dgm:scene3d>
-    <dgm:sp3d/>
-    <dgm:txPr/>
-    <dgm:style>
-      <a:lnRef idx="0">
-        <a:scrgbClr r="0" g="0" b="0"/>
-      </a:lnRef>
-      <a:fillRef idx="1">
-        <a:scrgbClr r="0" g="0" b="0"/>
-      </a:fillRef>
-      <a:effectRef idx="2">
-        <a:scrgbClr r="0" g="0" b="0"/>
-      </a:effectRef>
-      <a:fontRef idx="minor"/>
-    </dgm:style>
-  </dgm:styleLbl>
-  <dgm:styleLbl name="alignImgPlace1">
-    <dgm:scene3d>
-      <a:camera prst="orthographicFront"/>
-      <a:lightRig rig="threePt" dir="t"/>
-    </dgm:scene3d>
-    <dgm:sp3d/>
-    <dgm:txPr/>
-    <dgm:style>
-      <a:lnRef idx="0">
-        <a:scrgbClr r="0" g="0" b="0"/>
-      </a:lnRef>
-      <a:fillRef idx="1">
-        <a:scrgbClr r="0" g="0" b="0"/>
-      </a:fillRef>
-      <a:effectRef idx="2">
-        <a:scrgbClr r="0" g="0" b="0"/>
-      </a:effectRef>
-      <a:fontRef idx="minor"/>
-    </dgm:style>
-  </dgm:styleLbl>
-  <dgm:styleLbl name="bgImgPlace1">
-    <dgm:scene3d>
-      <a:camera prst="orthographicFront"/>
-      <a:lightRig rig="threePt" dir="t"/>
-    </dgm:scene3d>
-    <dgm:sp3d/>
-    <dgm:txPr/>
-    <dgm:style>
-      <a:lnRef idx="0">
-        <a:scrgbClr r="0" g="0" b="0"/>
-      </a:lnRef>
-      <a:fillRef idx="1">
-        <a:scrgbClr r="0" g="0" b="0"/>
-      </a:fillRef>
-      <a:effectRef idx="2">
-        <a:scrgbClr r="0" g="0" b="0"/>
-      </a:effectRef>
-      <a:fontRef idx="minor"/>
-    </dgm:style>
-  </dgm:styleLbl>
-  <dgm:styleLbl name="sibTrans2D1">
-    <dgm:scene3d>
-      <a:camera prst="orthographicFront"/>
-      <a:lightRig rig="threePt" dir="t"/>
-    </dgm:scene3d>
-    <dgm:sp3d/>
-    <dgm:txPr/>
-    <dgm:style>
-      <a:lnRef idx="0">
-        <a:scrgbClr r="0" g="0" b="0"/>
-      </a:lnRef>
-      <a:fillRef idx="3">
-        <a:scrgbClr r="0" g="0" b="0"/>
-      </a:fillRef>
-      <a:effectRef idx="2">
-        <a:scrgbClr r="0" g="0" b="0"/>
-      </a:effectRef>
-      <a:fontRef idx="minor">
-        <a:schemeClr val="lt1"/>
-      </a:fontRef>
-    </dgm:style>
-  </dgm:styleLbl>
-  <dgm:styleLbl name="fgSibTrans2D1">
-    <dgm:scene3d>
-      <a:camera prst="orthographicFront"/>
-      <a:lightRig rig="threePt" dir="t"/>
-    </dgm:scene3d>
-    <dgm:sp3d/>
-    <dgm:txPr/>
-    <dgm:style>
-      <a:lnRef idx="0">
-        <a:scrgbClr r="0" g="0" b="0"/>
-      </a:lnRef>
-      <a:fillRef idx="3">
-        <a:scrgbClr r="0" g="0" b="0"/>
-      </a:fillRef>
-      <a:effectRef idx="2">
-        <a:scrgbClr r="0" g="0" b="0"/>
-      </a:effectRef>
-      <a:fontRef idx="minor">
-        <a:schemeClr val="lt1"/>
-      </a:fontRef>
-    </dgm:style>
-  </dgm:styleLbl>
-  <dgm:styleLbl name="bgSibTrans2D1">
-    <dgm:scene3d>
-      <a:camera prst="orthographicFront"/>
-      <a:lightRig rig="threePt" dir="t"/>
-    </dgm:scene3d>
-    <dgm:sp3d/>
-    <dgm:txPr/>
-    <dgm:style>
-      <a:lnRef idx="0">
-        <a:scrgbClr r="0" g="0" b="0"/>
-      </a:lnRef>
-      <a:fillRef idx="3">
-        <a:scrgbClr r="0" g="0" b="0"/>
-      </a:fillRef>
-      <a:effectRef idx="2">
-        <a:scrgbClr r="0" g="0" b="0"/>
-      </a:effectRef>
-      <a:fontRef idx="minor">
-        <a:schemeClr val="lt1"/>
-      </a:fontRef>
-    </dgm:style>
-  </dgm:styleLbl>
-  <dgm:styleLbl name="sibTrans1D1">
-    <dgm:scene3d>
-      <a:camera prst="orthographicFront"/>
-      <a:lightRig rig="threePt" dir="t"/>
-    </dgm:scene3d>
-    <dgm:sp3d/>
-    <dgm:txPr/>
-    <dgm:style>
-      <a:lnRef idx="1">
-        <a:scrgbClr r="0" g="0" b="0"/>
-      </a:lnRef>
-      <a:fillRef idx="0">
-        <a:scrgbClr r="0" g="0" b="0"/>
-      </a:fillRef>
-      <a:effectRef idx="0">
-        <a:scrgbClr r="0" g="0" b="0"/>
-      </a:effectRef>
-      <a:fontRef idx="minor"/>
-    </dgm:style>
-  </dgm:styleLbl>
-  <dgm:styleLbl name="callout">
-    <dgm:scene3d>
-      <a:camera prst="orthographicFront"/>
-      <a:lightRig rig="threePt" dir="t"/>
-    </dgm:scene3d>
-    <dgm:sp3d/>
-    <dgm:txPr/>
-    <dgm:style>
-      <a:lnRef idx="2">
-        <a:scrgbClr r="0" g="0" b="0"/>
-      </a:lnRef>
-      <a:fillRef idx="1">
-        <a:scrgbClr r="0" g="0" b="0"/>
-      </a:fillRef>
-      <a:effectRef idx="1">
-        <a:scrgbClr r="0" g="0" b="0"/>
-      </a:effectRef>
-      <a:fontRef idx="minor"/>
-    </dgm:style>
-  </dgm:styleLbl>
-  <dgm:styleLbl name="asst0">
-    <dgm:scene3d>
-      <a:camera prst="orthographicFront"/>
-      <a:lightRig rig="threePt" dir="t"/>
-    </dgm:scene3d>
-    <dgm:sp3d/>
-    <dgm:txPr/>
-    <dgm:style>
-      <a:lnRef idx="0">
-        <a:scrgbClr r="0" g="0" b="0"/>
-      </a:lnRef>
-      <a:fillRef idx="3">
-        <a:scrgbClr r="0" g="0" b="0"/>
-      </a:fillRef>
-      <a:effectRef idx="2">
-        <a:scrgbClr r="0" g="0" b="0"/>
-      </a:effectRef>
-      <a:fontRef idx="minor">
-        <a:schemeClr val="lt1"/>
-      </a:fontRef>
-    </dgm:style>
-  </dgm:styleLbl>
-  <dgm:styleLbl name="asst1">
-    <dgm:scene3d>
-      <a:camera prst="orthographicFront"/>
-      <a:lightRig rig="threePt" dir="t"/>
-    </dgm:scene3d>
-    <dgm:sp3d/>
-    <dgm:txPr/>
-    <dgm:style>
-      <a:lnRef idx="0">
-        <a:scrgbClr r="0" g="0" b="0"/>
-      </a:lnRef>
-      <a:fillRef idx="3">
-        <a:scrgbClr r="0" g="0" b="0"/>
-      </a:fillRef>
-      <a:effectRef idx="2">
-        <a:scrgbClr r="0" g="0" b="0"/>
-      </a:effectRef>
-      <a:fontRef idx="minor">
-        <a:schemeClr val="lt1"/>
-      </a:fontRef>
-    </dgm:style>
-  </dgm:styleLbl>
-  <dgm:styleLbl name="asst2">
-    <dgm:scene3d>
-      <a:camera prst="orthographicFront"/>
-      <a:lightRig rig="threePt" dir="t"/>
-    </dgm:scene3d>
-    <dgm:sp3d/>
-    <dgm:txPr/>
-    <dgm:style>
-      <a:lnRef idx="0">
-        <a:scrgbClr r="0" g="0" b="0"/>
-      </a:lnRef>
-      <a:fillRef idx="3">
-        <a:scrgbClr r="0" g="0" b="0"/>
-      </a:fillRef>
-      <a:effectRef idx="2">
-        <a:scrgbClr r="0" g="0" b="0"/>
-      </a:effectRef>
-      <a:fontRef idx="minor">
-        <a:schemeClr val="lt1"/>
-      </a:fontRef>
-    </dgm:style>
-  </dgm:styleLbl>
-  <dgm:styleLbl name="asst3">
-    <dgm:scene3d>
-      <a:camera prst="orthographicFront"/>
-      <a:lightRig rig="threePt" dir="t"/>
-    </dgm:scene3d>
-    <dgm:sp3d/>
-    <dgm:txPr/>
-    <dgm:style>
-      <a:lnRef idx="0">
-        <a:scrgbClr r="0" g="0" b="0"/>
-      </a:lnRef>
-      <a:fillRef idx="3">
-        <a:scrgbClr r="0" g="0" b="0"/>
-      </a:fillRef>
-      <a:effectRef idx="2">
-        <a:scrgbClr r="0" g="0" b="0"/>
-      </a:effectRef>
-      <a:fontRef idx="minor">
-        <a:schemeClr val="lt1"/>
-      </a:fontRef>
-    </dgm:style>
-  </dgm:styleLbl>
-  <dgm:styleLbl name="asst4">
-    <dgm:scene3d>
-      <a:camera prst="orthographicFront"/>
-      <a:lightRig rig="threePt" dir="t"/>
-    </dgm:scene3d>
-    <dgm:sp3d/>
-    <dgm:txPr/>
-    <dgm:style>
-      <a:lnRef idx="0">
-        <a:scrgbClr r="0" g="0" b="0"/>
-      </a:lnRef>
-      <a:fillRef idx="3">
-        <a:scrgbClr r="0" g="0" b="0"/>
-      </a:fillRef>
-      <a:effectRef idx="2">
-        <a:scrgbClr r="0" g="0" b="0"/>
-      </a:effectRef>
-      <a:fontRef idx="minor">
-        <a:schemeClr val="lt1"/>
-      </a:fontRef>
-    </dgm:style>
-  </dgm:styleLbl>
-  <dgm:styleLbl name="parChTrans2D1">
-    <dgm:scene3d>
-      <a:camera prst="orthographicFront"/>
-      <a:lightRig rig="threePt" dir="t"/>
-    </dgm:scene3d>
-    <dgm:sp3d/>
-    <dgm:txPr/>
-    <dgm:style>
-      <a:lnRef idx="0">
-        <a:scrgbClr r="0" g="0" b="0"/>
-      </a:lnRef>
-      <a:fillRef idx="3">
-        <a:scrgbClr r="0" g="0" b="0"/>
-      </a:fillRef>
-      <a:effectRef idx="2">
-        <a:scrgbClr r="0" g="0" b="0"/>
-      </a:effectRef>
-      <a:fontRef idx="minor">
-        <a:schemeClr val="lt1"/>
-      </a:fontRef>
-    </dgm:style>
-  </dgm:styleLbl>
-  <dgm:styleLbl name="parChTrans2D2">
-    <dgm:scene3d>
-      <a:camera prst="orthographicFront"/>
-      <a:lightRig rig="threePt" dir="t"/>
-    </dgm:scene3d>
-    <dgm:sp3d/>
-    <dgm:txPr/>
-    <dgm:style>
-      <a:lnRef idx="0">
-        <a:scrgbClr r="0" g="0" b="0"/>
-      </a:lnRef>
-      <a:fillRef idx="3">
-        <a:scrgbClr r="0" g="0" b="0"/>
-      </a:fillRef>
-      <a:effectRef idx="2">
-        <a:scrgbClr r="0" g="0" b="0"/>
-      </a:effectRef>
-      <a:fontRef idx="minor">
-        <a:schemeClr val="lt1"/>
-      </a:fontRef>
-    </dgm:style>
-  </dgm:styleLbl>
-  <dgm:styleLbl name="parChTrans2D3">
-    <dgm:scene3d>
-      <a:camera prst="orthographicFront"/>
-      <a:lightRig rig="threePt" dir="t"/>
-    </dgm:scene3d>
-    <dgm:sp3d/>
-    <dgm:txPr/>
-    <dgm:style>
-      <a:lnRef idx="1">
-        <a:scrgbClr r="0" g="0" b="0"/>
-      </a:lnRef>
-      <a:fillRef idx="3">
-        <a:scrgbClr r="0" g="0" b="0"/>
-      </a:fillRef>
-      <a:effectRef idx="2">
-        <a:scrgbClr r="0" g="0" b="0"/>
-      </a:effectRef>
-      <a:fontRef idx="minor">
-        <a:schemeClr val="lt1"/>
-      </a:fontRef>
-    </dgm:style>
-  </dgm:styleLbl>
-  <dgm:styleLbl name="parChTrans2D4">
-    <dgm:scene3d>
-      <a:camera prst="orthographicFront"/>
-      <a:lightRig rig="threePt" dir="t"/>
-    </dgm:scene3d>
-    <dgm:sp3d/>
-    <dgm:txPr/>
-    <dgm:style>
-      <a:lnRef idx="1">
-        <a:scrgbClr r="0" g="0" b="0"/>
-      </a:lnRef>
-      <a:fillRef idx="3">
-        <a:scrgbClr r="0" g="0" b="0"/>
-      </a:fillRef>
-      <a:effectRef idx="2">
-        <a:scrgbClr r="0" g="0" b="0"/>
-      </a:effectRef>
-      <a:fontRef idx="minor">
-        <a:schemeClr val="lt1"/>
-      </a:fontRef>
-    </dgm:style>
-  </dgm:styleLbl>
-  <dgm:styleLbl name="parChTrans1D1">
-    <dgm:scene3d>
-      <a:camera prst="orthographicFront"/>
-      <a:lightRig rig="threePt" dir="t"/>
-    </dgm:scene3d>
-    <dgm:sp3d/>
-    <dgm:txPr/>
-    <dgm:style>
-      <a:lnRef idx="1">
-        <a:scrgbClr r="0" g="0" b="0"/>
-      </a:lnRef>
-      <a:fillRef idx="0">
-        <a:scrgbClr r="0" g="0" b="0"/>
-      </a:fillRef>
-      <a:effectRef idx="0">
-        <a:scrgbClr r="0" g="0" b="0"/>
-      </a:effectRef>
-      <a:fontRef idx="minor"/>
-    </dgm:style>
-  </dgm:styleLbl>
-  <dgm:styleLbl name="parChTrans1D2">
-    <dgm:scene3d>
-      <a:camera prst="orthographicFront"/>
-      <a:lightRig rig="threePt" dir="t"/>
-    </dgm:scene3d>
-    <dgm:sp3d/>
-    <dgm:txPr/>
-    <dgm:style>
-      <a:lnRef idx="1">
-        <a:scrgbClr r="0" g="0" b="0"/>
-      </a:lnRef>
-      <a:fillRef idx="0">
-        <a:scrgbClr r="0" g="0" b="0"/>
-      </a:fillRef>
-      <a:effectRef idx="0">
-        <a:scrgbClr r="0" g="0" b="0"/>
-      </a:effectRef>
-      <a:fontRef idx="minor"/>
-    </dgm:style>
-  </dgm:styleLbl>
-  <dgm:styleLbl name="parChTrans1D3">
-    <dgm:scene3d>
-      <a:camera prst="orthographicFront"/>
-      <a:lightRig rig="threePt" dir="t"/>
-    </dgm:scene3d>
-    <dgm:sp3d/>
-    <dgm:txPr/>
-    <dgm:style>
-      <a:lnRef idx="1">
-        <a:scrgbClr r="0" g="0" b="0"/>
-      </a:lnRef>
-      <a:fillRef idx="0">
-        <a:scrgbClr r="0" g="0" b="0"/>
-      </a:fillRef>
-      <a:effectRef idx="0">
-        <a:scrgbClr r="0" g="0" b="0"/>
-      </a:effectRef>
-      <a:fontRef idx="minor"/>
-    </dgm:style>
-  </dgm:styleLbl>
-  <dgm:styleLbl name="parChTrans1D4">
-    <dgm:scene3d>
-      <a:camera prst="orthographicFront"/>
-      <a:lightRig rig="threePt" dir="t"/>
-    </dgm:scene3d>
-    <dgm:sp3d/>
-    <dgm:txPr/>
-    <dgm:style>
-      <a:lnRef idx="1">
-        <a:scrgbClr r="0" g="0" b="0"/>
-      </a:lnRef>
-      <a:fillRef idx="0">
-        <a:scrgbClr r="0" g="0" b="0"/>
-      </a:fillRef>
-      <a:effectRef idx="0">
-        <a:scrgbClr r="0" g="0" b="0"/>
-      </a:effectRef>
-      <a:fontRef idx="minor"/>
-    </dgm:style>
-  </dgm:styleLbl>
-  <dgm:styleLbl name="fgAcc1">
-    <dgm:scene3d>
-      <a:camera prst="orthographicFront"/>
-      <a:lightRig rig="threePt" dir="t"/>
-    </dgm:scene3d>
-    <dgm:sp3d/>
-    <dgm:txPr/>
-    <dgm:style>
-      <a:lnRef idx="1">
-        <a:scrgbClr r="0" g="0" b="0"/>
-      </a:lnRef>
-      <a:fillRef idx="1">
-        <a:scrgbClr r="0" g="0" b="0"/>
-      </a:fillRef>
-      <a:effectRef idx="0">
-        <a:scrgbClr r="0" g="0" b="0"/>
-      </a:effectRef>
-      <a:fontRef idx="minor"/>
-    </dgm:style>
-  </dgm:styleLbl>
-  <dgm:styleLbl name="conFgAcc1">
-    <dgm:scene3d>
-      <a:camera prst="orthographicFront"/>
-      <a:lightRig rig="threePt" dir="t"/>
-    </dgm:scene3d>
-    <dgm:sp3d/>
-    <dgm:txPr/>
-    <dgm:style>
-      <a:lnRef idx="1">
-        <a:scrgbClr r="0" g="0" b="0"/>
-      </a:lnRef>
-      <a:fillRef idx="1">
-        <a:scrgbClr r="0" g="0" b="0"/>
-      </a:fillRef>
-      <a:effectRef idx="0">
-        <a:scrgbClr r="0" g="0" b="0"/>
-      </a:effectRef>
-      <a:fontRef idx="minor"/>
-    </dgm:style>
-  </dgm:styleLbl>
-  <dgm:styleLbl name="alignAcc1">
-    <dgm:scene3d>
-      <a:camera prst="orthographicFront"/>
-      <a:lightRig rig="threePt" dir="t"/>
-    </dgm:scene3d>
-    <dgm:sp3d/>
-    <dgm:txPr/>
-    <dgm:style>
-      <a:lnRef idx="1">
-        <a:scrgbClr r="0" g="0" b="0"/>
-      </a:lnRef>
-      <a:fillRef idx="1">
-        <a:scrgbClr r="0" g="0" b="0"/>
-      </a:fillRef>
-      <a:effectRef idx="0">
-        <a:scrgbClr r="0" g="0" b="0"/>
-      </a:effectRef>
-      <a:fontRef idx="minor"/>
-    </dgm:style>
-  </dgm:styleLbl>
-  <dgm:styleLbl name="trAlignAcc1">
-    <dgm:scene3d>
-      <a:camera prst="orthographicFront"/>
-      <a:lightRig rig="threePt" dir="t"/>
-    </dgm:scene3d>
-    <dgm:sp3d/>
-    <dgm:txPr/>
-    <dgm:style>
-      <a:lnRef idx="1">
-        <a:scrgbClr r="0" g="0" b="0"/>
-      </a:lnRef>
-      <a:fillRef idx="1">
-        <a:scrgbClr r="0" g="0" b="0"/>
-      </a:fillRef>
-      <a:effectRef idx="0">
-        <a:scrgbClr r="0" g="0" b="0"/>
-      </a:effectRef>
-      <a:fontRef idx="minor"/>
-    </dgm:style>
-  </dgm:styleLbl>
-  <dgm:styleLbl name="bgAcc1">
-    <dgm:scene3d>
-      <a:camera prst="orthographicFront"/>
-      <a:lightRig rig="threePt" dir="t"/>
-    </dgm:scene3d>
-    <dgm:sp3d/>
-    <dgm:txPr/>
-    <dgm:style>
-      <a:lnRef idx="1">
-        <a:scrgbClr r="0" g="0" b="0"/>
-      </a:lnRef>
-      <a:fillRef idx="1">
-        <a:scrgbClr r="0" g="0" b="0"/>
-      </a:fillRef>
-      <a:effectRef idx="0">
-        <a:scrgbClr r="0" g="0" b="0"/>
-      </a:effectRef>
-      <a:fontRef idx="minor"/>
-    </dgm:style>
-  </dgm:styleLbl>
-  <dgm:styleLbl name="solidFgAcc1">
-    <dgm:scene3d>
-      <a:camera prst="orthographicFront"/>
-      <a:lightRig rig="threePt" dir="t"/>
-    </dgm:scene3d>
-    <dgm:sp3d/>
-    <dgm:txPr/>
-    <dgm:style>
-      <a:lnRef idx="1">
-        <a:scrgbClr r="0" g="0" b="0"/>
-      </a:lnRef>
-      <a:fillRef idx="1">
-        <a:scrgbClr r="0" g="0" b="0"/>
-      </a:fillRef>
-      <a:effectRef idx="0">
-        <a:scrgbClr r="0" g="0" b="0"/>
-      </a:effectRef>
-      <a:fontRef idx="minor"/>
-    </dgm:style>
-  </dgm:styleLbl>
-  <dgm:styleLbl name="solidAlignAcc1">
-    <dgm:scene3d>
-      <a:camera prst="orthographicFront"/>
-      <a:lightRig rig="threePt" dir="t"/>
-    </dgm:scene3d>
-    <dgm:sp3d/>
-    <dgm:txPr/>
-    <dgm:style>
-      <a:lnRef idx="1">
-        <a:scrgbClr r="0" g="0" b="0"/>
-      </a:lnRef>
-      <a:fillRef idx="1">
-        <a:scrgbClr r="0" g="0" b="0"/>
-      </a:fillRef>
-      <a:effectRef idx="0">
-        <a:scrgbClr r="0" g="0" b="0"/>
-      </a:effectRef>
-      <a:fontRef idx="minor"/>
-    </dgm:style>
-  </dgm:styleLbl>
-  <dgm:styleLbl name="solidBgAcc1">
-    <dgm:scene3d>
-      <a:camera prst="orthographicFront"/>
-      <a:lightRig rig="threePt" dir="t"/>
-    </dgm:scene3d>
-    <dgm:sp3d/>
-    <dgm:txPr/>
-    <dgm:style>
-      <a:lnRef idx="1">
-        <a:scrgbClr r="0" g="0" b="0"/>
-      </a:lnRef>
-      <a:fillRef idx="1">
-        <a:scrgbClr r="0" g="0" b="0"/>
-      </a:fillRef>
-      <a:effectRef idx="0">
-        <a:scrgbClr r="0" g="0" b="0"/>
-      </a:effectRef>
-      <a:fontRef idx="minor"/>
-    </dgm:style>
-  </dgm:styleLbl>
-  <dgm:styleLbl name="fgAccFollowNode1">
-    <dgm:scene3d>
-      <a:camera prst="orthographicFront"/>
-      <a:lightRig rig="threePt" dir="t"/>
-    </dgm:scene3d>
-    <dgm:sp3d/>
-    <dgm:txPr/>
-    <dgm:style>
-      <a:lnRef idx="1">
-        <a:scrgbClr r="0" g="0" b="0"/>
-      </a:lnRef>
-      <a:fillRef idx="1">
-        <a:scrgbClr r="0" g="0" b="0"/>
-      </a:fillRef>
-      <a:effectRef idx="0">
-        <a:scrgbClr r="0" g="0" b="0"/>
-      </a:effectRef>
-      <a:fontRef idx="minor"/>
-    </dgm:style>
-  </dgm:styleLbl>
-  <dgm:styleLbl name="alignAccFollowNode1">
-    <dgm:scene3d>
-      <a:camera prst="orthographicFront"/>
-      <a:lightRig rig="threePt" dir="t"/>
-    </dgm:scene3d>
-    <dgm:sp3d/>
-    <dgm:txPr/>
-    <dgm:style>
-      <a:lnRef idx="1">
-        <a:scrgbClr r="0" g="0" b="0"/>
-      </a:lnRef>
-      <a:fillRef idx="1">
-        <a:scrgbClr r="0" g="0" b="0"/>
-      </a:fillRef>
-      <a:effectRef idx="0">
-        <a:scrgbClr r="0" g="0" b="0"/>
-      </a:effectRef>
-      <a:fontRef idx="minor"/>
-    </dgm:style>
-  </dgm:styleLbl>
-  <dgm:styleLbl name="bgAccFollowNode1">
-    <dgm:scene3d>
-      <a:camera prst="orthographicFront"/>
-      <a:lightRig rig="threePt" dir="t"/>
-    </dgm:scene3d>
-    <dgm:sp3d/>
-    <dgm:txPr/>
-    <dgm:style>
-      <a:lnRef idx="1">
-        <a:scrgbClr r="0" g="0" b="0"/>
-      </a:lnRef>
-      <a:fillRef idx="1">
-        <a:scrgbClr r="0" g="0" b="0"/>
-      </a:fillRef>
-      <a:effectRef idx="0">
-        <a:scrgbClr r="0" g="0" b="0"/>
-      </a:effectRef>
-      <a:fontRef idx="minor"/>
-    </dgm:style>
-  </dgm:styleLbl>
-  <dgm:styleLbl name="fgAcc0">
-    <dgm:scene3d>
-      <a:camera prst="orthographicFront"/>
-      <a:lightRig rig="threePt" dir="t"/>
-    </dgm:scene3d>
-    <dgm:sp3d/>
-    <dgm:txPr/>
-    <dgm:style>
-      <a:lnRef idx="1">
-        <a:scrgbClr r="0" g="0" b="0"/>
-      </a:lnRef>
-      <a:fillRef idx="1">
-        <a:scrgbClr r="0" g="0" b="0"/>
-      </a:fillRef>
-      <a:effectRef idx="0">
-        <a:scrgbClr r="0" g="0" b="0"/>
-      </a:effectRef>
-      <a:fontRef idx="minor"/>
-    </dgm:style>
-  </dgm:styleLbl>
-  <dgm:styleLbl name="fgAcc2">
-    <dgm:scene3d>
-      <a:camera prst="orthographicFront"/>
-      <a:lightRig rig="threePt" dir="t"/>
-    </dgm:scene3d>
-    <dgm:sp3d/>
-    <dgm:txPr/>
-    <dgm:style>
-      <a:lnRef idx="1">
-        <a:scrgbClr r="0" g="0" b="0"/>
-      </a:lnRef>
-      <a:fillRef idx="1">
-        <a:scrgbClr r="0" g="0" b="0"/>
-      </a:fillRef>
-      <a:effectRef idx="0">
-        <a:scrgbClr r="0" g="0" b="0"/>
-      </a:effectRef>
-      <a:fontRef idx="minor"/>
-    </dgm:style>
-  </dgm:styleLbl>
-  <dgm:styleLbl name="fgAcc3">
-    <dgm:scene3d>
-      <a:camera prst="orthographicFront"/>
-      <a:lightRig rig="threePt" dir="t"/>
-    </dgm:scene3d>
-    <dgm:sp3d/>
-    <dgm:txPr/>
-    <dgm:style>
-      <a:lnRef idx="1">
-        <a:scrgbClr r="0" g="0" b="0"/>
-      </a:lnRef>
-      <a:fillRef idx="1">
-        <a:scrgbClr r="0" g="0" b="0"/>
-      </a:fillRef>
-      <a:effectRef idx="0">
-        <a:scrgbClr r="0" g="0" b="0"/>
-      </a:effectRef>
-      <a:fontRef idx="minor"/>
-    </dgm:style>
-  </dgm:styleLbl>
-  <dgm:styleLbl name="fgAcc4">
-    <dgm:scene3d>
-      <a:camera prst="orthographicFront"/>
-      <a:lightRig rig="threePt" dir="t"/>
-    </dgm:scene3d>
-    <dgm:sp3d/>
-    <dgm:txPr/>
-    <dgm:style>
-      <a:lnRef idx="1">
-        <a:scrgbClr r="0" g="0" b="0"/>
-      </a:lnRef>
-      <a:fillRef idx="1">
-        <a:scrgbClr r="0" g="0" b="0"/>
-      </a:fillRef>
-      <a:effectRef idx="0">
-        <a:scrgbClr r="0" g="0" b="0"/>
-      </a:effectRef>
-      <a:fontRef idx="minor"/>
-    </dgm:style>
-  </dgm:styleLbl>
-  <dgm:styleLbl name="bgShp">
-    <dgm:scene3d>
-      <a:camera prst="orthographicFront"/>
-      <a:lightRig rig="threePt" dir="t"/>
-    </dgm:scene3d>
-    <dgm:sp3d/>
-    <dgm:txPr/>
-    <dgm:style>
-      <a:lnRef idx="0">
-        <a:scrgbClr r="0" g="0" b="0"/>
-      </a:lnRef>
-      <a:fillRef idx="1">
-        <a:scrgbClr r="0" g="0" b="0"/>
-      </a:fillRef>
-      <a:effectRef idx="2">
-        <a:scrgbClr r="0" g="0" b="0"/>
-      </a:effectRef>
-      <a:fontRef idx="minor"/>
-    </dgm:style>
-  </dgm:styleLbl>
-  <dgm:styleLbl name="dkBgShp">
-    <dgm:scene3d>
-      <a:camera prst="orthographicFront"/>
-      <a:lightRig rig="threePt" dir="t"/>
-    </dgm:scene3d>
-    <dgm:sp3d/>
-    <dgm:txPr/>
-    <dgm:style>
-      <a:lnRef idx="0">
-        <a:scrgbClr r="0" g="0" b="0"/>
-      </a:lnRef>
-      <a:fillRef idx="1">
-        <a:scrgbClr r="0" g="0" b="0"/>
-      </a:fillRef>
-      <a:effectRef idx="2">
-        <a:scrgbClr r="0" g="0" b="0"/>
-      </a:effectRef>
-      <a:fontRef idx="minor"/>
-    </dgm:style>
-  </dgm:styleLbl>
-  <dgm:styleLbl name="trBgShp">
-    <dgm:scene3d>
-      <a:camera prst="orthographicFront"/>
-      <a:lightRig rig="threePt" dir="t"/>
-    </dgm:scene3d>
-    <dgm:sp3d/>
-    <dgm:txPr/>
-    <dgm:style>
-      <a:lnRef idx="0">
-        <a:scrgbClr r="0" g="0" b="0"/>
-      </a:lnRef>
-      <a:fillRef idx="1">
-        <a:scrgbClr r="0" g="0" b="0"/>
-      </a:fillRef>
-      <a:effectRef idx="0">
-        <a:scrgbClr r="0" g="0" b="0"/>
-      </a:effectRef>
-      <a:fontRef idx="minor"/>
-    </dgm:style>
-  </dgm:styleLbl>
-  <dgm:styleLbl name="fgShp">
-    <dgm:scene3d>
-      <a:camera prst="orthographicFront"/>
-      <a:lightRig rig="threePt" dir="t"/>
-    </dgm:scene3d>
-    <dgm:sp3d/>
-    <dgm:txPr/>
-    <dgm:style>
-      <a:lnRef idx="0">
-        <a:scrgbClr r="0" g="0" b="0"/>
-      </a:lnRef>
-      <a:fillRef idx="3">
-        <a:scrgbClr r="0" g="0" b="0"/>
-      </a:fillRef>
-      <a:effectRef idx="2">
-        <a:scrgbClr r="0" g="0" b="0"/>
-      </a:effectRef>
-      <a:fontRef idx="minor"/>
-    </dgm:style>
-  </dgm:styleLbl>
-  <dgm:styleLbl name="revTx">
-    <dgm:scene3d>
-      <a:camera prst="orthographicFront"/>
-      <a:lightRig rig="threePt" dir="t"/>
-    </dgm:scene3d>
-    <dgm:sp3d/>
-    <dgm:txPr/>
-    <dgm:style>
-      <a:lnRef idx="0">
-        <a:scrgbClr r="0" g="0" b="0"/>
-      </a:lnRef>
-      <a:fillRef idx="0">
-        <a:scrgbClr r="0" g="0" b="0"/>
-      </a:fillRef>
-      <a:effectRef idx="0">
-        <a:scrgbClr r="0" g="0" b="0"/>
-      </a:effectRef>
-      <a:fontRef idx="minor"/>
-    </dgm:style>
-  </dgm:styleLbl>
-</dgm:styleDef>
-</file>
-
-<file path=ppt/diagrams/quickStyle3.xml><?xml version="1.0" encoding="utf-8"?>
 <dgm:styleDef xmlns:dgm="http://schemas.openxmlformats.org/drawingml/2006/diagram" xmlns:a="http://schemas.openxmlformats.org/drawingml/2006/main" uniqueId="urn:microsoft.com/office/officeart/2005/8/quickstyle/simple4">
   <dgm:title val=""/>
   <dgm:desc val=""/>
@@ -11386,7 +7605,7 @@
           <a:p>
             <a:fld id="{AF869721-F543-4A6C-BF9D-65D7CC540427}" type="datetimeFigureOut">
               <a:rPr lang="en-US" smtClean="0"/>
-              <a:t>2/27/2023</a:t>
+              <a:t>3/1/2023</a:t>
             </a:fld>
             <a:endParaRPr lang="en-US" dirty="0"/>
           </a:p>
@@ -11563,7 +7782,7 @@
           <a:p>
             <a:fld id="{C732326A-4C88-4AFB-AA5B-5919D81DFF5B}" type="datetimeFigureOut">
               <a:rPr lang="en-US" smtClean="0"/>
-              <a:t>2/27/2023</a:t>
+              <a:t>3/1/2023</a:t>
             </a:fld>
             <a:endParaRPr lang="en-US" dirty="0"/>
           </a:p>
@@ -12147,91 +8366,7 @@
           <a:p>
             <a:fld id="{C6B3AB32-59DF-41F1-9618-EDFBF5049629}" type="slidenum">
               <a:rPr lang="en-US" smtClean="0"/>
-              <a:t>10</a:t>
-            </a:fld>
-            <a:endParaRPr lang="en-US" dirty="0"/>
-          </a:p>
-        </p:txBody>
-      </p:sp>
-    </p:spTree>
-    <p:extLst>
-      <p:ext uri="{BB962C8B-B14F-4D97-AF65-F5344CB8AC3E}">
-        <p14:creationId xmlns:p14="http://schemas.microsoft.com/office/powerpoint/2010/main" val="3505115597"/>
-      </p:ext>
-    </p:extLst>
-  </p:cSld>
-  <p:clrMapOvr>
-    <a:masterClrMapping/>
-  </p:clrMapOvr>
-</p:notes>
-</file>
-
-<file path=ppt/notesSlides/notesSlide5.xml><?xml version="1.0" encoding="utf-8"?>
-<p:notes xmlns:a="http://schemas.openxmlformats.org/drawingml/2006/main" xmlns:r="http://schemas.openxmlformats.org/officeDocument/2006/relationships" xmlns:p="http://schemas.openxmlformats.org/presentationml/2006/main">
-  <p:cSld>
-    <p:spTree>
-      <p:nvGrpSpPr>
-        <p:cNvPr id="1" name=""/>
-        <p:cNvGrpSpPr/>
-        <p:nvPr/>
-      </p:nvGrpSpPr>
-      <p:grpSpPr>
-        <a:xfrm>
-          <a:off x="0" y="0"/>
-          <a:ext cx="0" cy="0"/>
-          <a:chOff x="0" y="0"/>
-          <a:chExt cx="0" cy="0"/>
-        </a:xfrm>
-      </p:grpSpPr>
-      <p:sp>
-        <p:nvSpPr>
-          <p:cNvPr id="2" name="Slide Image Placeholder 1"/>
-          <p:cNvSpPr>
-            <a:spLocks noGrp="1" noRot="1" noChangeAspect="1"/>
-          </p:cNvSpPr>
-          <p:nvPr>
-            <p:ph type="sldImg"/>
-          </p:nvPr>
-        </p:nvSpPr>
-        <p:spPr/>
-      </p:sp>
-      <p:sp>
-        <p:nvSpPr>
-          <p:cNvPr id="3" name="Notes Placeholder 2"/>
-          <p:cNvSpPr>
-            <a:spLocks noGrp="1"/>
-          </p:cNvSpPr>
-          <p:nvPr>
-            <p:ph type="body" idx="1"/>
-          </p:nvPr>
-        </p:nvSpPr>
-        <p:spPr/>
-        <p:txBody>
-          <a:bodyPr/>
-          <a:lstStyle/>
-          <a:p>
-            <a:endParaRPr lang="en-US" dirty="0"/>
-          </a:p>
-        </p:txBody>
-      </p:sp>
-      <p:sp>
-        <p:nvSpPr>
-          <p:cNvPr id="4" name="Slide Number Placeholder 3"/>
-          <p:cNvSpPr>
-            <a:spLocks noGrp="1"/>
-          </p:cNvSpPr>
-          <p:nvPr>
-            <p:ph type="sldNum" sz="quarter" idx="5"/>
-          </p:nvPr>
-        </p:nvSpPr>
-        <p:spPr/>
-        <p:txBody>
-          <a:bodyPr/>
-          <a:lstStyle/>
-          <a:p>
-            <a:fld id="{C6B3AB32-59DF-41F1-9618-EDFBF5049629}" type="slidenum">
-              <a:rPr lang="en-US" smtClean="0"/>
-              <a:t>13</a:t>
+              <a:t>12</a:t>
             </a:fld>
             <a:endParaRPr lang="en-US" dirty="0"/>
           </a:p>
@@ -12496,7 +8631,7 @@
             <a:fld id="{B61BEF0D-F0BB-DE4B-95CE-6DB70DBA9567}" type="datetimeFigureOut">
               <a:rPr lang="en-US" smtClean="0"/>
               <a:pPr/>
-              <a:t>2/27/2023</a:t>
+              <a:t>3/1/2023</a:t>
             </a:fld>
             <a:endParaRPr lang="en-US" dirty="0"/>
           </a:p>
@@ -12760,7 +8895,7 @@
             <a:fld id="{B61BEF0D-F0BB-DE4B-95CE-6DB70DBA9567}" type="datetimeFigureOut">
               <a:rPr lang="en-US" smtClean="0"/>
               <a:pPr/>
-              <a:t>2/27/2023</a:t>
+              <a:t>3/1/2023</a:t>
             </a:fld>
             <a:endParaRPr lang="en-US" dirty="0"/>
           </a:p>
@@ -12997,7 +9132,7 @@
             <a:fld id="{B61BEF0D-F0BB-DE4B-95CE-6DB70DBA9567}" type="datetimeFigureOut">
               <a:rPr lang="en-US" smtClean="0"/>
               <a:pPr/>
-              <a:t>2/27/2023</a:t>
+              <a:t>3/1/2023</a:t>
             </a:fld>
             <a:endParaRPr lang="en-US" dirty="0"/>
           </a:p>
@@ -13239,7 +9374,7 @@
             <a:fld id="{B61BEF0D-F0BB-DE4B-95CE-6DB70DBA9567}" type="datetimeFigureOut">
               <a:rPr lang="en-US" smtClean="0"/>
               <a:pPr/>
-              <a:t>2/27/2023</a:t>
+              <a:t>3/1/2023</a:t>
             </a:fld>
             <a:endParaRPr lang="en-US" dirty="0"/>
           </a:p>
@@ -13548,7 +9683,7 @@
             <a:fld id="{B61BEF0D-F0BB-DE4B-95CE-6DB70DBA9567}" type="datetimeFigureOut">
               <a:rPr lang="en-US" smtClean="0"/>
               <a:pPr/>
-              <a:t>2/27/2023</a:t>
+              <a:t>3/1/2023</a:t>
             </a:fld>
             <a:endParaRPr lang="en-US" dirty="0"/>
           </a:p>
@@ -13852,7 +9987,7 @@
             <a:fld id="{B61BEF0D-F0BB-DE4B-95CE-6DB70DBA9567}" type="datetimeFigureOut">
               <a:rPr lang="en-US" smtClean="0"/>
               <a:pPr/>
-              <a:t>2/27/2023</a:t>
+              <a:t>3/1/2023</a:t>
             </a:fld>
             <a:endParaRPr lang="en-US" dirty="0"/>
           </a:p>
@@ -14276,7 +10411,7 @@
             <a:fld id="{B61BEF0D-F0BB-DE4B-95CE-6DB70DBA9567}" type="datetimeFigureOut">
               <a:rPr lang="en-US" smtClean="0"/>
               <a:pPr/>
-              <a:t>2/27/2023</a:t>
+              <a:t>3/1/2023</a:t>
             </a:fld>
             <a:endParaRPr lang="en-US" dirty="0"/>
           </a:p>
@@ -14373,7 +10508,7 @@
             <a:fld id="{B61BEF0D-F0BB-DE4B-95CE-6DB70DBA9567}" type="datetimeFigureOut">
               <a:rPr lang="en-US" smtClean="0"/>
               <a:pPr/>
-              <a:t>2/27/2023</a:t>
+              <a:t>3/1/2023</a:t>
             </a:fld>
             <a:endParaRPr lang="en-US" dirty="0"/>
           </a:p>
@@ -14537,7 +10672,7 @@
             <a:fld id="{B61BEF0D-F0BB-DE4B-95CE-6DB70DBA9567}" type="datetimeFigureOut">
               <a:rPr lang="en-US" smtClean="0"/>
               <a:pPr/>
-              <a:t>2/27/2023</a:t>
+              <a:t>3/1/2023</a:t>
             </a:fld>
             <a:endParaRPr lang="en-US" dirty="0"/>
           </a:p>
@@ -14917,7 +11052,7 @@
             <a:fld id="{B61BEF0D-F0BB-DE4B-95CE-6DB70DBA9567}" type="datetimeFigureOut">
               <a:rPr lang="en-US" smtClean="0"/>
               <a:pPr/>
-              <a:t>2/27/2023</a:t>
+              <a:t>3/1/2023</a:t>
             </a:fld>
             <a:endParaRPr lang="en-US" dirty="0"/>
           </a:p>
@@ -15208,7 +11343,7 @@
             <a:fld id="{B61BEF0D-F0BB-DE4B-95CE-6DB70DBA9567}" type="datetimeFigureOut">
               <a:rPr lang="en-US" smtClean="0"/>
               <a:pPr/>
-              <a:t>2/27/2023</a:t>
+              <a:t>3/1/2023</a:t>
             </a:fld>
             <a:endParaRPr lang="en-US" dirty="0"/>
           </a:p>
@@ -15421,7 +11556,7 @@
             <a:fld id="{B61BEF0D-F0BB-DE4B-95CE-6DB70DBA9567}" type="datetimeFigureOut">
               <a:rPr lang="en-US" smtClean="0"/>
               <a:pPr/>
-              <a:t>2/27/2023</a:t>
+              <a:t>3/1/2023</a:t>
             </a:fld>
             <a:endParaRPr lang="en-US" dirty="0"/>
           </a:p>
@@ -16470,16 +12605,8 @@
 </file>
 
 <file path=ppt/slides/slide10.xml><?xml version="1.0" encoding="utf-8"?>
-<p:sld xmlns:a="http://schemas.openxmlformats.org/drawingml/2006/main" xmlns:r="http://schemas.openxmlformats.org/officeDocument/2006/relationships" xmlns:p="http://schemas.openxmlformats.org/presentationml/2006/main" show="0">
+<p:sld xmlns:a="http://schemas.openxmlformats.org/drawingml/2006/main" xmlns:r="http://schemas.openxmlformats.org/officeDocument/2006/relationships" xmlns:p="http://schemas.openxmlformats.org/presentationml/2006/main">
   <p:cSld>
-    <p:bg>
-      <p:bgPr>
-        <a:solidFill>
-          <a:schemeClr val="bg1"/>
-        </a:solidFill>
-        <a:effectLst/>
-      </p:bgPr>
-    </p:bg>
     <p:spTree>
       <p:nvGrpSpPr>
         <p:cNvPr id="1" name=""/>
@@ -16494,297 +12621,12 @@
           <a:chExt cx="0" cy="0"/>
         </a:xfrm>
       </p:grpSpPr>
-      <p:sp useBgFill="1">
-        <p:nvSpPr>
-          <p:cNvPr id="13" name="Rectangle 12">
-            <a:extLst>
-              <a:ext uri="{FF2B5EF4-FFF2-40B4-BE49-F238E27FC236}">
-                <a16:creationId xmlns:a16="http://schemas.microsoft.com/office/drawing/2014/main" id="{4AE9D071-98CF-435C-BD2B-976514544DC5}"/>
-              </a:ext>
-              <a:ext uri="{C183D7F6-B498-43B3-948B-1728B52AA6E4}">
-                <adec:decorative xmlns:adec="http://schemas.microsoft.com/office/drawing/2017/decorative" val="1"/>
-              </a:ext>
-            </a:extLst>
-          </p:cNvPr>
-          <p:cNvSpPr>
-            <a:spLocks noGrp="1" noRot="1" noChangeAspect="1" noMove="1" noResize="1" noEditPoints="1" noAdjustHandles="1" noChangeArrowheads="1" noChangeShapeType="1" noTextEdit="1"/>
-          </p:cNvSpPr>
-          <p:nvPr>
-            <p:extLst>
-              <p:ext uri="{386F3935-93C4-4BCD-93E2-E3B085C9AB24}">
-                <p16:designElem xmlns:p16="http://schemas.microsoft.com/office/powerpoint/2015/main" val="1"/>
-              </p:ext>
-            </p:extLst>
-          </p:nvPr>
-        </p:nvSpPr>
-        <p:spPr>
-          <a:xfrm>
-            <a:off x="0" y="0"/>
-            <a:ext cx="12192000" cy="6858000"/>
-          </a:xfrm>
-          <a:prstGeom prst="rect">
-            <a:avLst/>
-          </a:prstGeom>
-          <a:ln>
-            <a:noFill/>
-          </a:ln>
-        </p:spPr>
-        <p:style>
-          <a:lnRef idx="2">
-            <a:schemeClr val="accent1">
-              <a:shade val="50000"/>
-            </a:schemeClr>
-          </a:lnRef>
-          <a:fillRef idx="1">
-            <a:schemeClr val="accent1"/>
-          </a:fillRef>
-          <a:effectRef idx="0">
-            <a:schemeClr val="accent1"/>
-          </a:effectRef>
-          <a:fontRef idx="minor">
-            <a:schemeClr val="lt1"/>
-          </a:fontRef>
-        </p:style>
-        <p:txBody>
-          <a:bodyPr rtlCol="0" anchor="ctr"/>
-          <a:lstStyle/>
-          <a:p>
-            <a:pPr algn="ctr"/>
-            <a:endParaRPr lang="en-US" dirty="0"/>
-          </a:p>
-        </p:txBody>
-      </p:sp>
-      <p:pic>
-        <p:nvPicPr>
-          <p:cNvPr id="8" name="Content Placeholder 4" descr="Digital Numbers">
-            <a:extLst>
-              <a:ext uri="{FF2B5EF4-FFF2-40B4-BE49-F238E27FC236}">
-                <a16:creationId xmlns:a16="http://schemas.microsoft.com/office/drawing/2014/main" id="{EA70616B-E344-4856-8DF9-707C26236613}"/>
-              </a:ext>
-            </a:extLst>
-          </p:cNvPr>
-          <p:cNvPicPr>
-            <a:picLocks noChangeAspect="1"/>
-          </p:cNvPicPr>
-          <p:nvPr/>
-        </p:nvPicPr>
-        <p:blipFill rotWithShape="1">
-          <a:blip r:embed="rId3" cstate="screen">
-            <a:extLst>
-              <a:ext uri="{28A0092B-C50C-407E-A947-70E740481C1C}">
-                <a14:useLocalDpi xmlns:a14="http://schemas.microsoft.com/office/drawing/2010/main"/>
-              </a:ext>
-            </a:extLst>
-          </a:blip>
-          <a:srcRect t="10681" r="9091" b="12711"/>
-          <a:stretch/>
-        </p:blipFill>
-        <p:spPr>
-          <a:xfrm>
-            <a:off x="20" y="10"/>
-            <a:ext cx="12191980" cy="6857990"/>
-          </a:xfrm>
-          <a:prstGeom prst="rect">
-            <a:avLst/>
-          </a:prstGeom>
-        </p:spPr>
-      </p:pic>
-      <p:grpSp>
-        <p:nvGrpSpPr>
-          <p:cNvPr id="15" name="Group 14">
-            <a:extLst>
-              <a:ext uri="{FF2B5EF4-FFF2-40B4-BE49-F238E27FC236}">
-                <a16:creationId xmlns:a16="http://schemas.microsoft.com/office/drawing/2014/main" id="{D619FC33-16ED-4246-9596-BEFEB55E4CF6}"/>
-              </a:ext>
-              <a:ext uri="{C183D7F6-B498-43B3-948B-1728B52AA6E4}">
-                <adec:decorative xmlns:adec="http://schemas.microsoft.com/office/drawing/2017/decorative" val="1"/>
-              </a:ext>
-            </a:extLst>
-          </p:cNvPr>
-          <p:cNvGrpSpPr>
-            <a:grpSpLocks noGrp="1" noUngrp="1" noRot="1" noChangeAspect="1" noMove="1" noResize="1"/>
-          </p:cNvGrpSpPr>
-          <p:nvPr>
-            <p:extLst>
-              <p:ext uri="{386F3935-93C4-4BCD-93E2-E3B085C9AB24}">
-                <p16:designElem xmlns:p16="http://schemas.microsoft.com/office/powerpoint/2015/main" val="1"/>
-              </p:ext>
-            </p:extLst>
-          </p:nvPr>
-        </p:nvGrpSpPr>
-        <p:grpSpPr>
-          <a:xfrm>
-            <a:off x="438067" y="457200"/>
-            <a:ext cx="7507083" cy="5935132"/>
-            <a:chOff x="438067" y="457200"/>
-            <a:chExt cx="7507083" cy="5935132"/>
-          </a:xfrm>
-        </p:grpSpPr>
-        <p:sp>
-          <p:nvSpPr>
-            <p:cNvPr id="16" name="Rectangle 15">
-              <a:extLst>
-                <a:ext uri="{FF2B5EF4-FFF2-40B4-BE49-F238E27FC236}">
-                  <a16:creationId xmlns:a16="http://schemas.microsoft.com/office/drawing/2014/main" id="{2EEA80E1-F99F-4009-837F-2F72F8A5D580}"/>
-                </a:ext>
-                <a:ext uri="{C183D7F6-B498-43B3-948B-1728B52AA6E4}">
-                  <adec:decorative xmlns:adec="http://schemas.microsoft.com/office/drawing/2017/decorative" val="1"/>
-                </a:ext>
-              </a:extLst>
-            </p:cNvPr>
-            <p:cNvSpPr/>
-            <p:nvPr>
-              <p:extLst>
-                <p:ext uri="{386F3935-93C4-4BCD-93E2-E3B085C9AB24}">
-                  <p16:designElem xmlns:p16="http://schemas.microsoft.com/office/powerpoint/2015/main" val="1"/>
-                </p:ext>
-              </p:extLst>
-            </p:nvPr>
-          </p:nvSpPr>
-          <p:spPr>
-            <a:xfrm>
-              <a:off x="438067" y="618067"/>
-              <a:ext cx="7503665" cy="5774265"/>
-            </a:xfrm>
-            <a:prstGeom prst="rect">
-              <a:avLst/>
-            </a:prstGeom>
-            <a:solidFill>
-              <a:schemeClr val="accent1">
-                <a:alpha val="97000"/>
-              </a:schemeClr>
-            </a:solidFill>
-            <a:ln w="6350" cmpd="sng">
-              <a:noFill/>
-            </a:ln>
-            <a:effectLst/>
-          </p:spPr>
-          <p:style>
-            <a:lnRef idx="1">
-              <a:schemeClr val="accent1"/>
-            </a:lnRef>
-            <a:fillRef idx="3">
-              <a:schemeClr val="accent1"/>
-            </a:fillRef>
-            <a:effectRef idx="2">
-              <a:schemeClr val="accent1"/>
-            </a:effectRef>
-            <a:fontRef idx="minor">
-              <a:schemeClr val="lt1"/>
-            </a:fontRef>
-          </p:style>
-        </p:sp>
-        <p:sp>
-          <p:nvSpPr>
-            <p:cNvPr id="17" name="Rectangle 16">
-              <a:extLst>
-                <a:ext uri="{FF2B5EF4-FFF2-40B4-BE49-F238E27FC236}">
-                  <a16:creationId xmlns:a16="http://schemas.microsoft.com/office/drawing/2014/main" id="{0230AF9A-4641-4BD8-9F95-9607CD304039}"/>
-                </a:ext>
-                <a:ext uri="{C183D7F6-B498-43B3-948B-1728B52AA6E4}">
-                  <adec:decorative xmlns:adec="http://schemas.microsoft.com/office/drawing/2017/decorative" val="1"/>
-                </a:ext>
-              </a:extLst>
-            </p:cNvPr>
-            <p:cNvSpPr/>
-            <p:nvPr>
-              <p:extLst>
-                <p:ext uri="{386F3935-93C4-4BCD-93E2-E3B085C9AB24}">
-                  <p16:designElem xmlns:p16="http://schemas.microsoft.com/office/powerpoint/2015/main" val="1"/>
-                </p:ext>
-              </p:extLst>
-            </p:nvPr>
-          </p:nvSpPr>
-          <p:spPr>
-            <a:xfrm>
-              <a:off x="438068" y="457200"/>
-              <a:ext cx="3703320" cy="94997"/>
-            </a:xfrm>
-            <a:prstGeom prst="rect">
-              <a:avLst/>
-            </a:prstGeom>
-            <a:solidFill>
-              <a:schemeClr val="accent1"/>
-            </a:solidFill>
-            <a:ln>
-              <a:noFill/>
-            </a:ln>
-            <a:effectLst/>
-          </p:spPr>
-          <p:style>
-            <a:lnRef idx="1">
-              <a:schemeClr val="accent1"/>
-            </a:lnRef>
-            <a:fillRef idx="3">
-              <a:schemeClr val="accent1"/>
-            </a:fillRef>
-            <a:effectRef idx="2">
-              <a:schemeClr val="accent1"/>
-            </a:effectRef>
-            <a:fontRef idx="minor">
-              <a:schemeClr val="lt1"/>
-            </a:fontRef>
-          </p:style>
-        </p:sp>
-        <p:sp>
-          <p:nvSpPr>
-            <p:cNvPr id="18" name="Rectangle 17">
-              <a:extLst>
-                <a:ext uri="{FF2B5EF4-FFF2-40B4-BE49-F238E27FC236}">
-                  <a16:creationId xmlns:a16="http://schemas.microsoft.com/office/drawing/2014/main" id="{8703D4EC-9389-41B6-B88B-B6FDC8CD3330}"/>
-                </a:ext>
-                <a:ext uri="{C183D7F6-B498-43B3-948B-1728B52AA6E4}">
-                  <adec:decorative xmlns:adec="http://schemas.microsoft.com/office/drawing/2017/decorative" val="1"/>
-                </a:ext>
-              </a:extLst>
-            </p:cNvPr>
-            <p:cNvSpPr/>
-            <p:nvPr>
-              <p:extLst>
-                <p:ext uri="{386F3935-93C4-4BCD-93E2-E3B085C9AB24}">
-                  <p16:designElem xmlns:p16="http://schemas.microsoft.com/office/powerpoint/2015/main" val="1"/>
-                </p:ext>
-              </p:extLst>
-            </p:nvPr>
-          </p:nvSpPr>
-          <p:spPr>
-            <a:xfrm>
-              <a:off x="4241830" y="457200"/>
-              <a:ext cx="3703320" cy="91440"/>
-            </a:xfrm>
-            <a:prstGeom prst="rect">
-              <a:avLst/>
-            </a:prstGeom>
-            <a:solidFill>
-              <a:schemeClr val="accent2"/>
-            </a:solidFill>
-            <a:ln>
-              <a:noFill/>
-            </a:ln>
-            <a:effectLst/>
-          </p:spPr>
-          <p:style>
-            <a:lnRef idx="1">
-              <a:schemeClr val="accent1"/>
-            </a:lnRef>
-            <a:fillRef idx="3">
-              <a:schemeClr val="accent1"/>
-            </a:fillRef>
-            <a:effectRef idx="2">
-              <a:schemeClr val="accent1"/>
-            </a:effectRef>
-            <a:fontRef idx="minor">
-              <a:schemeClr val="lt1"/>
-            </a:fontRef>
-          </p:style>
-        </p:sp>
-      </p:grpSp>
       <p:sp>
         <p:nvSpPr>
           <p:cNvPr id="2" name="Title 1">
             <a:extLst>
               <a:ext uri="{FF2B5EF4-FFF2-40B4-BE49-F238E27FC236}">
-                <a16:creationId xmlns:a16="http://schemas.microsoft.com/office/drawing/2014/main" id="{7F2616EE-270D-4F4C-BA1F-2708D387B800}"/>
+                <a16:creationId xmlns:a16="http://schemas.microsoft.com/office/drawing/2014/main" id="{230148BE-AF35-18E9-6BE3-4052130DFF8D}"/>
               </a:ext>
             </a:extLst>
           </p:cNvPr>
@@ -16795,61 +12637,110 @@
             <p:ph type="title"/>
           </p:nvPr>
         </p:nvSpPr>
-        <p:spPr>
-          <a:xfrm>
-            <a:off x="584200" y="1006956"/>
-            <a:ext cx="7213600" cy="1121871"/>
-          </a:xfrm>
-        </p:spPr>
+        <p:spPr/>
         <p:txBody>
-          <a:bodyPr anchor="ctr">
+          <a:bodyPr/>
+          <a:lstStyle/>
+          <a:p>
+            <a:r>
+              <a:rPr lang="de-CH" dirty="0"/>
+              <a:t>Pros/</a:t>
+            </a:r>
+            <a:r>
+              <a:rPr lang="de-CH" dirty="0" err="1"/>
+              <a:t>contras</a:t>
+            </a:r>
+            <a:endParaRPr lang="de-CH" dirty="0"/>
+          </a:p>
+        </p:txBody>
+      </p:sp>
+      <p:sp>
+        <p:nvSpPr>
+          <p:cNvPr id="3" name="Content Placeholder 2">
+            <a:extLst>
+              <a:ext uri="{FF2B5EF4-FFF2-40B4-BE49-F238E27FC236}">
+                <a16:creationId xmlns:a16="http://schemas.microsoft.com/office/drawing/2014/main" id="{A93FDFCF-CE5F-FF09-31DD-B28F656CDC23}"/>
+              </a:ext>
+            </a:extLst>
+          </p:cNvPr>
+          <p:cNvSpPr>
+            <a:spLocks noGrp="1"/>
+          </p:cNvSpPr>
+          <p:nvPr>
+            <p:ph idx="1"/>
+          </p:nvPr>
+        </p:nvSpPr>
+        <p:spPr/>
+        <p:txBody>
+          <a:bodyPr>
             <a:normAutofit/>
           </a:bodyPr>
           <a:lstStyle/>
           <a:p>
-            <a:pPr algn="ctr"/>
             <a:r>
-              <a:rPr lang="en-US" dirty="0"/>
-              <a:t>Digital Communications</a:t>
+              <a:rPr lang="de-CH" dirty="0"/>
+              <a:t>FTP Server,  AD + DNS Installation ohne Probleme</a:t>
+            </a:r>
+          </a:p>
+          <a:p>
+            <a:r>
+              <a:rPr lang="de-CH" dirty="0"/>
+              <a:t>DHCP Failover Problemlos</a:t>
+            </a:r>
+          </a:p>
+          <a:p>
+            <a:r>
+              <a:rPr lang="de-CH" dirty="0"/>
+              <a:t>AD + DNS Replikation lief sehr gut, ging im 1.  Versuch</a:t>
+            </a:r>
+          </a:p>
+          <a:p>
+            <a:endParaRPr lang="de-CH" dirty="0"/>
+          </a:p>
+          <a:p>
+            <a:r>
+              <a:rPr lang="de-CH" dirty="0"/>
+              <a:t>Startschwierigkeiten mit Netzwerk</a:t>
+            </a:r>
+          </a:p>
+          <a:p>
+            <a:r>
+              <a:rPr lang="de-CH" dirty="0"/>
+              <a:t>Bluescreen wegen Critical RAM Error</a:t>
+            </a:r>
+          </a:p>
+          <a:p>
+            <a:r>
+              <a:rPr lang="de-CH" dirty="0"/>
+              <a:t>Speicherplatz auf PC (150GB not </a:t>
+            </a:r>
+            <a:r>
+              <a:rPr lang="de-CH" dirty="0" err="1"/>
+              <a:t>enough</a:t>
+            </a:r>
+            <a:r>
+              <a:rPr lang="de-CH" dirty="0"/>
+              <a:t>)</a:t>
+            </a:r>
+          </a:p>
+          <a:p>
+            <a:r>
+              <a:rPr lang="de-CH" dirty="0"/>
+              <a:t>Gruppenrichtlinien</a:t>
+            </a:r>
+          </a:p>
+          <a:p>
+            <a:r>
+              <a:rPr lang="de-CH" dirty="0"/>
+              <a:t>Berechtigungen auf Fileserver</a:t>
             </a:r>
           </a:p>
         </p:txBody>
       </p:sp>
-      <p:graphicFrame>
-        <p:nvGraphicFramePr>
-          <p:cNvPr id="6" name="Content Placeholder 5" descr="SmartArt">
-            <a:extLst>
-              <a:ext uri="{FF2B5EF4-FFF2-40B4-BE49-F238E27FC236}">
-                <a16:creationId xmlns:a16="http://schemas.microsoft.com/office/drawing/2014/main" id="{BF629521-FFD2-45DA-9D1D-A5F09BD5A2D9}"/>
-              </a:ext>
-            </a:extLst>
-          </p:cNvPr>
-          <p:cNvGraphicFramePr>
-            <a:graphicFrameLocks noGrp="1"/>
-          </p:cNvGraphicFramePr>
-          <p:nvPr>
-            <p:ph idx="1"/>
-            <p:extLst>
-              <p:ext uri="{D42A27DB-BD31-4B8C-83A1-F6EECF244321}">
-                <p14:modId xmlns:p14="http://schemas.microsoft.com/office/powerpoint/2010/main" val="3961337641"/>
-              </p:ext>
-            </p:extLst>
-          </p:nvPr>
-        </p:nvGraphicFramePr>
-        <p:xfrm>
-          <a:off x="719571" y="2198254"/>
-          <a:ext cx="6854248" cy="3563938"/>
-        </p:xfrm>
-        <a:graphic>
-          <a:graphicData uri="http://schemas.openxmlformats.org/drawingml/2006/diagram">
-            <dgm:relIds xmlns:dgm="http://schemas.openxmlformats.org/drawingml/2006/diagram" xmlns:r="http://schemas.openxmlformats.org/officeDocument/2006/relationships" r:dm="rId4" r:lo="rId5" r:qs="rId6" r:cs="rId7"/>
-          </a:graphicData>
-        </a:graphic>
-      </p:graphicFrame>
     </p:spTree>
     <p:extLst>
       <p:ext uri="{BB962C8B-B14F-4D97-AF65-F5344CB8AC3E}">
-        <p14:creationId xmlns:p14="http://schemas.microsoft.com/office/powerpoint/2010/main" val="4209322005"/>
+        <p14:creationId xmlns:p14="http://schemas.microsoft.com/office/powerpoint/2010/main" val="1361176064"/>
       </p:ext>
     </p:extLst>
   </p:cSld>
@@ -16892,20 +12783,20 @@
             <p:ph type="title"/>
           </p:nvPr>
         </p:nvSpPr>
-        <p:spPr/>
+        <p:spPr>
+          <a:xfrm>
+            <a:off x="581192" y="671676"/>
+            <a:ext cx="11029616" cy="1013800"/>
+          </a:xfrm>
+        </p:spPr>
         <p:txBody>
           <a:bodyPr/>
           <a:lstStyle/>
           <a:p>
             <a:r>
               <a:rPr lang="de-CH" dirty="0"/>
-              <a:t>Pros/</a:t>
+              <a:t>Fazit</a:t>
             </a:r>
-            <a:r>
-              <a:rPr lang="de-CH" dirty="0" err="1"/>
-              <a:t>contras</a:t>
-            </a:r>
-            <a:endParaRPr lang="de-CH" dirty="0"/>
           </a:p>
         </p:txBody>
       </p:sp>
@@ -16931,164 +12822,20 @@
           <a:lstStyle/>
           <a:p>
             <a:r>
-              <a:rPr lang="de-CH" dirty="0"/>
-              <a:t>FTP Server,  AD + DNS Installation ohne Probleme</a:t>
+              <a:rPr lang="de-CH" sz="2400" dirty="0"/>
+              <a:t>informieren über Verbindungsmethode für VMs über 2 Hosts</a:t>
             </a:r>
           </a:p>
-          <a:p>
-            <a:r>
-              <a:rPr lang="de-CH" dirty="0"/>
-              <a:t>DHCP Failover verlief ohne Störungen</a:t>
-            </a:r>
-          </a:p>
-          <a:p>
-            <a:r>
-              <a:rPr lang="de-CH" dirty="0"/>
-              <a:t>AD + DNS Replikation lief sehr gut, ging im 1.  Versuch</a:t>
-            </a:r>
-          </a:p>
-          <a:p>
-            <a:endParaRPr lang="de-CH" dirty="0"/>
-          </a:p>
-          <a:p>
-            <a:r>
-              <a:rPr lang="de-CH" dirty="0"/>
-              <a:t>Startschwierigkeiten mit Netzwerk und Verbindung zwischen Notebook und </a:t>
-            </a:r>
-            <a:r>
-              <a:rPr lang="de-CH" dirty="0" err="1"/>
-              <a:t>physical</a:t>
-            </a:r>
-            <a:r>
-              <a:rPr lang="de-CH" dirty="0"/>
-              <a:t> PC, Bluescreen wegen Critical RAM Error</a:t>
-            </a:r>
-          </a:p>
-          <a:p>
-            <a:r>
-              <a:rPr lang="de-CH" dirty="0"/>
-              <a:t>Es gab Probleme mit Speicherplatz auf PC, da 150GB nicht genug Storage war.</a:t>
-            </a:r>
-          </a:p>
-          <a:p>
-            <a:r>
-              <a:rPr lang="de-CH" dirty="0"/>
-              <a:t>Gruppenrichtlinien wurden nicht anerkannt oder waren fehlerhaft. Berechtigungen und Delegation fehlerhaft.</a:t>
-            </a:r>
-          </a:p>
-          <a:p>
-            <a:r>
-              <a:rPr lang="de-CH" dirty="0"/>
-              <a:t>Manchmal vergessen, korrekte Berechtigungen zu setzen. (Auf Fileserver)</a:t>
-            </a:r>
-          </a:p>
-        </p:txBody>
-      </p:sp>
-    </p:spTree>
-    <p:extLst>
-      <p:ext uri="{BB962C8B-B14F-4D97-AF65-F5344CB8AC3E}">
-        <p14:creationId xmlns:p14="http://schemas.microsoft.com/office/powerpoint/2010/main" val="1361176064"/>
-      </p:ext>
-    </p:extLst>
-  </p:cSld>
-  <p:clrMapOvr>
-    <a:masterClrMapping/>
-  </p:clrMapOvr>
-</p:sld>
-</file>
-
-<file path=ppt/slides/slide12.xml><?xml version="1.0" encoding="utf-8"?>
-<p:sld xmlns:a="http://schemas.openxmlformats.org/drawingml/2006/main" xmlns:r="http://schemas.openxmlformats.org/officeDocument/2006/relationships" xmlns:p="http://schemas.openxmlformats.org/presentationml/2006/main">
-  <p:cSld>
-    <p:spTree>
-      <p:nvGrpSpPr>
-        <p:cNvPr id="1" name=""/>
-        <p:cNvGrpSpPr/>
-        <p:nvPr/>
-      </p:nvGrpSpPr>
-      <p:grpSpPr>
-        <a:xfrm>
-          <a:off x="0" y="0"/>
-          <a:ext cx="0" cy="0"/>
-          <a:chOff x="0" y="0"/>
-          <a:chExt cx="0" cy="0"/>
-        </a:xfrm>
-      </p:grpSpPr>
-      <p:sp>
-        <p:nvSpPr>
-          <p:cNvPr id="2" name="Title 1">
-            <a:extLst>
-              <a:ext uri="{FF2B5EF4-FFF2-40B4-BE49-F238E27FC236}">
-                <a16:creationId xmlns:a16="http://schemas.microsoft.com/office/drawing/2014/main" id="{230148BE-AF35-18E9-6BE3-4052130DFF8D}"/>
-              </a:ext>
-            </a:extLst>
-          </p:cNvPr>
-          <p:cNvSpPr>
-            <a:spLocks noGrp="1"/>
-          </p:cNvSpPr>
-          <p:nvPr>
-            <p:ph type="title"/>
-          </p:nvPr>
-        </p:nvSpPr>
-        <p:spPr>
-          <a:xfrm>
-            <a:off x="581192" y="671676"/>
-            <a:ext cx="11029616" cy="1013800"/>
-          </a:xfrm>
-        </p:spPr>
-        <p:txBody>
-          <a:bodyPr/>
-          <a:lstStyle/>
-          <a:p>
-            <a:r>
-              <a:rPr lang="de-CH" dirty="0"/>
-              <a:t>Fazit</a:t>
-            </a:r>
-          </a:p>
-        </p:txBody>
-      </p:sp>
-      <p:sp>
-        <p:nvSpPr>
-          <p:cNvPr id="3" name="Content Placeholder 2">
-            <a:extLst>
-              <a:ext uri="{FF2B5EF4-FFF2-40B4-BE49-F238E27FC236}">
-                <a16:creationId xmlns:a16="http://schemas.microsoft.com/office/drawing/2014/main" id="{A93FDFCF-CE5F-FF09-31DD-B28F656CDC23}"/>
-              </a:ext>
-            </a:extLst>
-          </p:cNvPr>
-          <p:cNvSpPr>
-            <a:spLocks noGrp="1"/>
-          </p:cNvSpPr>
-          <p:nvPr>
-            <p:ph idx="1"/>
-          </p:nvPr>
-        </p:nvSpPr>
-        <p:spPr/>
-        <p:txBody>
-          <a:bodyPr/>
-          <a:lstStyle/>
           <a:p>
             <a:r>
               <a:rPr lang="de-CH" sz="2400" dirty="0"/>
-              <a:t>Nächstes mal im Voraus besser informieren über Verbindungsmethode für VMs über 2 Hosts.</a:t>
+              <a:t>Gute Planung + Übersicht</a:t>
             </a:r>
           </a:p>
           <a:p>
             <a:r>
               <a:rPr lang="de-CH" sz="2400" dirty="0"/>
-              <a:t>Planung war gut, ich wusste wann, wie, wo und was ich machen wollte.</a:t>
-            </a:r>
-          </a:p>
-          <a:p>
-            <a:r>
-              <a:rPr lang="de-CH" sz="2400" dirty="0"/>
-              <a:t>Auch während dem Projekt konnte ich noch Änderungen daran vornehmen</a:t>
-            </a:r>
-          </a:p>
-          <a:p>
-            <a:r>
-              <a:rPr lang="de-CH" sz="2400" dirty="0"/>
-              <a:t>Mehr auf Berechtigungen zu achten.</a:t>
+              <a:t>Änderungen jederzeit möglich</a:t>
             </a:r>
           </a:p>
           <a:p>
@@ -17115,7 +12862,7 @@
 </p:sld>
 </file>
 
-<file path=ppt/slides/slide13.xml><?xml version="1.0" encoding="utf-8"?>
+<file path=ppt/slides/slide12.xml><?xml version="1.0" encoding="utf-8"?>
 <p:sld xmlns:a="http://schemas.openxmlformats.org/drawingml/2006/main" xmlns:r="http://schemas.openxmlformats.org/officeDocument/2006/relationships" xmlns:p="http://schemas.openxmlformats.org/presentationml/2006/main">
   <p:cSld>
     <p:bg>
@@ -17466,68 +13213,69 @@
         </p:spPr>
         <p:txBody>
           <a:bodyPr>
-            <a:normAutofit/>
+            <a:normAutofit fontScale="90000"/>
           </a:bodyPr>
           <a:lstStyle/>
           <a:p>
             <a:r>
-              <a:rPr lang="en-US" dirty="0">
+              <a:rPr lang="en-US" sz="4000" dirty="0" err="1">
                 <a:solidFill>
-                  <a:srgbClr val="FFFFFF"/>
+                  <a:schemeClr val="bg2"/>
                 </a:solidFill>
               </a:rPr>
-              <a:t>Vielen Dank </a:t>
+              <a:t>Jetzt</a:t>
             </a:r>
             <a:r>
-              <a:rPr lang="en-US" dirty="0" err="1">
+              <a:rPr lang="en-US" sz="4000" dirty="0">
                 <a:solidFill>
-                  <a:srgbClr val="FFFFFF"/>
+                  <a:schemeClr val="bg2"/>
                 </a:solidFill>
               </a:rPr>
-              <a:t>fürs</a:t>
+              <a:t> </a:t>
             </a:r>
             <a:r>
-              <a:rPr lang="en-US" dirty="0">
+              <a:rPr lang="en-US" sz="4000" dirty="0" err="1">
                 <a:solidFill>
-                  <a:srgbClr val="FFFFFF"/>
+                  <a:schemeClr val="bg2"/>
                 </a:solidFill>
               </a:rPr>
-              <a:t> zuhören</a:t>
+              <a:t>ist</a:t>
             </a:r>
-          </a:p>
-        </p:txBody>
-      </p:sp>
-      <p:sp>
-        <p:nvSpPr>
-          <p:cNvPr id="3" name="Subtitle 2">
-            <a:extLst>
-              <a:ext uri="{FF2B5EF4-FFF2-40B4-BE49-F238E27FC236}">
-                <a16:creationId xmlns:a16="http://schemas.microsoft.com/office/drawing/2014/main" id="{A9CB511D-EA45-4336-847C-1252667143B5}"/>
-              </a:ext>
-            </a:extLst>
-          </p:cNvPr>
-          <p:cNvSpPr>
-            <a:spLocks noGrp="1"/>
-          </p:cNvSpPr>
-          <p:nvPr>
-            <p:ph type="subTitle" idx="1"/>
-          </p:nvPr>
-        </p:nvSpPr>
-        <p:spPr>
-          <a:xfrm>
-            <a:off x="8296275" y="3505095"/>
-            <a:ext cx="3081576" cy="2629006"/>
-          </a:xfrm>
-        </p:spPr>
-        <p:txBody>
-          <a:bodyPr>
-            <a:normAutofit/>
-          </a:bodyPr>
-          <a:lstStyle/>
-          <a:p>
+            <a:r>
+              <a:rPr lang="en-US" sz="4000" dirty="0">
+                <a:solidFill>
+                  <a:schemeClr val="bg2"/>
+                </a:solidFill>
+              </a:rPr>
+              <a:t> </a:t>
+            </a:r>
+            <a:r>
+              <a:rPr lang="en-US" sz="4000" dirty="0" err="1">
+                <a:solidFill>
+                  <a:schemeClr val="bg2"/>
+                </a:solidFill>
+              </a:rPr>
+              <a:t>zeit</a:t>
+            </a:r>
+            <a:r>
+              <a:rPr lang="en-US" sz="4000" dirty="0">
+                <a:solidFill>
+                  <a:schemeClr val="bg2"/>
+                </a:solidFill>
+              </a:rPr>
+              <a:t> für </a:t>
+            </a:r>
+            <a:r>
+              <a:rPr lang="en-US" sz="4000" dirty="0" err="1">
+                <a:solidFill>
+                  <a:schemeClr val="bg2"/>
+                </a:solidFill>
+              </a:rPr>
+              <a:t>fragen</a:t>
+            </a:r>
             <a:endParaRPr lang="en-US" dirty="0">
               <a:solidFill>
-                <a:schemeClr val="bg2"/>
+                <a:srgbClr val="FFFFFF"/>
               </a:solidFill>
             </a:endParaRPr>
           </a:p>
@@ -17581,7 +13329,7 @@
 </p:sld>
 </file>
 
-<file path=ppt/slides/slide14.xml><?xml version="1.0" encoding="utf-8"?>
+<file path=ppt/slides/slide13.xml><?xml version="1.0" encoding="utf-8"?>
 <p:sld xmlns:a="http://schemas.openxmlformats.org/drawingml/2006/main" xmlns:r="http://schemas.openxmlformats.org/officeDocument/2006/relationships" xmlns:p="http://schemas.openxmlformats.org/presentationml/2006/main">
   <p:cSld>
     <p:spTree>
@@ -17694,7 +13442,13 @@
               <a:rPr lang="de-CH" dirty="0">
                 <a:hlinkClick r:id="rId5"/>
               </a:rPr>
-              <a:t>tech-faq.net</a:t>
+              <a:t>tech-faq</a:t>
+            </a:r>
+            <a:r>
+              <a:rPr lang="de-CH">
+                <a:hlinkClick r:id="rId5"/>
+              </a:rPr>
+              <a:t>.net</a:t>
             </a:r>
             <a:endParaRPr lang="de-CH" dirty="0"/>
           </a:p>
@@ -17989,9 +13743,16 @@
             <p:ph type="title"/>
           </p:nvPr>
         </p:nvSpPr>
-        <p:spPr/>
+        <p:spPr>
+          <a:xfrm>
+            <a:off x="581193" y="729658"/>
+            <a:ext cx="11029616" cy="988332"/>
+          </a:xfrm>
+        </p:spPr>
         <p:txBody>
-          <a:bodyPr/>
+          <a:bodyPr anchor="b">
+            <a:normAutofit/>
+          </a:bodyPr>
           <a:lstStyle/>
           <a:p>
             <a:r>
@@ -18014,23 +13775,92 @@
             <a:spLocks noGrp="1"/>
           </p:cNvSpPr>
           <p:nvPr>
-            <p:ph idx="1"/>
+            <p:ph sz="half" idx="1"/>
           </p:nvPr>
         </p:nvSpPr>
-        <p:spPr/>
+        <p:spPr>
+          <a:xfrm>
+            <a:off x="581193" y="2228003"/>
+            <a:ext cx="5422390" cy="3633047"/>
+          </a:xfrm>
+        </p:spPr>
         <p:txBody>
-          <a:bodyPr>
+          <a:bodyPr anchor="ctr">
             <a:normAutofit/>
           </a:bodyPr>
           <a:lstStyle/>
           <a:p>
             <a:r>
-              <a:rPr lang="de-CH" sz="2400" dirty="0"/>
+              <a:rPr lang="de-CH"/>
               <a:t>Netzwerk für KMU aufsetzen und Betriebsbereit machen</a:t>
             </a:r>
           </a:p>
+          <a:p>
+            <a:pPr lvl="1"/>
+            <a:r>
+              <a:rPr lang="de-CH" sz="1800"/>
+              <a:t>KMU = Klein- / </a:t>
+            </a:r>
+            <a:r>
+              <a:rPr lang="de-CH" sz="1800" err="1"/>
+              <a:t>Mitttelunternehmen</a:t>
+            </a:r>
+            <a:endParaRPr lang="de-CH" sz="1800"/>
+          </a:p>
+          <a:p>
+            <a:pPr lvl="1"/>
+            <a:endParaRPr lang="de-CH" sz="1800"/>
+          </a:p>
         </p:txBody>
       </p:sp>
+      <p:pic>
+        <p:nvPicPr>
+          <p:cNvPr id="1026" name="Picture 2" descr="2.1.1. Quantitative Definitionen - St. Galler Business School">
+            <a:extLst>
+              <a:ext uri="{FF2B5EF4-FFF2-40B4-BE49-F238E27FC236}">
+                <a16:creationId xmlns:a16="http://schemas.microsoft.com/office/drawing/2014/main" id="{1B8A97A5-B2E4-B15B-C699-8291D42E5D9D}"/>
+              </a:ext>
+            </a:extLst>
+          </p:cNvPr>
+          <p:cNvPicPr>
+            <a:picLocks noChangeAspect="1" noChangeArrowheads="1"/>
+          </p:cNvPicPr>
+          <p:nvPr/>
+        </p:nvPicPr>
+        <p:blipFill>
+          <a:blip r:embed="rId2">
+            <a:extLst>
+              <a:ext uri="{28A0092B-C50C-407E-A947-70E740481C1C}">
+                <a14:useLocalDpi xmlns:a14="http://schemas.microsoft.com/office/drawing/2010/main" val="0"/>
+              </a:ext>
+            </a:extLst>
+          </a:blip>
+          <a:stretch>
+            <a:fillRect/>
+          </a:stretch>
+        </p:blipFill>
+        <p:spPr bwMode="auto">
+          <a:xfrm>
+            <a:off x="7016621" y="2150414"/>
+            <a:ext cx="3751179" cy="3721797"/>
+          </a:xfrm>
+          <a:prstGeom prst="rect">
+            <a:avLst/>
+          </a:prstGeom>
+          <a:solidFill>
+            <a:srgbClr val="FFFFFF"/>
+          </a:solidFill>
+          <a:extLst>
+            <a:ext uri="{909E8E84-426E-40DD-AFC4-6F175D3DCCD1}">
+              <a14:hiddenFill xmlns:a14="http://schemas.microsoft.com/office/drawing/2010/main">
+                <a:solidFill>
+                  <a:srgbClr val="FFFFFF"/>
+                </a:solidFill>
+              </a14:hiddenFill>
+            </a:ext>
+          </a:extLst>
+        </p:spPr>
+      </p:pic>
     </p:spTree>
     <p:extLst>
       <p:ext uri="{BB962C8B-B14F-4D97-AF65-F5344CB8AC3E}">
@@ -18132,7 +13962,7 @@
           <a:p>
             <a:r>
               <a:rPr lang="de-CH" sz="2000" dirty="0"/>
-              <a:t>Server in betrieb nehmen (2)</a:t>
+              <a:t>Server und Clients in betrieb nehmen (2)</a:t>
             </a:r>
           </a:p>
           <a:p>
@@ -18169,7 +13999,7 @@
 </file>
 
 <file path=ppt/slides/slide5.xml><?xml version="1.0" encoding="utf-8"?>
-<p:sld xmlns:a="http://schemas.openxmlformats.org/drawingml/2006/main" xmlns:r="http://schemas.openxmlformats.org/officeDocument/2006/relationships" xmlns:p="http://schemas.openxmlformats.org/presentationml/2006/main" show="0">
+<p:sld xmlns:a="http://schemas.openxmlformats.org/drawingml/2006/main" xmlns:r="http://schemas.openxmlformats.org/officeDocument/2006/relationships" xmlns:p="http://schemas.openxmlformats.org/presentationml/2006/main">
   <p:cSld>
     <p:spTree>
       <p:nvGrpSpPr>
@@ -18444,7 +14274,7 @@
 </file>
 
 <file path=ppt/slides/slide6.xml><?xml version="1.0" encoding="utf-8"?>
-<p:sld xmlns:a="http://schemas.openxmlformats.org/drawingml/2006/main" xmlns:r="http://schemas.openxmlformats.org/officeDocument/2006/relationships" xmlns:p="http://schemas.openxmlformats.org/presentationml/2006/main" show="0">
+<p:sld xmlns:a="http://schemas.openxmlformats.org/drawingml/2006/main" xmlns:r="http://schemas.openxmlformats.org/officeDocument/2006/relationships" xmlns:p="http://schemas.openxmlformats.org/presentationml/2006/main">
   <p:cSld>
     <p:spTree>
       <p:nvGrpSpPr>
@@ -18525,15 +14355,7 @@
           <a:p>
             <a:r>
               <a:rPr lang="de-CH" dirty="0"/>
-              <a:t>Virtuelles Netzwerk in «</a:t>
-            </a:r>
-            <a:r>
-              <a:rPr lang="de-CH" dirty="0" err="1"/>
-              <a:t>Virtuel</a:t>
-            </a:r>
-            <a:r>
-              <a:rPr lang="de-CH" dirty="0"/>
-              <a:t> Network </a:t>
+              <a:t>Konfiguration VNET in «V-NET </a:t>
             </a:r>
             <a:r>
               <a:rPr lang="de-CH" dirty="0" err="1"/>
@@ -18541,61 +14363,20 @@
             </a:r>
             <a:r>
               <a:rPr lang="de-CH" dirty="0"/>
-              <a:t>» auf </a:t>
+              <a:t>»</a:t>
             </a:r>
-            <a:r>
-              <a:rPr lang="de-CH" dirty="0" err="1"/>
-              <a:t>vmWare</a:t>
-            </a:r>
+          </a:p>
+          <a:p>
             <a:r>
               <a:rPr lang="de-CH" dirty="0"/>
-              <a:t> konfigurieren</a:t>
+              <a:t>Netzwerk zuweisen</a:t>
             </a:r>
           </a:p>
           <a:p>
             <a:r>
               <a:rPr lang="de-CH" dirty="0"/>
-              <a:t>Netzwerk den VMs zuweisen</a:t>
+              <a:t>Hosts einbinden mit Static IP</a:t>
             </a:r>
-          </a:p>
-          <a:p>
-            <a:r>
-              <a:rPr lang="de-CH" dirty="0"/>
-              <a:t>Aktiver Netzwerkadapter für VNET auf </a:t>
-            </a:r>
-            <a:r>
-              <a:rPr lang="de-CH" dirty="0" err="1"/>
-              <a:t>ethernet</a:t>
-            </a:r>
-            <a:r>
-              <a:rPr lang="de-CH" dirty="0"/>
-              <a:t> «</a:t>
-            </a:r>
-            <a:r>
-              <a:rPr lang="de-CH" dirty="0" err="1"/>
-              <a:t>realtek</a:t>
-            </a:r>
-            <a:r>
-              <a:rPr lang="de-CH" dirty="0"/>
-              <a:t> PCIe </a:t>
-            </a:r>
-            <a:r>
-              <a:rPr lang="de-CH" dirty="0" err="1"/>
-              <a:t>Gbe</a:t>
-            </a:r>
-            <a:r>
-              <a:rPr lang="de-CH" dirty="0"/>
-              <a:t> Family Controller» umstellen</a:t>
-            </a:r>
-          </a:p>
-          <a:p>
-            <a:r>
-              <a:rPr lang="de-CH" dirty="0"/>
-              <a:t>Hosts eine IP aus Netzwerk mit diesem NIC zuweisen</a:t>
-            </a:r>
-          </a:p>
-          <a:p>
-            <a:endParaRPr lang="de-CH" dirty="0"/>
           </a:p>
           <a:p>
             <a:endParaRPr lang="de-CH" dirty="0"/>
@@ -19104,7 +14885,108 @@
 </file>
 
 <file path=ppt/slides/slide8.xml><?xml version="1.0" encoding="utf-8"?>
-<p:sld xmlns:a="http://schemas.openxmlformats.org/drawingml/2006/main" xmlns:r="http://schemas.openxmlformats.org/officeDocument/2006/relationships" xmlns:p="http://schemas.openxmlformats.org/presentationml/2006/main" show="0">
+<p:sld xmlns:a="http://schemas.openxmlformats.org/drawingml/2006/main" xmlns:r="http://schemas.openxmlformats.org/officeDocument/2006/relationships" xmlns:p="http://schemas.openxmlformats.org/presentationml/2006/main">
+  <p:cSld>
+    <p:spTree>
+      <p:nvGrpSpPr>
+        <p:cNvPr id="1" name=""/>
+        <p:cNvGrpSpPr/>
+        <p:nvPr/>
+      </p:nvGrpSpPr>
+      <p:grpSpPr>
+        <a:xfrm>
+          <a:off x="0" y="0"/>
+          <a:ext cx="0" cy="0"/>
+          <a:chOff x="0" y="0"/>
+          <a:chExt cx="0" cy="0"/>
+        </a:xfrm>
+      </p:grpSpPr>
+      <p:sp>
+        <p:nvSpPr>
+          <p:cNvPr id="2" name="Title 1">
+            <a:extLst>
+              <a:ext uri="{FF2B5EF4-FFF2-40B4-BE49-F238E27FC236}">
+                <a16:creationId xmlns:a16="http://schemas.microsoft.com/office/drawing/2014/main" id="{230148BE-AF35-18E9-6BE3-4052130DFF8D}"/>
+              </a:ext>
+            </a:extLst>
+          </p:cNvPr>
+          <p:cNvSpPr>
+            <a:spLocks noGrp="1"/>
+          </p:cNvSpPr>
+          <p:nvPr>
+            <p:ph type="title"/>
+          </p:nvPr>
+        </p:nvSpPr>
+        <p:spPr/>
+        <p:txBody>
+          <a:bodyPr/>
+          <a:lstStyle/>
+          <a:p>
+            <a:r>
+              <a:rPr lang="de-CH" dirty="0"/>
+              <a:t>Was ist eine Replikation</a:t>
+            </a:r>
+          </a:p>
+        </p:txBody>
+      </p:sp>
+      <p:sp>
+        <p:nvSpPr>
+          <p:cNvPr id="3" name="Content Placeholder 2">
+            <a:extLst>
+              <a:ext uri="{FF2B5EF4-FFF2-40B4-BE49-F238E27FC236}">
+                <a16:creationId xmlns:a16="http://schemas.microsoft.com/office/drawing/2014/main" id="{A93FDFCF-CE5F-FF09-31DD-B28F656CDC23}"/>
+              </a:ext>
+            </a:extLst>
+          </p:cNvPr>
+          <p:cNvSpPr>
+            <a:spLocks noGrp="1"/>
+          </p:cNvSpPr>
+          <p:nvPr>
+            <p:ph idx="1"/>
+          </p:nvPr>
+        </p:nvSpPr>
+        <p:spPr/>
+        <p:txBody>
+          <a:bodyPr/>
+          <a:lstStyle/>
+          <a:p>
+            <a:r>
+              <a:rPr lang="de-CH" dirty="0"/>
+              <a:t>Replikationsserver = Ausfall / Backupserver</a:t>
+            </a:r>
+          </a:p>
+          <a:p>
+            <a:r>
+              <a:rPr lang="de-CH" dirty="0"/>
+              <a:t>Bei Ausfall von Main Server (vSRV01) schaltet sich vSRV02 automatisch für die konfigurierten Dienste ein und macht ab dem gleichen Standpunkt weiter.</a:t>
+            </a:r>
+          </a:p>
+          <a:p>
+            <a:r>
+              <a:rPr lang="de-CH" dirty="0"/>
+              <a:t>Minimaler Datenverlust bei Ausfall und hohe Uptime. (Bei korrekter Konfiguration + Umsetzung)</a:t>
+            </a:r>
+          </a:p>
+          <a:p>
+            <a:endParaRPr lang="de-CH" dirty="0"/>
+          </a:p>
+        </p:txBody>
+      </p:sp>
+    </p:spTree>
+    <p:extLst>
+      <p:ext uri="{BB962C8B-B14F-4D97-AF65-F5344CB8AC3E}">
+        <p14:creationId xmlns:p14="http://schemas.microsoft.com/office/powerpoint/2010/main" val="3835322438"/>
+      </p:ext>
+    </p:extLst>
+  </p:cSld>
+  <p:clrMapOvr>
+    <a:masterClrMapping/>
+  </p:clrMapOvr>
+</p:sld>
+</file>
+
+<file path=ppt/slides/slide9.xml><?xml version="1.0" encoding="utf-8"?>
+<p:sld xmlns:a="http://schemas.openxmlformats.org/drawingml/2006/main" xmlns:r="http://schemas.openxmlformats.org/officeDocument/2006/relationships" xmlns:p="http://schemas.openxmlformats.org/presentationml/2006/main">
   <p:cSld>
     <p:spTree>
       <p:nvGrpSpPr>
@@ -19207,107 +15089,6 @@
     <p:extLst>
       <p:ext uri="{BB962C8B-B14F-4D97-AF65-F5344CB8AC3E}">
         <p14:creationId xmlns:p14="http://schemas.microsoft.com/office/powerpoint/2010/main" val="21540806"/>
-      </p:ext>
-    </p:extLst>
-  </p:cSld>
-  <p:clrMapOvr>
-    <a:masterClrMapping/>
-  </p:clrMapOvr>
-</p:sld>
-</file>
-
-<file path=ppt/slides/slide9.xml><?xml version="1.0" encoding="utf-8"?>
-<p:sld xmlns:a="http://schemas.openxmlformats.org/drawingml/2006/main" xmlns:r="http://schemas.openxmlformats.org/officeDocument/2006/relationships" xmlns:p="http://schemas.openxmlformats.org/presentationml/2006/main" show="0">
-  <p:cSld>
-    <p:spTree>
-      <p:nvGrpSpPr>
-        <p:cNvPr id="1" name=""/>
-        <p:cNvGrpSpPr/>
-        <p:nvPr/>
-      </p:nvGrpSpPr>
-      <p:grpSpPr>
-        <a:xfrm>
-          <a:off x="0" y="0"/>
-          <a:ext cx="0" cy="0"/>
-          <a:chOff x="0" y="0"/>
-          <a:chExt cx="0" cy="0"/>
-        </a:xfrm>
-      </p:grpSpPr>
-      <p:sp>
-        <p:nvSpPr>
-          <p:cNvPr id="2" name="Title 1">
-            <a:extLst>
-              <a:ext uri="{FF2B5EF4-FFF2-40B4-BE49-F238E27FC236}">
-                <a16:creationId xmlns:a16="http://schemas.microsoft.com/office/drawing/2014/main" id="{230148BE-AF35-18E9-6BE3-4052130DFF8D}"/>
-              </a:ext>
-            </a:extLst>
-          </p:cNvPr>
-          <p:cNvSpPr>
-            <a:spLocks noGrp="1"/>
-          </p:cNvSpPr>
-          <p:nvPr>
-            <p:ph type="title"/>
-          </p:nvPr>
-        </p:nvSpPr>
-        <p:spPr/>
-        <p:txBody>
-          <a:bodyPr/>
-          <a:lstStyle/>
-          <a:p>
-            <a:r>
-              <a:rPr lang="de-CH" dirty="0"/>
-              <a:t>Was ist eine Replikation</a:t>
-            </a:r>
-          </a:p>
-        </p:txBody>
-      </p:sp>
-      <p:sp>
-        <p:nvSpPr>
-          <p:cNvPr id="3" name="Content Placeholder 2">
-            <a:extLst>
-              <a:ext uri="{FF2B5EF4-FFF2-40B4-BE49-F238E27FC236}">
-                <a16:creationId xmlns:a16="http://schemas.microsoft.com/office/drawing/2014/main" id="{A93FDFCF-CE5F-FF09-31DD-B28F656CDC23}"/>
-              </a:ext>
-            </a:extLst>
-          </p:cNvPr>
-          <p:cNvSpPr>
-            <a:spLocks noGrp="1"/>
-          </p:cNvSpPr>
-          <p:nvPr>
-            <p:ph idx="1"/>
-          </p:nvPr>
-        </p:nvSpPr>
-        <p:spPr/>
-        <p:txBody>
-          <a:bodyPr/>
-          <a:lstStyle/>
-          <a:p>
-            <a:r>
-              <a:rPr lang="de-CH" dirty="0"/>
-              <a:t>Replikationsserver = Ausfall / Backupserver</a:t>
-            </a:r>
-          </a:p>
-          <a:p>
-            <a:r>
-              <a:rPr lang="de-CH" dirty="0"/>
-              <a:t>Bei Ausfall von Main Server (vSRV01) schaltet sich vSRV02 automatisch für die konfigurierten Dienste ein und macht ab dem gleichen Standpunkt weiter.</a:t>
-            </a:r>
-          </a:p>
-          <a:p>
-            <a:r>
-              <a:rPr lang="de-CH" dirty="0"/>
-              <a:t>Minimaler Datenverlust bei Ausfall und hohe Uptime. (Bei korrekter Konfiguration + Umsetzung)</a:t>
-            </a:r>
-          </a:p>
-          <a:p>
-            <a:endParaRPr lang="de-CH" dirty="0"/>
-          </a:p>
-        </p:txBody>
-      </p:sp>
-    </p:spTree>
-    <p:extLst>
-      <p:ext uri="{BB962C8B-B14F-4D97-AF65-F5344CB8AC3E}">
-        <p14:creationId xmlns:p14="http://schemas.microsoft.com/office/powerpoint/2010/main" val="3835322438"/>
       </p:ext>
     </p:extLst>
   </p:cSld>
